--- a/포트폴리오.pptx
+++ b/포트폴리오.pptx
@@ -1,6 +1,6 @@
 
 <file path=ppt/presentation.xml><?xml version="1.0" encoding="utf-8"?>
-<p:presentation xmlns:a="http://schemas.openxmlformats.org/drawingml/2006/main" xmlns:r="http://schemas.openxmlformats.org/officeDocument/2006/relationships" xmlns:p="http://schemas.openxmlformats.org/presentationml/2006/main" saveSubsetFonts="1">
+<p:presentation xmlns:a="http://schemas.openxmlformats.org/drawingml/2006/main" xmlns:r="http://schemas.openxmlformats.org/officeDocument/2006/relationships" xmlns:p="http://schemas.openxmlformats.org/presentationml/2006/main" embedTrueTypeFonts="1" saveSubsetFonts="1">
   <p:sldMasterIdLst>
     <p:sldMasterId id="2147483648" r:id="rId1"/>
   </p:sldMasterIdLst>
@@ -10,10 +10,22 @@
     <p:sldId id="258" r:id="rId4"/>
     <p:sldId id="260" r:id="rId5"/>
     <p:sldId id="259" r:id="rId6"/>
-    <p:sldId id="261" r:id="rId7"/>
+    <p:sldId id="262" r:id="rId7"/>
+    <p:sldId id="261" r:id="rId8"/>
   </p:sldIdLst>
   <p:sldSz cx="12192000" cy="6858000"/>
   <p:notesSz cx="6858000" cy="9144000"/>
+  <p:embeddedFontLst>
+    <p:embeddedFont>
+      <p:font typeface="G마켓 산스 TTF Medium" panose="02000000000000000000" pitchFamily="2" charset="-127"/>
+      <p:regular r:id="rId9"/>
+    </p:embeddedFont>
+    <p:embeddedFont>
+      <p:font typeface="맑은 고딕" panose="020B0503020000020004" pitchFamily="50" charset="-127"/>
+      <p:regular r:id="rId10"/>
+      <p:bold r:id="rId11"/>
+    </p:embeddedFont>
+  </p:embeddedFontLst>
   <p:defaultTextStyle>
     <a:defPPr>
       <a:defRPr lang="ko-KR"/>
@@ -159,10 +171,9 @@
           </a:lstStyle>
           <a:p>
             <a:r>
-              <a:rPr lang="ko-KR" altLang="en-US" smtClean="0"/>
+              <a:rPr lang="ko-KR" altLang="en-US"/>
               <a:t>마스터 제목 스타일 편집</a:t>
             </a:r>
-            <a:endParaRPr lang="ko-KR" altLang="en-US"/>
           </a:p>
         </p:txBody>
       </p:sp>
@@ -224,10 +235,9 @@
           </a:lstStyle>
           <a:p>
             <a:r>
-              <a:rPr lang="ko-KR" altLang="en-US" smtClean="0"/>
+              <a:rPr lang="ko-KR" altLang="en-US"/>
               <a:t>클릭하여 마스터 부제목 스타일 편집</a:t>
             </a:r>
-            <a:endParaRPr lang="ko-KR" altLang="en-US"/>
           </a:p>
         </p:txBody>
       </p:sp>
@@ -306,13 +316,6 @@
   <p:clrMapOvr>
     <a:masterClrMapping/>
   </p:clrMapOvr>
-  <p:timing>
-    <p:tnLst>
-      <p:par>
-        <p:cTn id="1" dur="indefinite" restart="never" nodeType="tmRoot"/>
-      </p:par>
-    </p:tnLst>
-  </p:timing>
 </p:sldLayout>
 </file>
 
@@ -349,10 +352,9 @@
           <a:lstStyle/>
           <a:p>
             <a:r>
-              <a:rPr lang="ko-KR" altLang="en-US" smtClean="0"/>
+              <a:rPr lang="ko-KR" altLang="en-US"/>
               <a:t>마스터 제목 스타일 편집</a:t>
             </a:r>
-            <a:endParaRPr lang="ko-KR" altLang="en-US"/>
           </a:p>
         </p:txBody>
       </p:sp>
@@ -373,38 +375,37 @@
           <a:p>
             <a:pPr lvl="0"/>
             <a:r>
-              <a:rPr lang="ko-KR" altLang="en-US" smtClean="0"/>
+              <a:rPr lang="ko-KR" altLang="en-US"/>
               <a:t>마스터 텍스트 스타일 편집</a:t>
             </a:r>
           </a:p>
           <a:p>
             <a:pPr lvl="1"/>
             <a:r>
-              <a:rPr lang="ko-KR" altLang="en-US" smtClean="0"/>
+              <a:rPr lang="ko-KR" altLang="en-US"/>
               <a:t>둘째 수준</a:t>
             </a:r>
           </a:p>
           <a:p>
             <a:pPr lvl="2"/>
             <a:r>
-              <a:rPr lang="ko-KR" altLang="en-US" smtClean="0"/>
+              <a:rPr lang="ko-KR" altLang="en-US"/>
               <a:t>셋째 수준</a:t>
             </a:r>
           </a:p>
           <a:p>
             <a:pPr lvl="3"/>
             <a:r>
-              <a:rPr lang="ko-KR" altLang="en-US" smtClean="0"/>
+              <a:rPr lang="ko-KR" altLang="en-US"/>
               <a:t>넷째 수준</a:t>
             </a:r>
           </a:p>
           <a:p>
             <a:pPr lvl="4"/>
             <a:r>
-              <a:rPr lang="ko-KR" altLang="en-US" smtClean="0"/>
+              <a:rPr lang="ko-KR" altLang="en-US"/>
               <a:t>다섯째 수준</a:t>
             </a:r>
-            <a:endParaRPr lang="ko-KR" altLang="en-US"/>
           </a:p>
         </p:txBody>
       </p:sp>
@@ -524,10 +525,9 @@
           <a:lstStyle/>
           <a:p>
             <a:r>
-              <a:rPr lang="ko-KR" altLang="en-US" smtClean="0"/>
+              <a:rPr lang="ko-KR" altLang="en-US"/>
               <a:t>마스터 제목 스타일 편집</a:t>
             </a:r>
-            <a:endParaRPr lang="ko-KR" altLang="en-US"/>
           </a:p>
         </p:txBody>
       </p:sp>
@@ -553,38 +553,37 @@
           <a:p>
             <a:pPr lvl="0"/>
             <a:r>
-              <a:rPr lang="ko-KR" altLang="en-US" smtClean="0"/>
+              <a:rPr lang="ko-KR" altLang="en-US"/>
               <a:t>마스터 텍스트 스타일 편집</a:t>
             </a:r>
           </a:p>
           <a:p>
             <a:pPr lvl="1"/>
             <a:r>
-              <a:rPr lang="ko-KR" altLang="en-US" smtClean="0"/>
+              <a:rPr lang="ko-KR" altLang="en-US"/>
               <a:t>둘째 수준</a:t>
             </a:r>
           </a:p>
           <a:p>
             <a:pPr lvl="2"/>
             <a:r>
-              <a:rPr lang="ko-KR" altLang="en-US" smtClean="0"/>
+              <a:rPr lang="ko-KR" altLang="en-US"/>
               <a:t>셋째 수준</a:t>
             </a:r>
           </a:p>
           <a:p>
             <a:pPr lvl="3"/>
             <a:r>
-              <a:rPr lang="ko-KR" altLang="en-US" smtClean="0"/>
+              <a:rPr lang="ko-KR" altLang="en-US"/>
               <a:t>넷째 수준</a:t>
             </a:r>
           </a:p>
           <a:p>
             <a:pPr lvl="4"/>
             <a:r>
-              <a:rPr lang="ko-KR" altLang="en-US" smtClean="0"/>
+              <a:rPr lang="ko-KR" altLang="en-US"/>
               <a:t>다섯째 수준</a:t>
             </a:r>
-            <a:endParaRPr lang="ko-KR" altLang="en-US"/>
           </a:p>
         </p:txBody>
       </p:sp>
@@ -663,13 +662,6 @@
   <p:clrMapOvr>
     <a:masterClrMapping/>
   </p:clrMapOvr>
-  <p:timing>
-    <p:tnLst>
-      <p:par>
-        <p:cTn id="1" dur="indefinite" restart="never" nodeType="tmRoot"/>
-      </p:par>
-    </p:tnLst>
-  </p:timing>
 </p:sldLayout>
 </file>
 
@@ -746,13 +738,6 @@
   <p:clrMapOvr>
     <a:masterClrMapping/>
   </p:clrMapOvr>
-  <p:timing>
-    <p:tnLst>
-      <p:par>
-        <p:cTn id="1" dur="indefinite" restart="never" nodeType="tmRoot"/>
-      </p:par>
-    </p:tnLst>
-  </p:timing>
 </p:sldLayout>
 </file>
 
@@ -798,10 +783,9 @@
           </a:lstStyle>
           <a:p>
             <a:r>
-              <a:rPr lang="ko-KR" altLang="en-US" smtClean="0"/>
+              <a:rPr lang="ko-KR" altLang="en-US"/>
               <a:t>마스터 제목 스타일 편집</a:t>
             </a:r>
-            <a:endParaRPr lang="ko-KR" altLang="en-US"/>
           </a:p>
         </p:txBody>
       </p:sp>
@@ -918,7 +902,7 @@
           <a:p>
             <a:pPr lvl="0"/>
             <a:r>
-              <a:rPr lang="ko-KR" altLang="en-US" smtClean="0"/>
+              <a:rPr lang="ko-KR" altLang="en-US"/>
               <a:t>마스터 텍스트 스타일 편집</a:t>
             </a:r>
           </a:p>
@@ -1035,10 +1019,9 @@
           <a:lstStyle/>
           <a:p>
             <a:r>
-              <a:rPr lang="ko-KR" altLang="en-US" smtClean="0"/>
+              <a:rPr lang="ko-KR" altLang="en-US"/>
               <a:t>마스터 제목 스타일 편집</a:t>
             </a:r>
-            <a:endParaRPr lang="ko-KR" altLang="en-US"/>
           </a:p>
         </p:txBody>
       </p:sp>
@@ -1064,38 +1047,37 @@
           <a:p>
             <a:pPr lvl="0"/>
             <a:r>
-              <a:rPr lang="ko-KR" altLang="en-US" smtClean="0"/>
+              <a:rPr lang="ko-KR" altLang="en-US"/>
               <a:t>마스터 텍스트 스타일 편집</a:t>
             </a:r>
           </a:p>
           <a:p>
             <a:pPr lvl="1"/>
             <a:r>
-              <a:rPr lang="ko-KR" altLang="en-US" smtClean="0"/>
+              <a:rPr lang="ko-KR" altLang="en-US"/>
               <a:t>둘째 수준</a:t>
             </a:r>
           </a:p>
           <a:p>
             <a:pPr lvl="2"/>
             <a:r>
-              <a:rPr lang="ko-KR" altLang="en-US" smtClean="0"/>
+              <a:rPr lang="ko-KR" altLang="en-US"/>
               <a:t>셋째 수준</a:t>
             </a:r>
           </a:p>
           <a:p>
             <a:pPr lvl="3"/>
             <a:r>
-              <a:rPr lang="ko-KR" altLang="en-US" smtClean="0"/>
+              <a:rPr lang="ko-KR" altLang="en-US"/>
               <a:t>넷째 수준</a:t>
             </a:r>
           </a:p>
           <a:p>
             <a:pPr lvl="4"/>
             <a:r>
-              <a:rPr lang="ko-KR" altLang="en-US" smtClean="0"/>
+              <a:rPr lang="ko-KR" altLang="en-US"/>
               <a:t>다섯째 수준</a:t>
             </a:r>
-            <a:endParaRPr lang="ko-KR" altLang="en-US"/>
           </a:p>
         </p:txBody>
       </p:sp>
@@ -1121,38 +1103,37 @@
           <a:p>
             <a:pPr lvl="0"/>
             <a:r>
-              <a:rPr lang="ko-KR" altLang="en-US" smtClean="0"/>
+              <a:rPr lang="ko-KR" altLang="en-US"/>
               <a:t>마스터 텍스트 스타일 편집</a:t>
             </a:r>
           </a:p>
           <a:p>
             <a:pPr lvl="1"/>
             <a:r>
-              <a:rPr lang="ko-KR" altLang="en-US" smtClean="0"/>
+              <a:rPr lang="ko-KR" altLang="en-US"/>
               <a:t>둘째 수준</a:t>
             </a:r>
           </a:p>
           <a:p>
             <a:pPr lvl="2"/>
             <a:r>
-              <a:rPr lang="ko-KR" altLang="en-US" smtClean="0"/>
+              <a:rPr lang="ko-KR" altLang="en-US"/>
               <a:t>셋째 수준</a:t>
             </a:r>
           </a:p>
           <a:p>
             <a:pPr lvl="3"/>
             <a:r>
-              <a:rPr lang="ko-KR" altLang="en-US" smtClean="0"/>
+              <a:rPr lang="ko-KR" altLang="en-US"/>
               <a:t>넷째 수준</a:t>
             </a:r>
           </a:p>
           <a:p>
             <a:pPr lvl="4"/>
             <a:r>
-              <a:rPr lang="ko-KR" altLang="en-US" smtClean="0"/>
+              <a:rPr lang="ko-KR" altLang="en-US"/>
               <a:t>다섯째 수준</a:t>
             </a:r>
-            <a:endParaRPr lang="ko-KR" altLang="en-US"/>
           </a:p>
         </p:txBody>
       </p:sp>
@@ -1272,10 +1253,9 @@
           <a:lstStyle/>
           <a:p>
             <a:r>
-              <a:rPr lang="ko-KR" altLang="en-US" smtClean="0"/>
+              <a:rPr lang="ko-KR" altLang="en-US"/>
               <a:t>마스터 제목 스타일 편집</a:t>
             </a:r>
-            <a:endParaRPr lang="ko-KR" altLang="en-US"/>
           </a:p>
         </p:txBody>
       </p:sp>
@@ -1338,7 +1318,7 @@
           <a:p>
             <a:pPr lvl="0"/>
             <a:r>
-              <a:rPr lang="ko-KR" altLang="en-US" smtClean="0"/>
+              <a:rPr lang="ko-KR" altLang="en-US"/>
               <a:t>마스터 텍스트 스타일 편집</a:t>
             </a:r>
           </a:p>
@@ -1366,38 +1346,37 @@
           <a:p>
             <a:pPr lvl="0"/>
             <a:r>
-              <a:rPr lang="ko-KR" altLang="en-US" smtClean="0"/>
+              <a:rPr lang="ko-KR" altLang="en-US"/>
               <a:t>마스터 텍스트 스타일 편집</a:t>
             </a:r>
           </a:p>
           <a:p>
             <a:pPr lvl="1"/>
             <a:r>
-              <a:rPr lang="ko-KR" altLang="en-US" smtClean="0"/>
+              <a:rPr lang="ko-KR" altLang="en-US"/>
               <a:t>둘째 수준</a:t>
             </a:r>
           </a:p>
           <a:p>
             <a:pPr lvl="2"/>
             <a:r>
-              <a:rPr lang="ko-KR" altLang="en-US" smtClean="0"/>
+              <a:rPr lang="ko-KR" altLang="en-US"/>
               <a:t>셋째 수준</a:t>
             </a:r>
           </a:p>
           <a:p>
             <a:pPr lvl="3"/>
             <a:r>
-              <a:rPr lang="ko-KR" altLang="en-US" smtClean="0"/>
+              <a:rPr lang="ko-KR" altLang="en-US"/>
               <a:t>넷째 수준</a:t>
             </a:r>
           </a:p>
           <a:p>
             <a:pPr lvl="4"/>
             <a:r>
-              <a:rPr lang="ko-KR" altLang="en-US" smtClean="0"/>
+              <a:rPr lang="ko-KR" altLang="en-US"/>
               <a:t>다섯째 수준</a:t>
             </a:r>
-            <a:endParaRPr lang="ko-KR" altLang="en-US"/>
           </a:p>
         </p:txBody>
       </p:sp>
@@ -1460,7 +1439,7 @@
           <a:p>
             <a:pPr lvl="0"/>
             <a:r>
-              <a:rPr lang="ko-KR" altLang="en-US" smtClean="0"/>
+              <a:rPr lang="ko-KR" altLang="en-US"/>
               <a:t>마스터 텍스트 스타일 편집</a:t>
             </a:r>
           </a:p>
@@ -1488,38 +1467,37 @@
           <a:p>
             <a:pPr lvl="0"/>
             <a:r>
-              <a:rPr lang="ko-KR" altLang="en-US" smtClean="0"/>
+              <a:rPr lang="ko-KR" altLang="en-US"/>
               <a:t>마스터 텍스트 스타일 편집</a:t>
             </a:r>
           </a:p>
           <a:p>
             <a:pPr lvl="1"/>
             <a:r>
-              <a:rPr lang="ko-KR" altLang="en-US" smtClean="0"/>
+              <a:rPr lang="ko-KR" altLang="en-US"/>
               <a:t>둘째 수준</a:t>
             </a:r>
           </a:p>
           <a:p>
             <a:pPr lvl="2"/>
             <a:r>
-              <a:rPr lang="ko-KR" altLang="en-US" smtClean="0"/>
+              <a:rPr lang="ko-KR" altLang="en-US"/>
               <a:t>셋째 수준</a:t>
             </a:r>
           </a:p>
           <a:p>
             <a:pPr lvl="3"/>
             <a:r>
-              <a:rPr lang="ko-KR" altLang="en-US" smtClean="0"/>
+              <a:rPr lang="ko-KR" altLang="en-US"/>
               <a:t>넷째 수준</a:t>
             </a:r>
           </a:p>
           <a:p>
             <a:pPr lvl="4"/>
             <a:r>
-              <a:rPr lang="ko-KR" altLang="en-US" smtClean="0"/>
+              <a:rPr lang="ko-KR" altLang="en-US"/>
               <a:t>다섯째 수준</a:t>
             </a:r>
-            <a:endParaRPr lang="ko-KR" altLang="en-US"/>
           </a:p>
         </p:txBody>
       </p:sp>
@@ -1634,10 +1612,9 @@
           <a:lstStyle/>
           <a:p>
             <a:r>
-              <a:rPr lang="ko-KR" altLang="en-US" smtClean="0"/>
+              <a:rPr lang="ko-KR" altLang="en-US"/>
               <a:t>마스터 제목 스타일 편집</a:t>
             </a:r>
-            <a:endParaRPr lang="ko-KR" altLang="en-US"/>
           </a:p>
         </p:txBody>
       </p:sp>
@@ -1856,10 +1833,9 @@
           </a:lstStyle>
           <a:p>
             <a:r>
-              <a:rPr lang="ko-KR" altLang="en-US" smtClean="0"/>
+              <a:rPr lang="ko-KR" altLang="en-US"/>
               <a:t>마스터 제목 스타일 편집</a:t>
             </a:r>
-            <a:endParaRPr lang="ko-KR" altLang="en-US"/>
           </a:p>
         </p:txBody>
       </p:sp>
@@ -1913,38 +1889,37 @@
           <a:p>
             <a:pPr lvl="0"/>
             <a:r>
-              <a:rPr lang="ko-KR" altLang="en-US" smtClean="0"/>
+              <a:rPr lang="ko-KR" altLang="en-US"/>
               <a:t>마스터 텍스트 스타일 편집</a:t>
             </a:r>
           </a:p>
           <a:p>
             <a:pPr lvl="1"/>
             <a:r>
-              <a:rPr lang="ko-KR" altLang="en-US" smtClean="0"/>
+              <a:rPr lang="ko-KR" altLang="en-US"/>
               <a:t>둘째 수준</a:t>
             </a:r>
           </a:p>
           <a:p>
             <a:pPr lvl="2"/>
             <a:r>
-              <a:rPr lang="ko-KR" altLang="en-US" smtClean="0"/>
+              <a:rPr lang="ko-KR" altLang="en-US"/>
               <a:t>셋째 수준</a:t>
             </a:r>
           </a:p>
           <a:p>
             <a:pPr lvl="3"/>
             <a:r>
-              <a:rPr lang="ko-KR" altLang="en-US" smtClean="0"/>
+              <a:rPr lang="ko-KR" altLang="en-US"/>
               <a:t>넷째 수준</a:t>
             </a:r>
           </a:p>
           <a:p>
             <a:pPr lvl="4"/>
             <a:r>
-              <a:rPr lang="ko-KR" altLang="en-US" smtClean="0"/>
+              <a:rPr lang="ko-KR" altLang="en-US"/>
               <a:t>다섯째 수준</a:t>
             </a:r>
-            <a:endParaRPr lang="ko-KR" altLang="en-US"/>
           </a:p>
         </p:txBody>
       </p:sp>
@@ -2007,7 +1982,7 @@
           <a:p>
             <a:pPr lvl="0"/>
             <a:r>
-              <a:rPr lang="ko-KR" altLang="en-US" smtClean="0"/>
+              <a:rPr lang="ko-KR" altLang="en-US"/>
               <a:t>마스터 텍스트 스타일 편집</a:t>
             </a:r>
           </a:p>
@@ -2133,10 +2108,9 @@
           </a:lstStyle>
           <a:p>
             <a:r>
-              <a:rPr lang="ko-KR" altLang="en-US" smtClean="0"/>
+              <a:rPr lang="ko-KR" altLang="en-US"/>
               <a:t>마스터 제목 스타일 편집</a:t>
             </a:r>
-            <a:endParaRPr lang="ko-KR" altLang="en-US"/>
           </a:p>
         </p:txBody>
       </p:sp>
@@ -2260,7 +2234,7 @@
           <a:p>
             <a:pPr lvl="0"/>
             <a:r>
-              <a:rPr lang="ko-KR" altLang="en-US" smtClean="0"/>
+              <a:rPr lang="ko-KR" altLang="en-US"/>
               <a:t>마스터 텍스트 스타일 편집</a:t>
             </a:r>
           </a:p>
@@ -2392,10 +2366,9 @@
           <a:lstStyle/>
           <a:p>
             <a:r>
-              <a:rPr lang="ko-KR" altLang="en-US" smtClean="0"/>
+              <a:rPr lang="ko-KR" altLang="en-US"/>
               <a:t>마스터 제목 스타일 편집</a:t>
             </a:r>
-            <a:endParaRPr lang="ko-KR" altLang="en-US"/>
           </a:p>
         </p:txBody>
       </p:sp>
@@ -2426,38 +2399,37 @@
           <a:p>
             <a:pPr lvl="0"/>
             <a:r>
-              <a:rPr lang="ko-KR" altLang="en-US" smtClean="0"/>
+              <a:rPr lang="ko-KR" altLang="en-US"/>
               <a:t>마스터 텍스트 스타일 편집</a:t>
             </a:r>
           </a:p>
           <a:p>
             <a:pPr lvl="1"/>
             <a:r>
-              <a:rPr lang="ko-KR" altLang="en-US" smtClean="0"/>
+              <a:rPr lang="ko-KR" altLang="en-US"/>
               <a:t>둘째 수준</a:t>
             </a:r>
           </a:p>
           <a:p>
             <a:pPr lvl="2"/>
             <a:r>
-              <a:rPr lang="ko-KR" altLang="en-US" smtClean="0"/>
+              <a:rPr lang="ko-KR" altLang="en-US"/>
               <a:t>셋째 수준</a:t>
             </a:r>
           </a:p>
           <a:p>
             <a:pPr lvl="3"/>
             <a:r>
-              <a:rPr lang="ko-KR" altLang="en-US" smtClean="0"/>
+              <a:rPr lang="ko-KR" altLang="en-US"/>
               <a:t>넷째 수준</a:t>
             </a:r>
           </a:p>
           <a:p>
             <a:pPr lvl="4"/>
             <a:r>
-              <a:rPr lang="ko-KR" altLang="en-US" smtClean="0"/>
+              <a:rPr lang="ko-KR" altLang="en-US"/>
               <a:t>다섯째 수준</a:t>
             </a:r>
-            <a:endParaRPr lang="ko-KR" altLang="en-US"/>
           </a:p>
         </p:txBody>
       </p:sp>
@@ -3017,25 +2989,21 @@
           <a:p>
             <a:pPr algn="r"/>
             <a:r>
-              <a:rPr lang="en-US" altLang="ko-KR" sz="2400" b="1" dirty="0" smtClean="0">
+              <a:rPr lang="en-US" altLang="ko-KR" sz="2400" b="1" dirty="0">
                 <a:solidFill>
                   <a:srgbClr val="323232"/>
                 </a:solidFill>
+                <a:latin typeface="Arial" panose="020B0604020202020204" pitchFamily="34" charset="0"/>
+                <a:cs typeface="Arial" panose="020B0604020202020204" pitchFamily="34" charset="0"/>
               </a:rPr>
-              <a:t>Phone Number </a:t>
-            </a:r>
-            <a:r>
-              <a:rPr lang="en-US" altLang="ko-KR" sz="2400" b="1" dirty="0" smtClean="0">
-                <a:solidFill>
-                  <a:srgbClr val="323232"/>
-                </a:solidFill>
-              </a:rPr>
-              <a:t>:</a:t>
+              <a:t>Phone Number :</a:t>
             </a:r>
             <a:endParaRPr lang="ko-KR" altLang="en-US" sz="2400" b="1" dirty="0">
               <a:solidFill>
                 <a:srgbClr val="323232"/>
               </a:solidFill>
+              <a:latin typeface="Arial" panose="020B0604020202020204" pitchFamily="34" charset="0"/>
+              <a:cs typeface="Arial" panose="020B0604020202020204" pitchFamily="34" charset="0"/>
             </a:endParaRPr>
           </a:p>
         </p:txBody>
@@ -3066,10 +3034,12 @@
           <a:p>
             <a:pPr algn="r"/>
             <a:r>
-              <a:rPr lang="en-US" altLang="ko-KR" sz="2400" b="1" dirty="0" smtClean="0">
+              <a:rPr lang="en-US" altLang="ko-KR" sz="2400" b="1" dirty="0">
                 <a:solidFill>
                   <a:srgbClr val="323232"/>
                 </a:solidFill>
+                <a:latin typeface="Arial" panose="020B0604020202020204" pitchFamily="34" charset="0"/>
+                <a:cs typeface="Arial" panose="020B0604020202020204" pitchFamily="34" charset="0"/>
               </a:rPr>
               <a:t>E-Mail :</a:t>
             </a:r>
@@ -3077,6 +3047,8 @@
               <a:solidFill>
                 <a:srgbClr val="323232"/>
               </a:solidFill>
+              <a:latin typeface="Arial" panose="020B0604020202020204" pitchFamily="34" charset="0"/>
+              <a:cs typeface="Arial" panose="020B0604020202020204" pitchFamily="34" charset="0"/>
             </a:endParaRPr>
           </a:p>
         </p:txBody>
@@ -3107,7 +3079,7 @@
           <a:p>
             <a:pPr algn="ctr"/>
             <a:r>
-              <a:rPr lang="en-US" altLang="ko-KR" sz="2400" b="1" dirty="0" smtClean="0">
+              <a:rPr lang="en-US" altLang="ko-KR" sz="2400" b="1" dirty="0">
                 <a:solidFill>
                   <a:srgbClr val="323232"/>
                 </a:solidFill>
@@ -3115,18 +3087,13 @@
               <a:t>Developer Name : </a:t>
             </a:r>
             <a:r>
-              <a:rPr lang="ko-KR" altLang="en-US" sz="2400" b="1" dirty="0" smtClean="0">
+              <a:rPr lang="ko-KR" altLang="en-US" sz="2400" b="1" dirty="0">
                 <a:solidFill>
                   <a:srgbClr val="323232"/>
                 </a:solidFill>
               </a:rPr>
               <a:t>이윤석</a:t>
             </a:r>
-            <a:endParaRPr lang="ko-KR" altLang="en-US" sz="2400" b="1" dirty="0">
-              <a:solidFill>
-                <a:srgbClr val="323232"/>
-              </a:solidFill>
-            </a:endParaRPr>
           </a:p>
         </p:txBody>
       </p:sp>
@@ -3156,21 +3123,23 @@
           <a:p>
             <a:pPr algn="ctr"/>
             <a:r>
-              <a:rPr lang="en-US" altLang="ko-KR" dirty="0" smtClean="0">
+              <a:rPr lang="en-US" altLang="ko-KR" b="1" dirty="0">
                 <a:solidFill>
                   <a:srgbClr val="323232"/>
                 </a:solidFill>
-                <a:latin typeface="G마켓 산스 TTF Medium" panose="02000000000000000000" pitchFamily="2" charset="-127"/>
+                <a:latin typeface="Arial" panose="020B0604020202020204" pitchFamily="34" charset="0"/>
                 <a:ea typeface="G마켓 산스 TTF Medium" panose="02000000000000000000" pitchFamily="2" charset="-127"/>
+                <a:cs typeface="Arial" panose="020B0604020202020204" pitchFamily="34" charset="0"/>
               </a:rPr>
               <a:t>leeyj6457@naver.com</a:t>
             </a:r>
-            <a:endParaRPr lang="ko-KR" altLang="en-US" dirty="0">
+            <a:endParaRPr lang="ko-KR" altLang="en-US" b="1" dirty="0">
               <a:solidFill>
                 <a:srgbClr val="323232"/>
               </a:solidFill>
-              <a:latin typeface="G마켓 산스 TTF Medium" panose="02000000000000000000" pitchFamily="2" charset="-127"/>
+              <a:latin typeface="Arial" panose="020B0604020202020204" pitchFamily="34" charset="0"/>
               <a:ea typeface="G마켓 산스 TTF Medium" panose="02000000000000000000" pitchFamily="2" charset="-127"/>
+              <a:cs typeface="Arial" panose="020B0604020202020204" pitchFamily="34" charset="0"/>
             </a:endParaRPr>
           </a:p>
         </p:txBody>
@@ -3201,21 +3170,23 @@
           <a:p>
             <a:pPr algn="ctr"/>
             <a:r>
-              <a:rPr lang="en-US" altLang="ko-KR" sz="2000" dirty="0" smtClean="0">
+              <a:rPr lang="en-US" altLang="ko-KR" sz="2000" b="1" dirty="0">
                 <a:solidFill>
                   <a:srgbClr val="323232"/>
                 </a:solidFill>
-                <a:latin typeface="G마켓 산스 TTF Medium" panose="02000000000000000000" pitchFamily="2" charset="-127"/>
+                <a:latin typeface="Arial" panose="020B0604020202020204" pitchFamily="34" charset="0"/>
                 <a:ea typeface="G마켓 산스 TTF Medium" panose="02000000000000000000" pitchFamily="2" charset="-127"/>
+                <a:cs typeface="Arial" panose="020B0604020202020204" pitchFamily="34" charset="0"/>
               </a:rPr>
               <a:t>010-4154-0352</a:t>
             </a:r>
-            <a:endParaRPr lang="ko-KR" altLang="en-US" sz="2000" dirty="0">
+            <a:endParaRPr lang="ko-KR" altLang="en-US" sz="2000" b="1" dirty="0">
               <a:solidFill>
                 <a:srgbClr val="323232"/>
               </a:solidFill>
-              <a:latin typeface="G마켓 산스 TTF Medium" panose="02000000000000000000" pitchFamily="2" charset="-127"/>
+              <a:latin typeface="Arial" panose="020B0604020202020204" pitchFamily="34" charset="0"/>
               <a:ea typeface="G마켓 산스 TTF Medium" panose="02000000000000000000" pitchFamily="2" charset="-127"/>
+              <a:cs typeface="Arial" panose="020B0604020202020204" pitchFamily="34" charset="0"/>
             </a:endParaRPr>
           </a:p>
         </p:txBody>
@@ -3256,13 +3227,6 @@
   <p:clrMapOvr>
     <a:masterClrMapping/>
   </p:clrMapOvr>
-  <p:timing>
-    <p:tnLst>
-      <p:par>
-        <p:cTn id="1" dur="indefinite" restart="never" nodeType="tmRoot"/>
-      </p:par>
-    </p:tnLst>
-  </p:timing>
 </p:sld>
 </file>
 
@@ -3307,7 +3271,7 @@
           <a:p>
             <a:pPr algn="ctr"/>
             <a:r>
-              <a:rPr lang="en-US" altLang="ko-KR" sz="7200" smtClean="0">
+              <a:rPr lang="en-US" altLang="ko-KR" sz="7200">
                 <a:solidFill>
                   <a:schemeClr val="tx1">
                     <a:lumMod val="50000"/>
@@ -3320,7 +3284,7 @@
               </a:rPr>
               <a:t>04</a:t>
             </a:r>
-            <a:endParaRPr lang="ko-KR" altLang="en-US" sz="7200" dirty="0" smtClean="0">
+            <a:endParaRPr lang="ko-KR" altLang="en-US" sz="7200" dirty="0">
               <a:solidFill>
                 <a:schemeClr val="tx1">
                   <a:lumMod val="50000"/>
@@ -3465,16 +3429,12 @@
             <a:lstStyle/>
             <a:p>
               <a:r>
-                <a:rPr lang="ko-KR" altLang="en-US" sz="2400" dirty="0" smtClean="0">
+                <a:rPr lang="ko-KR" altLang="en-US" sz="2400" b="1" dirty="0">
                   <a:latin typeface="G마켓 산스 TTF Medium" panose="02000000000000000000" pitchFamily="2" charset="-127"/>
                   <a:ea typeface="G마켓 산스 TTF Medium" panose="02000000000000000000" pitchFamily="2" charset="-127"/>
                 </a:rPr>
                 <a:t>목차</a:t>
               </a:r>
-              <a:endParaRPr lang="ko-KR" altLang="en-US" sz="2400" dirty="0">
-                <a:latin typeface="G마켓 산스 TTF Medium" panose="02000000000000000000" pitchFamily="2" charset="-127"/>
-                <a:ea typeface="G마켓 산스 TTF Medium" panose="02000000000000000000" pitchFamily="2" charset="-127"/>
-              </a:endParaRPr>
             </a:p>
           </p:txBody>
         </p:sp>
@@ -3501,13 +3461,13 @@
             <a:lstStyle/>
             <a:p>
               <a:r>
-                <a:rPr lang="en-US" altLang="ko-KR" sz="2400" dirty="0" smtClean="0">
+                <a:rPr lang="en-US" altLang="ko-KR" sz="2400" b="1" dirty="0">
                   <a:latin typeface="G마켓 산스 TTF Medium" panose="02000000000000000000" pitchFamily="2" charset="-127"/>
                   <a:ea typeface="G마켓 산스 TTF Medium" panose="02000000000000000000" pitchFamily="2" charset="-127"/>
                 </a:rPr>
                 <a:t>INDEX</a:t>
               </a:r>
-              <a:endParaRPr lang="ko-KR" altLang="en-US" sz="2400" dirty="0">
+              <a:endParaRPr lang="ko-KR" altLang="en-US" sz="2400" b="1" dirty="0">
                 <a:latin typeface="G마켓 산스 TTF Medium" panose="02000000000000000000" pitchFamily="2" charset="-127"/>
                 <a:ea typeface="G마켓 산스 TTF Medium" panose="02000000000000000000" pitchFamily="2" charset="-127"/>
               </a:endParaRPr>
@@ -3523,10 +3483,10 @@
         </p:nvGrpSpPr>
         <p:grpSpPr>
           <a:xfrm>
-            <a:off x="4436970" y="1752516"/>
-            <a:ext cx="6657128" cy="3352969"/>
-            <a:chOff x="3540919" y="2781745"/>
-            <a:chExt cx="6657128" cy="3352969"/>
+            <a:off x="4436969" y="1752516"/>
+            <a:ext cx="6657129" cy="3352969"/>
+            <a:chOff x="3540918" y="2781745"/>
+            <a:chExt cx="6657129" cy="3352969"/>
           </a:xfrm>
         </p:grpSpPr>
         <p:grpSp>
@@ -3722,7 +3682,7 @@
               <a:lstStyle/>
               <a:p>
                 <a:pPr algn="ctr"/>
-                <a:endParaRPr lang="ko-KR" altLang="en-US" sz="7200" dirty="0" smtClean="0">
+                <a:endParaRPr lang="ko-KR" altLang="en-US" sz="7200" dirty="0">
                   <a:solidFill>
                     <a:schemeClr val="tx1">
                       <a:lumMod val="50000"/>
@@ -4040,7 +4000,7 @@
               <a:lstStyle/>
               <a:p>
                 <a:pPr algn="ctr"/>
-                <a:endParaRPr lang="ko-KR" altLang="en-US" sz="7200" dirty="0" smtClean="0">
+                <a:endParaRPr lang="ko-KR" altLang="en-US" sz="7200" dirty="0">
                   <a:solidFill>
                     <a:schemeClr val="tx1">
                       <a:lumMod val="50000"/>
@@ -4325,7 +4285,7 @@
               <a:lstStyle/>
               <a:p>
                 <a:pPr algn="ctr"/>
-                <a:endParaRPr lang="ko-KR" altLang="en-US" sz="7200" dirty="0" smtClean="0">
+                <a:endParaRPr lang="ko-KR" altLang="en-US" sz="7200" dirty="0">
                   <a:solidFill>
                     <a:schemeClr val="tx1">
                       <a:lumMod val="50000"/>
@@ -4555,7 +4515,7 @@
               <a:lstStyle/>
               <a:p>
                 <a:pPr algn="ctr"/>
-                <a:endParaRPr lang="ko-KR" altLang="en-US" sz="7200" dirty="0" smtClean="0">
+                <a:endParaRPr lang="ko-KR" altLang="en-US" sz="7200" dirty="0">
                   <a:solidFill>
                     <a:schemeClr val="tx1">
                       <a:lumMod val="50000"/>
@@ -4628,7 +4588,7 @@
             <a:lstStyle/>
             <a:p>
               <a:r>
-                <a:rPr lang="ko-KR" altLang="en-US" dirty="0" smtClean="0">
+                <a:rPr lang="ko-KR" altLang="en-US" dirty="0">
                   <a:latin typeface="G마켓 산스 TTF Medium" panose="02000000000000000000" pitchFamily="2" charset="-127"/>
                   <a:ea typeface="G마켓 산스 TTF Medium" panose="02000000000000000000" pitchFamily="2" charset="-127"/>
                 </a:rPr>
@@ -4645,8 +4605,8 @@
           </p:nvSpPr>
           <p:spPr>
             <a:xfrm>
-              <a:off x="3540919" y="3677906"/>
-              <a:ext cx="1725348" cy="338554"/>
+              <a:off x="3540918" y="3677906"/>
+              <a:ext cx="1823153" cy="338554"/>
             </a:xfrm>
             <a:prstGeom prst="rect">
               <a:avLst/>
@@ -4660,7 +4620,7 @@
             <a:lstStyle/>
             <a:p>
               <a:r>
-                <a:rPr lang="ko-KR" altLang="en-US" sz="1600" dirty="0" smtClean="0">
+                <a:rPr lang="ko-KR" altLang="en-US" sz="1600" dirty="0">
                   <a:solidFill>
                     <a:schemeClr val="tx1">
                       <a:lumMod val="50000"/>
@@ -4698,7 +4658,7 @@
             <a:lstStyle/>
             <a:p>
               <a:r>
-                <a:rPr lang="ko-KR" altLang="en-US" dirty="0" smtClean="0">
+                <a:rPr lang="ko-KR" altLang="en-US" dirty="0">
                   <a:latin typeface="G마켓 산스 TTF Medium" panose="02000000000000000000" pitchFamily="2" charset="-127"/>
                   <a:ea typeface="G마켓 산스 TTF Medium" panose="02000000000000000000" pitchFamily="2" charset="-127"/>
                 </a:rPr>
@@ -4715,8 +4675,8 @@
           </p:nvSpPr>
           <p:spPr>
             <a:xfrm>
-              <a:off x="7689666" y="3677906"/>
-              <a:ext cx="1725348" cy="338554"/>
+              <a:off x="7689665" y="3677906"/>
+              <a:ext cx="1823153" cy="338554"/>
             </a:xfrm>
             <a:prstGeom prst="rect">
               <a:avLst/>
@@ -4730,7 +4690,7 @@
             <a:lstStyle/>
             <a:p>
               <a:r>
-                <a:rPr lang="ko-KR" altLang="en-US" sz="1600" dirty="0" smtClean="0">
+                <a:rPr lang="ko-KR" altLang="en-US" sz="1600" dirty="0">
                   <a:solidFill>
                     <a:schemeClr val="tx1">
                       <a:lumMod val="50000"/>
@@ -4768,21 +4728,21 @@
             <a:lstStyle/>
             <a:p>
               <a:r>
-                <a:rPr lang="ko-KR" altLang="en-US" dirty="0" smtClean="0">
+                <a:rPr lang="ko-KR" altLang="en-US" dirty="0">
                   <a:latin typeface="G마켓 산스 TTF Medium" panose="02000000000000000000" pitchFamily="2" charset="-127"/>
                   <a:ea typeface="G마켓 산스 TTF Medium" panose="02000000000000000000" pitchFamily="2" charset="-127"/>
                 </a:rPr>
                 <a:t>일정</a:t>
               </a:r>
               <a:r>
-                <a:rPr lang="en-US" altLang="ko-KR" dirty="0" smtClean="0">
+                <a:rPr lang="en-US" altLang="ko-KR" dirty="0">
                   <a:latin typeface="G마켓 산스 TTF Medium" panose="02000000000000000000" pitchFamily="2" charset="-127"/>
                   <a:ea typeface="G마켓 산스 TTF Medium" panose="02000000000000000000" pitchFamily="2" charset="-127"/>
                 </a:rPr>
                 <a:t>, </a:t>
               </a:r>
               <a:r>
-                <a:rPr lang="ko-KR" altLang="en-US" dirty="0" smtClean="0">
+                <a:rPr lang="ko-KR" altLang="en-US" dirty="0">
                   <a:latin typeface="G마켓 산스 TTF Medium" panose="02000000000000000000" pitchFamily="2" charset="-127"/>
                   <a:ea typeface="G마켓 산스 TTF Medium" panose="02000000000000000000" pitchFamily="2" charset="-127"/>
                 </a:rPr>
@@ -4814,7 +4774,7 @@
             <a:lstStyle/>
             <a:p>
               <a:r>
-                <a:rPr lang="ko-KR" altLang="en-US" sz="1600" dirty="0" smtClean="0">
+                <a:rPr lang="ko-KR" altLang="en-US" sz="1600" dirty="0">
                   <a:solidFill>
                     <a:schemeClr val="tx1">
                       <a:lumMod val="50000"/>
@@ -4852,11 +4812,11 @@
             <a:lstStyle/>
             <a:p>
               <a:r>
-                <a:rPr lang="ko-KR" altLang="en-US" dirty="0" smtClean="0">
+                <a:rPr lang="ko-KR" altLang="en-US" dirty="0">
                   <a:latin typeface="G마켓 산스 TTF Medium" panose="02000000000000000000" pitchFamily="2" charset="-127"/>
                   <a:ea typeface="G마켓 산스 TTF Medium" panose="02000000000000000000" pitchFamily="2" charset="-127"/>
                 </a:rPr>
-                <a:t>사용 기술</a:t>
+                <a:t>기술 요약</a:t>
               </a:r>
             </a:p>
           </p:txBody>
@@ -4870,7 +4830,7 @@
           <p:spPr>
             <a:xfrm>
               <a:off x="3540919" y="5796160"/>
-              <a:ext cx="3400744" cy="338554"/>
+              <a:ext cx="2385861" cy="338554"/>
             </a:xfrm>
             <a:prstGeom prst="rect">
               <a:avLst/>
@@ -4884,7 +4844,7 @@
             <a:lstStyle/>
             <a:p>
               <a:r>
-                <a:rPr lang="ko-KR" altLang="en-US" sz="1600" dirty="0" smtClean="0">
+                <a:rPr lang="ko-KR" altLang="en-US" sz="1600" dirty="0">
                   <a:solidFill>
                     <a:schemeClr val="tx1">
                       <a:lumMod val="50000"/>
@@ -4894,7 +4854,7 @@
                   <a:latin typeface="G마켓 산스 TTF Medium" panose="02000000000000000000" pitchFamily="2" charset="-127"/>
                   <a:ea typeface="G마켓 산스 TTF Medium" panose="02000000000000000000" pitchFamily="2" charset="-127"/>
                 </a:rPr>
-                <a:t>프로젝트에 적용된 기술 및 코드 분석</a:t>
+                <a:t>적용 기술 및 코드 분석</a:t>
               </a:r>
             </a:p>
           </p:txBody>
@@ -4955,13 +4915,6 @@
   <p:clrMapOvr>
     <a:masterClrMapping/>
   </p:clrMapOvr>
-  <p:timing>
-    <p:tnLst>
-      <p:par>
-        <p:cTn id="1" dur="indefinite" restart="never" nodeType="tmRoot"/>
-      </p:par>
-    </p:tnLst>
-  </p:timing>
 </p:sld>
 </file>
 
@@ -5267,7 +5220,7 @@
             <a:lstStyle/>
             <a:p>
               <a:pPr algn="ctr"/>
-              <a:endParaRPr lang="ko-KR" altLang="en-US" sz="7200" dirty="0" smtClean="0">
+              <a:endParaRPr lang="ko-KR" altLang="en-US" sz="7200" dirty="0">
                 <a:solidFill>
                   <a:schemeClr val="tx1">
                     <a:lumMod val="50000"/>
@@ -5552,7 +5505,7 @@
             <a:lstStyle/>
             <a:p>
               <a:pPr algn="ctr"/>
-              <a:endParaRPr lang="ko-KR" altLang="en-US" sz="7200" dirty="0" smtClean="0">
+              <a:endParaRPr lang="ko-KR" altLang="en-US" sz="7200" dirty="0">
                 <a:solidFill>
                   <a:schemeClr val="tx1">
                     <a:lumMod val="50000"/>
@@ -5870,7 +5823,7 @@
             <a:lstStyle/>
             <a:p>
               <a:pPr algn="ctr"/>
-              <a:endParaRPr lang="ko-KR" altLang="en-US" sz="7200" dirty="0" smtClean="0">
+              <a:endParaRPr lang="ko-KR" altLang="en-US" sz="7200" dirty="0">
                 <a:solidFill>
                   <a:schemeClr val="tx1">
                     <a:lumMod val="50000"/>
@@ -6100,7 +6053,7 @@
             <a:lstStyle/>
             <a:p>
               <a:pPr algn="ctr"/>
-              <a:endParaRPr lang="ko-KR" altLang="en-US" sz="7200" dirty="0" smtClean="0">
+              <a:endParaRPr lang="ko-KR" altLang="en-US" sz="7200" dirty="0">
                 <a:solidFill>
                   <a:schemeClr val="tx1">
                     <a:lumMod val="50000"/>
@@ -6173,7 +6126,7 @@
           <a:lstStyle/>
           <a:p>
             <a:r>
-              <a:rPr lang="en-US" altLang="ko-KR" sz="4800" dirty="0" smtClean="0">
+              <a:rPr lang="en-US" altLang="ko-KR" sz="4800" dirty="0">
                 <a:solidFill>
                   <a:srgbClr val="323232"/>
                 </a:solidFill>
@@ -6183,7 +6136,7 @@
               <a:t>01. </a:t>
             </a:r>
             <a:r>
-              <a:rPr lang="ko-KR" altLang="en-US" sz="4800" dirty="0" smtClean="0">
+              <a:rPr lang="ko-KR" altLang="en-US" sz="4800" dirty="0">
                 <a:solidFill>
                   <a:srgbClr val="323232"/>
                 </a:solidFill>
@@ -6193,7 +6146,7 @@
               <a:t>게임 소개 </a:t>
             </a:r>
             <a:r>
-              <a:rPr lang="en-US" altLang="ko-KR" sz="4800" dirty="0" smtClean="0">
+              <a:rPr lang="en-US" altLang="ko-KR" sz="4800" dirty="0">
                 <a:solidFill>
                   <a:schemeClr val="tx1">
                     <a:lumMod val="50000"/>
@@ -6206,7 +6159,7 @@
               <a:t>– </a:t>
             </a:r>
             <a:r>
-              <a:rPr lang="ko-KR" altLang="en-US" sz="4800" dirty="0" smtClean="0">
+              <a:rPr lang="ko-KR" altLang="en-US" sz="4800" dirty="0">
                 <a:solidFill>
                   <a:schemeClr val="tx1">
                     <a:lumMod val="50000"/>
@@ -6255,13 +6208,6 @@
   <p:clrMapOvr>
     <a:masterClrMapping/>
   </p:clrMapOvr>
-  <p:timing>
-    <p:tnLst>
-      <p:par>
-        <p:cTn id="1" dur="indefinite" restart="never" nodeType="tmRoot"/>
-      </p:par>
-    </p:tnLst>
-  </p:timing>
 </p:sld>
 </file>
 
@@ -6567,7 +6513,7 @@
             <a:lstStyle/>
             <a:p>
               <a:pPr algn="ctr"/>
-              <a:endParaRPr lang="ko-KR" altLang="en-US" sz="7200" dirty="0" smtClean="0">
+              <a:endParaRPr lang="ko-KR" altLang="en-US" sz="7200" dirty="0">
                 <a:solidFill>
                   <a:schemeClr val="tx1">
                     <a:lumMod val="50000"/>
@@ -6854,7 +6800,7 @@
             <a:lstStyle/>
             <a:p>
               <a:pPr algn="ctr"/>
-              <a:endParaRPr lang="ko-KR" altLang="en-US" sz="7200" dirty="0" smtClean="0">
+              <a:endParaRPr lang="ko-KR" altLang="en-US" sz="7200" dirty="0">
                 <a:solidFill>
                   <a:schemeClr val="tx1">
                     <a:lumMod val="50000"/>
@@ -7177,7 +7123,7 @@
             <a:lstStyle/>
             <a:p>
               <a:pPr algn="ctr"/>
-              <a:endParaRPr lang="ko-KR" altLang="en-US" sz="7200" dirty="0" smtClean="0">
+              <a:endParaRPr lang="ko-KR" altLang="en-US" sz="7200" dirty="0">
                 <a:solidFill>
                   <a:schemeClr val="tx1">
                     <a:lumMod val="50000"/>
@@ -7412,7 +7358,7 @@
             <a:lstStyle/>
             <a:p>
               <a:pPr algn="ctr"/>
-              <a:endParaRPr lang="ko-KR" altLang="en-US" sz="7200" dirty="0" smtClean="0">
+              <a:endParaRPr lang="ko-KR" altLang="en-US" sz="7200" dirty="0">
                 <a:solidFill>
                   <a:schemeClr val="tx1">
                     <a:lumMod val="50000"/>
@@ -7488,7 +7434,7 @@
           <a:lstStyle/>
           <a:p>
             <a:r>
-              <a:rPr lang="en-US" altLang="ko-KR" sz="4800" dirty="0" smtClean="0">
+              <a:rPr lang="en-US" altLang="ko-KR" sz="4800" dirty="0">
                 <a:solidFill>
                   <a:srgbClr val="323232"/>
                 </a:solidFill>
@@ -7498,7 +7444,7 @@
               <a:t>01. </a:t>
             </a:r>
             <a:r>
-              <a:rPr lang="ko-KR" altLang="en-US" sz="4800" dirty="0" smtClean="0">
+              <a:rPr lang="ko-KR" altLang="en-US" sz="4800" dirty="0">
                 <a:solidFill>
                   <a:srgbClr val="323232"/>
                 </a:solidFill>
@@ -7508,7 +7454,7 @@
               <a:t>게임 소개 </a:t>
             </a:r>
             <a:r>
-              <a:rPr lang="en-US" altLang="ko-KR" sz="4800" dirty="0" smtClean="0">
+              <a:rPr lang="en-US" altLang="ko-KR" sz="4800" dirty="0">
                 <a:solidFill>
                   <a:schemeClr val="tx1">
                     <a:lumMod val="50000"/>
@@ -7521,7 +7467,7 @@
               <a:t>– </a:t>
             </a:r>
             <a:r>
-              <a:rPr lang="ko-KR" altLang="en-US" sz="4800" dirty="0" smtClean="0">
+              <a:rPr lang="ko-KR" altLang="en-US" sz="4800" dirty="0">
                 <a:solidFill>
                   <a:schemeClr val="tx1">
                     <a:lumMod val="50000"/>
@@ -7559,7 +7505,7 @@
           <a:lstStyle/>
           <a:p>
             <a:r>
-              <a:rPr lang="en-US" altLang="ko-KR" sz="2400" dirty="0" smtClean="0">
+              <a:rPr lang="en-US" altLang="ko-KR" sz="2400" dirty="0">
                 <a:solidFill>
                   <a:srgbClr val="323232"/>
                 </a:solidFill>
@@ -7569,7 +7515,7 @@
               <a:t>1. </a:t>
             </a:r>
             <a:r>
-              <a:rPr lang="ko-KR" altLang="en-US" sz="2400" dirty="0" smtClean="0">
+              <a:rPr lang="ko-KR" altLang="en-US" sz="2400" dirty="0">
                 <a:solidFill>
                   <a:srgbClr val="323232"/>
                 </a:solidFill>
@@ -7579,7 +7525,7 @@
               <a:t>프로젝트 이름</a:t>
             </a:r>
             <a:r>
-              <a:rPr lang="en-US" altLang="ko-KR" sz="2400" dirty="0" smtClean="0">
+              <a:rPr lang="en-US" altLang="ko-KR" sz="2400" dirty="0">
                 <a:solidFill>
                   <a:srgbClr val="323232"/>
                 </a:solidFill>
@@ -7589,7 +7535,7 @@
               <a:t>: </a:t>
             </a:r>
             <a:r>
-              <a:rPr lang="en-US" altLang="ko-KR" sz="2400" dirty="0" err="1" smtClean="0">
+              <a:rPr lang="en-US" altLang="ko-KR" sz="2400" dirty="0" err="1">
                 <a:solidFill>
                   <a:srgbClr val="323232"/>
                 </a:solidFill>
@@ -7598,7 +7544,7 @@
               </a:rPr>
               <a:t>GeoStrike</a:t>
             </a:r>
-            <a:endParaRPr lang="ko-KR" altLang="en-US" sz="2400" dirty="0" smtClean="0">
+            <a:endParaRPr lang="ko-KR" altLang="en-US" sz="2400" dirty="0">
               <a:solidFill>
                 <a:srgbClr val="323232"/>
               </a:solidFill>
@@ -7684,20 +7630,10 @@
                 <a:latin typeface="G마켓 산스 TTF Medium" panose="02000000000000000000" pitchFamily="2" charset="-127"/>
                 <a:ea typeface="G마켓 산스 TTF Medium" panose="02000000000000000000" pitchFamily="2" charset="-127"/>
               </a:rPr>
-              <a:t>2</a:t>
-            </a:r>
-            <a:r>
-              <a:rPr lang="en-US" altLang="ko-KR" sz="2400" dirty="0" smtClean="0">
-                <a:solidFill>
-                  <a:srgbClr val="323232"/>
-                </a:solidFill>
-                <a:latin typeface="G마켓 산스 TTF Medium" panose="02000000000000000000" pitchFamily="2" charset="-127"/>
-                <a:ea typeface="G마켓 산스 TTF Medium" panose="02000000000000000000" pitchFamily="2" charset="-127"/>
-              </a:rPr>
-              <a:t>. </a:t>
-            </a:r>
-            <a:r>
-              <a:rPr lang="ko-KR" altLang="en-US" sz="2400" dirty="0" smtClean="0">
+              <a:t>2. </a:t>
+            </a:r>
+            <a:r>
+              <a:rPr lang="ko-KR" altLang="en-US" sz="2400" dirty="0">
                 <a:solidFill>
                   <a:srgbClr val="323232"/>
                 </a:solidFill>
@@ -7707,7 +7643,7 @@
               <a:t>장르</a:t>
             </a:r>
             <a:r>
-              <a:rPr lang="en-US" altLang="ko-KR" sz="2400" dirty="0" smtClean="0">
+              <a:rPr lang="en-US" altLang="ko-KR" sz="2400" dirty="0">
                 <a:solidFill>
                   <a:srgbClr val="323232"/>
                 </a:solidFill>
@@ -7716,7 +7652,7 @@
               </a:rPr>
               <a:t>: Auto Battler, RTS, PVP</a:t>
             </a:r>
-            <a:endParaRPr lang="ko-KR" altLang="en-US" sz="2400" dirty="0" smtClean="0">
+            <a:endParaRPr lang="ko-KR" altLang="en-US" sz="2400" dirty="0">
               <a:solidFill>
                 <a:srgbClr val="323232"/>
               </a:solidFill>
@@ -7756,20 +7692,10 @@
                 <a:latin typeface="G마켓 산스 TTF Medium" panose="02000000000000000000" pitchFamily="2" charset="-127"/>
                 <a:ea typeface="G마켓 산스 TTF Medium" panose="02000000000000000000" pitchFamily="2" charset="-127"/>
               </a:rPr>
-              <a:t>3</a:t>
-            </a:r>
-            <a:r>
-              <a:rPr lang="en-US" altLang="ko-KR" sz="2400" dirty="0" smtClean="0">
-                <a:solidFill>
-                  <a:srgbClr val="323232"/>
-                </a:solidFill>
-                <a:latin typeface="G마켓 산스 TTF Medium" panose="02000000000000000000" pitchFamily="2" charset="-127"/>
-                <a:ea typeface="G마켓 산스 TTF Medium" panose="02000000000000000000" pitchFamily="2" charset="-127"/>
-              </a:rPr>
-              <a:t>. </a:t>
-            </a:r>
-            <a:r>
-              <a:rPr lang="ko-KR" altLang="en-US" sz="2400" dirty="0" smtClean="0">
+              <a:t>3. </a:t>
+            </a:r>
+            <a:r>
+              <a:rPr lang="ko-KR" altLang="en-US" sz="2400" dirty="0">
                 <a:solidFill>
                   <a:srgbClr val="323232"/>
                 </a:solidFill>
@@ -7779,7 +7705,7 @@
               <a:t>사용</a:t>
             </a:r>
             <a:r>
-              <a:rPr lang="en-US" altLang="ko-KR" sz="2400" dirty="0" smtClean="0">
+              <a:rPr lang="en-US" altLang="ko-KR" sz="2400" dirty="0">
                 <a:solidFill>
                   <a:srgbClr val="323232"/>
                 </a:solidFill>
@@ -7789,7 +7715,7 @@
               <a:t> </a:t>
             </a:r>
             <a:r>
-              <a:rPr lang="ko-KR" altLang="en-US" sz="2400" dirty="0" smtClean="0">
+              <a:rPr lang="ko-KR" altLang="en-US" sz="2400" dirty="0">
                 <a:solidFill>
                   <a:srgbClr val="323232"/>
                 </a:solidFill>
@@ -7799,7 +7725,7 @@
               <a:t>엔진 및 툴</a:t>
             </a:r>
             <a:r>
-              <a:rPr lang="en-US" altLang="ko-KR" sz="2400" dirty="0" smtClean="0">
+              <a:rPr lang="en-US" altLang="ko-KR" sz="2400" dirty="0">
                 <a:solidFill>
                   <a:srgbClr val="323232"/>
                 </a:solidFill>
@@ -7808,7 +7734,7 @@
               </a:rPr>
               <a:t>:           Unity Engine,            Photon Engine </a:t>
             </a:r>
-            <a:endParaRPr lang="ko-KR" altLang="en-US" sz="2400" dirty="0" smtClean="0">
+            <a:endParaRPr lang="ko-KR" altLang="en-US" sz="2400" dirty="0">
               <a:solidFill>
                 <a:srgbClr val="323232"/>
               </a:solidFill>
@@ -7931,7 +7857,7 @@
           <a:lstStyle/>
           <a:p>
             <a:r>
-              <a:rPr lang="en-US" altLang="ko-KR" sz="2400" dirty="0" smtClean="0">
+              <a:rPr lang="en-US" altLang="ko-KR" sz="2400" dirty="0">
                 <a:solidFill>
                   <a:srgbClr val="323232"/>
                 </a:solidFill>
@@ -7941,7 +7867,7 @@
               <a:t>4. </a:t>
             </a:r>
             <a:r>
-              <a:rPr lang="ko-KR" altLang="en-US" sz="2400" dirty="0" smtClean="0">
+              <a:rPr lang="ko-KR" altLang="en-US" sz="2400" dirty="0">
                 <a:solidFill>
                   <a:srgbClr val="323232"/>
                 </a:solidFill>
@@ -7981,55 +7907,55 @@
               </a:lnSpc>
             </a:pPr>
             <a:r>
-              <a:rPr lang="ko-KR" altLang="en-US" dirty="0" smtClean="0">
+              <a:rPr lang="ko-KR" altLang="en-US" dirty="0">
                 <a:latin typeface="G마켓 산스 TTF Medium" panose="02000000000000000000" pitchFamily="2" charset="-127"/>
                 <a:ea typeface="G마켓 산스 TTF Medium" panose="02000000000000000000" pitchFamily="2" charset="-127"/>
               </a:rPr>
               <a:t> 해당 프로젝트는 </a:t>
             </a:r>
             <a:r>
-              <a:rPr lang="en-US" altLang="ko-KR" dirty="0" smtClean="0">
+              <a:rPr lang="en-US" altLang="ko-KR" dirty="0">
                 <a:latin typeface="G마켓 산스 TTF Medium" panose="02000000000000000000" pitchFamily="2" charset="-127"/>
                 <a:ea typeface="G마켓 산스 TTF Medium" panose="02000000000000000000" pitchFamily="2" charset="-127"/>
               </a:rPr>
               <a:t>Unity Engine</a:t>
             </a:r>
             <a:r>
-              <a:rPr lang="ko-KR" altLang="en-US" dirty="0" smtClean="0">
+              <a:rPr lang="ko-KR" altLang="en-US" dirty="0">
                 <a:latin typeface="G마켓 산스 TTF Medium" panose="02000000000000000000" pitchFamily="2" charset="-127"/>
                 <a:ea typeface="G마켓 산스 TTF Medium" panose="02000000000000000000" pitchFamily="2" charset="-127"/>
               </a:rPr>
               <a:t>과  </a:t>
             </a:r>
             <a:r>
-              <a:rPr lang="en-US" altLang="ko-KR" dirty="0" smtClean="0">
+              <a:rPr lang="en-US" altLang="ko-KR" dirty="0">
                 <a:latin typeface="G마켓 산스 TTF Medium" panose="02000000000000000000" pitchFamily="2" charset="-127"/>
                 <a:ea typeface="G마켓 산스 TTF Medium" panose="02000000000000000000" pitchFamily="2" charset="-127"/>
               </a:rPr>
               <a:t>Photon Engine</a:t>
             </a:r>
             <a:r>
-              <a:rPr lang="ko-KR" altLang="en-US" dirty="0" smtClean="0">
+              <a:rPr lang="ko-KR" altLang="en-US" dirty="0">
                 <a:latin typeface="G마켓 산스 TTF Medium" panose="02000000000000000000" pitchFamily="2" charset="-127"/>
                 <a:ea typeface="G마켓 산스 TTF Medium" panose="02000000000000000000" pitchFamily="2" charset="-127"/>
               </a:rPr>
               <a:t>을 활용하여 만든 게임입니다</a:t>
             </a:r>
             <a:r>
-              <a:rPr lang="en-US" altLang="ko-KR" dirty="0" smtClean="0">
+              <a:rPr lang="en-US" altLang="ko-KR" dirty="0">
                 <a:latin typeface="G마켓 산스 TTF Medium" panose="02000000000000000000" pitchFamily="2" charset="-127"/>
                 <a:ea typeface="G마켓 산스 TTF Medium" panose="02000000000000000000" pitchFamily="2" charset="-127"/>
               </a:rPr>
               <a:t>.</a:t>
             </a:r>
             <a:r>
-              <a:rPr lang="ko-KR" altLang="en-US" dirty="0" smtClean="0">
+              <a:rPr lang="ko-KR" altLang="en-US" dirty="0">
                 <a:latin typeface="G마켓 산스 TTF Medium" panose="02000000000000000000" pitchFamily="2" charset="-127"/>
                 <a:ea typeface="G마켓 산스 TTF Medium" panose="02000000000000000000" pitchFamily="2" charset="-127"/>
               </a:rPr>
               <a:t> </a:t>
             </a:r>
-            <a:endParaRPr lang="en-US" altLang="ko-KR" dirty="0" smtClean="0">
+            <a:endParaRPr lang="en-US" altLang="ko-KR" dirty="0">
               <a:latin typeface="G마켓 산스 TTF Medium" panose="02000000000000000000" pitchFamily="2" charset="-127"/>
               <a:ea typeface="G마켓 산스 TTF Medium" panose="02000000000000000000" pitchFamily="2" charset="-127"/>
             </a:endParaRPr>
@@ -8041,105 +7967,105 @@
               </a:lnSpc>
             </a:pPr>
             <a:r>
-              <a:rPr lang="en-US" altLang="ko-KR" dirty="0" smtClean="0">
+              <a:rPr lang="en-US" altLang="ko-KR" dirty="0">
                 <a:latin typeface="G마켓 산스 TTF Medium" panose="02000000000000000000" pitchFamily="2" charset="-127"/>
                 <a:ea typeface="G마켓 산스 TTF Medium" panose="02000000000000000000" pitchFamily="2" charset="-127"/>
               </a:rPr>
               <a:t> </a:t>
             </a:r>
             <a:r>
-              <a:rPr lang="en-US" altLang="ko-KR" dirty="0" err="1" smtClean="0">
+              <a:rPr lang="en-US" altLang="ko-KR" dirty="0" err="1">
                 <a:latin typeface="G마켓 산스 TTF Medium" panose="02000000000000000000" pitchFamily="2" charset="-127"/>
                 <a:ea typeface="G마켓 산스 TTF Medium" panose="02000000000000000000" pitchFamily="2" charset="-127"/>
               </a:rPr>
               <a:t>Starcraft</a:t>
             </a:r>
             <a:r>
-              <a:rPr lang="ko-KR" altLang="en-US" dirty="0" smtClean="0">
+              <a:rPr lang="ko-KR" altLang="en-US" dirty="0">
                 <a:latin typeface="G마켓 산스 TTF Medium" panose="02000000000000000000" pitchFamily="2" charset="-127"/>
                 <a:ea typeface="G마켓 산스 TTF Medium" panose="02000000000000000000" pitchFamily="2" charset="-127"/>
               </a:rPr>
               <a:t>의 </a:t>
             </a:r>
             <a:r>
-              <a:rPr lang="ko-KR" altLang="en-US" dirty="0" err="1" smtClean="0">
+              <a:rPr lang="ko-KR" altLang="en-US" dirty="0" err="1">
                 <a:latin typeface="G마켓 산스 TTF Medium" panose="02000000000000000000" pitchFamily="2" charset="-127"/>
                 <a:ea typeface="G마켓 산스 TTF Medium" panose="02000000000000000000" pitchFamily="2" charset="-127"/>
               </a:rPr>
               <a:t>유즈맵</a:t>
             </a:r>
             <a:r>
-              <a:rPr lang="en-US" altLang="ko-KR" dirty="0" smtClean="0">
+              <a:rPr lang="en-US" altLang="ko-KR" dirty="0">
                 <a:latin typeface="G마켓 산스 TTF Medium" panose="02000000000000000000" pitchFamily="2" charset="-127"/>
                 <a:ea typeface="G마켓 산스 TTF Medium" panose="02000000000000000000" pitchFamily="2" charset="-127"/>
               </a:rPr>
               <a:t> </a:t>
             </a:r>
             <a:r>
-              <a:rPr lang="ko-KR" altLang="en-US" dirty="0" smtClean="0">
+              <a:rPr lang="ko-KR" altLang="en-US" dirty="0">
                 <a:latin typeface="G마켓 산스 TTF Medium" panose="02000000000000000000" pitchFamily="2" charset="-127"/>
                 <a:ea typeface="G마켓 산스 TTF Medium" panose="02000000000000000000" pitchFamily="2" charset="-127"/>
               </a:rPr>
               <a:t>중 하나인 </a:t>
             </a:r>
             <a:r>
-              <a:rPr lang="en-US" altLang="ko-KR" dirty="0" smtClean="0">
+              <a:rPr lang="en-US" altLang="ko-KR" dirty="0">
                 <a:latin typeface="G마켓 산스 TTF Medium" panose="02000000000000000000" pitchFamily="2" charset="-127"/>
                 <a:ea typeface="G마켓 산스 TTF Medium" panose="02000000000000000000" pitchFamily="2" charset="-127"/>
               </a:rPr>
               <a:t>“Desert Strike”</a:t>
             </a:r>
             <a:r>
-              <a:rPr lang="ko-KR" altLang="en-US" dirty="0" smtClean="0">
+              <a:rPr lang="ko-KR" altLang="en-US" dirty="0">
                 <a:latin typeface="G마켓 산스 TTF Medium" panose="02000000000000000000" pitchFamily="2" charset="-127"/>
                 <a:ea typeface="G마켓 산스 TTF Medium" panose="02000000000000000000" pitchFamily="2" charset="-127"/>
               </a:rPr>
               <a:t>라는 게임에서 착안하여 만든 </a:t>
             </a:r>
             <a:r>
-              <a:rPr lang="en-US" altLang="ko-KR" dirty="0" smtClean="0">
+              <a:rPr lang="en-US" altLang="ko-KR" dirty="0">
                 <a:latin typeface="G마켓 산스 TTF Medium" panose="02000000000000000000" pitchFamily="2" charset="-127"/>
                 <a:ea typeface="G마켓 산스 TTF Medium" panose="02000000000000000000" pitchFamily="2" charset="-127"/>
               </a:rPr>
               <a:t>2</a:t>
             </a:r>
             <a:r>
-              <a:rPr lang="ko-KR" altLang="en-US" dirty="0" smtClean="0">
+              <a:rPr lang="ko-KR" altLang="en-US" dirty="0">
                 <a:latin typeface="G마켓 산스 TTF Medium" panose="02000000000000000000" pitchFamily="2" charset="-127"/>
                 <a:ea typeface="G마켓 산스 TTF Medium" panose="02000000000000000000" pitchFamily="2" charset="-127"/>
               </a:rPr>
               <a:t>인용 </a:t>
             </a:r>
             <a:r>
-              <a:rPr lang="en-US" altLang="ko-KR" dirty="0" smtClean="0">
+              <a:rPr lang="en-US" altLang="ko-KR" dirty="0">
                 <a:latin typeface="G마켓 산스 TTF Medium" panose="02000000000000000000" pitchFamily="2" charset="-127"/>
                 <a:ea typeface="G마켓 산스 TTF Medium" panose="02000000000000000000" pitchFamily="2" charset="-127"/>
               </a:rPr>
               <a:t>PVP</a:t>
             </a:r>
             <a:r>
-              <a:rPr lang="ko-KR" altLang="en-US" dirty="0" smtClean="0">
+              <a:rPr lang="ko-KR" altLang="en-US" dirty="0">
                 <a:latin typeface="G마켓 산스 TTF Medium" panose="02000000000000000000" pitchFamily="2" charset="-127"/>
                 <a:ea typeface="G마켓 산스 TTF Medium" panose="02000000000000000000" pitchFamily="2" charset="-127"/>
               </a:rPr>
               <a:t> </a:t>
             </a:r>
             <a:r>
-              <a:rPr lang="en-US" altLang="ko-KR" dirty="0" smtClean="0">
+              <a:rPr lang="en-US" altLang="ko-KR" dirty="0">
                 <a:latin typeface="G마켓 산스 TTF Medium" panose="02000000000000000000" pitchFamily="2" charset="-127"/>
                 <a:ea typeface="G마켓 산스 TTF Medium" panose="02000000000000000000" pitchFamily="2" charset="-127"/>
               </a:rPr>
               <a:t>Multiplayer Game </a:t>
             </a:r>
             <a:r>
-              <a:rPr lang="ko-KR" altLang="en-US" dirty="0" smtClean="0">
+              <a:rPr lang="ko-KR" altLang="en-US" dirty="0">
                 <a:latin typeface="G마켓 산스 TTF Medium" panose="02000000000000000000" pitchFamily="2" charset="-127"/>
                 <a:ea typeface="G마켓 산스 TTF Medium" panose="02000000000000000000" pitchFamily="2" charset="-127"/>
               </a:rPr>
               <a:t>입니다</a:t>
             </a:r>
             <a:r>
-              <a:rPr lang="en-US" altLang="ko-KR" dirty="0" smtClean="0">
+              <a:rPr lang="en-US" altLang="ko-KR" dirty="0">
                 <a:latin typeface="G마켓 산스 TTF Medium" panose="02000000000000000000" pitchFamily="2" charset="-127"/>
                 <a:ea typeface="G마켓 산스 TTF Medium" panose="02000000000000000000" pitchFamily="2" charset="-127"/>
               </a:rPr>
@@ -8176,70 +8102,70 @@
               </a:lnSpc>
             </a:pPr>
             <a:r>
-              <a:rPr lang="en-US" altLang="ko-KR" dirty="0" smtClean="0">
+              <a:rPr lang="en-US" altLang="ko-KR" dirty="0">
                 <a:latin typeface="G마켓 산스 TTF Medium" panose="02000000000000000000" pitchFamily="2" charset="-127"/>
                 <a:ea typeface="G마켓 산스 TTF Medium" panose="02000000000000000000" pitchFamily="2" charset="-127"/>
               </a:rPr>
               <a:t> </a:t>
             </a:r>
             <a:r>
-              <a:rPr lang="ko-KR" altLang="en-US" dirty="0" smtClean="0">
+              <a:rPr lang="ko-KR" altLang="en-US" dirty="0">
                 <a:latin typeface="G마켓 산스 TTF Medium" panose="02000000000000000000" pitchFamily="2" charset="-127"/>
                 <a:ea typeface="G마켓 산스 TTF Medium" panose="02000000000000000000" pitchFamily="2" charset="-127"/>
               </a:rPr>
               <a:t>해당 게임에서는 자원을 소모하여 </a:t>
             </a:r>
             <a:r>
-              <a:rPr lang="ko-KR" altLang="en-US" dirty="0" err="1" smtClean="0">
+              <a:rPr lang="ko-KR" altLang="en-US" dirty="0" err="1">
                 <a:latin typeface="G마켓 산스 TTF Medium" panose="02000000000000000000" pitchFamily="2" charset="-127"/>
                 <a:ea typeface="G마켓 산스 TTF Medium" panose="02000000000000000000" pitchFamily="2" charset="-127"/>
               </a:rPr>
               <a:t>테트리스</a:t>
             </a:r>
             <a:r>
-              <a:rPr lang="ko-KR" altLang="en-US" dirty="0" smtClean="0">
+              <a:rPr lang="ko-KR" altLang="en-US" dirty="0">
                 <a:latin typeface="G마켓 산스 TTF Medium" panose="02000000000000000000" pitchFamily="2" charset="-127"/>
                 <a:ea typeface="G마켓 산스 TTF Medium" panose="02000000000000000000" pitchFamily="2" charset="-127"/>
               </a:rPr>
               <a:t> 형식의 건물을 제한된 구역에 적절히 배치하고</a:t>
             </a:r>
             <a:r>
-              <a:rPr lang="en-US" altLang="ko-KR" dirty="0" smtClean="0">
+              <a:rPr lang="en-US" altLang="ko-KR" dirty="0">
                 <a:latin typeface="G마켓 산스 TTF Medium" panose="02000000000000000000" pitchFamily="2" charset="-127"/>
                 <a:ea typeface="G마켓 산스 TTF Medium" panose="02000000000000000000" pitchFamily="2" charset="-127"/>
               </a:rPr>
               <a:t>, </a:t>
             </a:r>
             <a:r>
-              <a:rPr lang="ko-KR" altLang="en-US" dirty="0" smtClean="0">
+              <a:rPr lang="ko-KR" altLang="en-US" dirty="0">
                 <a:latin typeface="G마켓 산스 TTF Medium" panose="02000000000000000000" pitchFamily="2" charset="-127"/>
                 <a:ea typeface="G마켓 산스 TTF Medium" panose="02000000000000000000" pitchFamily="2" charset="-127"/>
               </a:rPr>
               <a:t>그에 따라 생성되는 유닛의 진영을 구성하는 등의 시스템을 가지고 있습니다</a:t>
             </a:r>
             <a:r>
-              <a:rPr lang="en-US" altLang="ko-KR" dirty="0" smtClean="0">
+              <a:rPr lang="en-US" altLang="ko-KR" dirty="0">
                 <a:latin typeface="G마켓 산스 TTF Medium" panose="02000000000000000000" pitchFamily="2" charset="-127"/>
                 <a:ea typeface="G마켓 산스 TTF Medium" panose="02000000000000000000" pitchFamily="2" charset="-127"/>
               </a:rPr>
               <a:t>. </a:t>
             </a:r>
             <a:r>
-              <a:rPr lang="ko-KR" altLang="en-US" dirty="0" smtClean="0">
+              <a:rPr lang="ko-KR" altLang="en-US" dirty="0">
                 <a:latin typeface="G마켓 산스 TTF Medium" panose="02000000000000000000" pitchFamily="2" charset="-127"/>
                 <a:ea typeface="G마켓 산스 TTF Medium" panose="02000000000000000000" pitchFamily="2" charset="-127"/>
               </a:rPr>
               <a:t>자원 관리 및 건물 배치</a:t>
             </a:r>
             <a:r>
-              <a:rPr lang="en-US" altLang="ko-KR" dirty="0" smtClean="0">
+              <a:rPr lang="en-US" altLang="ko-KR" dirty="0">
                 <a:latin typeface="G마켓 산스 TTF Medium" panose="02000000000000000000" pitchFamily="2" charset="-127"/>
                 <a:ea typeface="G마켓 산스 TTF Medium" panose="02000000000000000000" pitchFamily="2" charset="-127"/>
               </a:rPr>
               <a:t>, </a:t>
             </a:r>
             <a:r>
-              <a:rPr lang="ko-KR" altLang="en-US" dirty="0" smtClean="0">
+              <a:rPr lang="ko-KR" altLang="en-US" dirty="0">
                 <a:latin typeface="G마켓 산스 TTF Medium" panose="02000000000000000000" pitchFamily="2" charset="-127"/>
                 <a:ea typeface="G마켓 산스 TTF Medium" panose="02000000000000000000" pitchFamily="2" charset="-127"/>
               </a:rPr>
@@ -8252,10 +8178,6 @@
               </a:rPr>
               <a:t>.</a:t>
             </a:r>
-            <a:endParaRPr lang="en-US" altLang="ko-KR" dirty="0" smtClean="0">
-              <a:latin typeface="G마켓 산스 TTF Medium" panose="02000000000000000000" pitchFamily="2" charset="-127"/>
-              <a:ea typeface="G마켓 산스 TTF Medium" panose="02000000000000000000" pitchFamily="2" charset="-127"/>
-            </a:endParaRPr>
           </a:p>
         </p:txBody>
       </p:sp>
@@ -8269,13 +8191,6 @@
   <p:clrMapOvr>
     <a:masterClrMapping/>
   </p:clrMapOvr>
-  <p:timing>
-    <p:tnLst>
-      <p:par>
-        <p:cTn id="1" dur="indefinite" restart="never" nodeType="tmRoot"/>
-      </p:par>
-    </p:tnLst>
-  </p:timing>
 </p:sld>
 </file>
 
@@ -8582,7 +8497,7 @@
             <a:lstStyle/>
             <a:p>
               <a:pPr algn="ctr"/>
-              <a:endParaRPr lang="ko-KR" altLang="en-US" sz="7200" dirty="0" smtClean="0">
+              <a:endParaRPr lang="ko-KR" altLang="en-US" sz="7200" dirty="0">
                 <a:solidFill>
                   <a:schemeClr val="tx1">
                     <a:lumMod val="50000"/>
@@ -8904,7 +8819,7 @@
             <a:lstStyle/>
             <a:p>
               <a:pPr algn="ctr"/>
-              <a:endParaRPr lang="ko-KR" altLang="en-US" sz="7200" dirty="0" smtClean="0">
+              <a:endParaRPr lang="ko-KR" altLang="en-US" sz="7200" dirty="0">
                 <a:solidFill>
                   <a:schemeClr val="tx1">
                     <a:lumMod val="50000"/>
@@ -9139,7 +9054,7 @@
             <a:lstStyle/>
             <a:p>
               <a:pPr algn="ctr"/>
-              <a:endParaRPr lang="ko-KR" altLang="en-US" sz="7200" dirty="0" smtClean="0">
+              <a:endParaRPr lang="ko-KR" altLang="en-US" sz="7200" dirty="0">
                 <a:solidFill>
                   <a:schemeClr val="tx1">
                     <a:lumMod val="50000"/>
@@ -9215,7 +9130,7 @@
           <a:lstStyle/>
           <a:p>
             <a:r>
-              <a:rPr lang="en-US" altLang="ko-KR" sz="4800" dirty="0" smtClean="0">
+              <a:rPr lang="en-US" altLang="ko-KR" sz="4800" dirty="0">
                 <a:solidFill>
                   <a:srgbClr val="323232"/>
                 </a:solidFill>
@@ -9225,7 +9140,7 @@
               <a:t>02. </a:t>
             </a:r>
             <a:r>
-              <a:rPr lang="ko-KR" altLang="en-US" sz="4800" dirty="0" smtClean="0">
+              <a:rPr lang="ko-KR" altLang="en-US" sz="4800" dirty="0">
                 <a:solidFill>
                   <a:srgbClr val="323232"/>
                 </a:solidFill>
@@ -9235,7 +9150,7 @@
               <a:t>구성 기술 </a:t>
             </a:r>
             <a:r>
-              <a:rPr lang="en-US" altLang="ko-KR" sz="4800" dirty="0" smtClean="0">
+              <a:rPr lang="en-US" altLang="ko-KR" sz="4800" dirty="0">
                 <a:solidFill>
                   <a:schemeClr val="tx1">
                     <a:lumMod val="50000"/>
@@ -9248,7 +9163,7 @@
               <a:t>– </a:t>
             </a:r>
             <a:r>
-              <a:rPr lang="ko-KR" altLang="en-US" sz="4800" dirty="0" smtClean="0">
+              <a:rPr lang="ko-KR" altLang="en-US" sz="4800" dirty="0">
                 <a:solidFill>
                   <a:schemeClr val="tx1">
                     <a:lumMod val="50000"/>
@@ -9545,7 +9460,7 @@
             <a:lstStyle/>
             <a:p>
               <a:pPr algn="ctr"/>
-              <a:endParaRPr lang="ko-KR" altLang="en-US" sz="7200" dirty="0" smtClean="0">
+              <a:endParaRPr lang="ko-KR" altLang="en-US" sz="7200" dirty="0">
                 <a:solidFill>
                   <a:schemeClr val="tx1">
                     <a:lumMod val="50000"/>
@@ -9606,13 +9521,6 @@
   <p:clrMapOvr>
     <a:masterClrMapping/>
   </p:clrMapOvr>
-  <p:timing>
-    <p:tnLst>
-      <p:par>
-        <p:cTn id="1" dur="indefinite" restart="never" nodeType="tmRoot"/>
-      </p:par>
-    </p:tnLst>
-  </p:timing>
 </p:sld>
 </file>
 
@@ -9919,7 +9827,7 @@
             <a:lstStyle/>
             <a:p>
               <a:pPr algn="ctr"/>
-              <a:endParaRPr lang="ko-KR" altLang="en-US" sz="7200" dirty="0" smtClean="0">
+              <a:endParaRPr lang="ko-KR" altLang="en-US" sz="7200" dirty="0">
                 <a:solidFill>
                   <a:schemeClr val="tx1">
                     <a:lumMod val="50000"/>
@@ -10241,7 +10149,1814 @@
             <a:lstStyle/>
             <a:p>
               <a:pPr algn="ctr"/>
-              <a:endParaRPr lang="ko-KR" altLang="en-US" sz="7200" dirty="0" smtClean="0">
+              <a:endParaRPr lang="ko-KR" altLang="en-US" sz="7200" dirty="0">
+                <a:solidFill>
+                  <a:schemeClr val="tx1">
+                    <a:lumMod val="50000"/>
+                    <a:lumOff val="50000"/>
+                  </a:schemeClr>
+                </a:solidFill>
+                <a:latin typeface="Arial" panose="020B0604020202020204" pitchFamily="34" charset="0"/>
+                <a:ea typeface="G마켓 산스 TTF Medium" panose="02000000000000000000" pitchFamily="2" charset="-127"/>
+                <a:cs typeface="Arial" panose="020B0604020202020204" pitchFamily="34" charset="0"/>
+              </a:endParaRPr>
+            </a:p>
+          </p:txBody>
+        </p:sp>
+        <p:cxnSp>
+          <p:nvCxnSpPr>
+            <p:cNvPr id="48" name="직선 연결선 47"/>
+            <p:cNvCxnSpPr/>
+            <p:nvPr/>
+          </p:nvCxnSpPr>
+          <p:spPr>
+            <a:xfrm flipV="1">
+              <a:off x="3540919" y="5312692"/>
+              <a:ext cx="992983" cy="163305"/>
+            </a:xfrm>
+            <a:prstGeom prst="line">
+              <a:avLst/>
+            </a:prstGeom>
+            <a:grpFill/>
+            <a:ln w="19050">
+              <a:solidFill>
+                <a:srgbClr val="323232">
+                  <a:alpha val="30000"/>
+                </a:srgbClr>
+              </a:solidFill>
+            </a:ln>
+          </p:spPr>
+          <p:style>
+            <a:lnRef idx="1">
+              <a:schemeClr val="accent1"/>
+            </a:lnRef>
+            <a:fillRef idx="0">
+              <a:schemeClr val="accent1"/>
+            </a:fillRef>
+            <a:effectRef idx="0">
+              <a:schemeClr val="accent1"/>
+            </a:effectRef>
+            <a:fontRef idx="minor">
+              <a:schemeClr val="tx1"/>
+            </a:fontRef>
+          </p:style>
+        </p:cxnSp>
+      </p:grpSp>
+      <p:grpSp>
+        <p:nvGrpSpPr>
+          <p:cNvPr id="50" name="그룹 49"/>
+          <p:cNvGrpSpPr/>
+          <p:nvPr/>
+        </p:nvGrpSpPr>
+        <p:grpSpPr>
+          <a:xfrm>
+            <a:off x="132888" y="5969021"/>
+            <a:ext cx="682732" cy="431706"/>
+            <a:chOff x="7719297" y="4899504"/>
+            <a:chExt cx="897731" cy="567654"/>
+          </a:xfrm>
+          <a:solidFill>
+            <a:schemeClr val="tx1">
+              <a:lumMod val="50000"/>
+              <a:lumOff val="50000"/>
+              <a:alpha val="30000"/>
+            </a:schemeClr>
+          </a:solidFill>
+        </p:grpSpPr>
+        <p:sp>
+          <p:nvSpPr>
+            <p:cNvPr id="51" name="TextBox 50"/>
+            <p:cNvSpPr txBox="1"/>
+            <p:nvPr/>
+          </p:nvSpPr>
+          <p:spPr>
+            <a:xfrm>
+              <a:off x="7726023" y="4899504"/>
+              <a:ext cx="842813" cy="552121"/>
+            </a:xfrm>
+            <a:custGeom>
+              <a:avLst/>
+              <a:gdLst/>
+              <a:ahLst/>
+              <a:cxnLst/>
+              <a:rect l="l" t="t" r="r" b="b"/>
+              <a:pathLst>
+                <a:path w="842813" h="552121">
+                  <a:moveTo>
+                    <a:pt x="762446" y="131713"/>
+                  </a:moveTo>
+                  <a:lnTo>
+                    <a:pt x="557510" y="426839"/>
+                  </a:lnTo>
+                  <a:lnTo>
+                    <a:pt x="762446" y="426839"/>
+                  </a:lnTo>
+                  <a:close/>
+                  <a:moveTo>
+                    <a:pt x="777180" y="2679"/>
+                  </a:moveTo>
+                  <a:lnTo>
+                    <a:pt x="842813" y="2679"/>
+                  </a:lnTo>
+                  <a:lnTo>
+                    <a:pt x="842813" y="420780"/>
+                  </a:lnTo>
+                  <a:lnTo>
+                    <a:pt x="478482" y="480092"/>
+                  </a:lnTo>
+                  <a:lnTo>
+                    <a:pt x="478482" y="426839"/>
+                  </a:lnTo>
+                  <a:close/>
+                  <a:moveTo>
+                    <a:pt x="213419" y="0"/>
+                  </a:moveTo>
+                  <a:cubicBezTo>
+                    <a:pt x="248543" y="0"/>
+                    <a:pt x="279350" y="7069"/>
+                    <a:pt x="305841" y="21208"/>
+                  </a:cubicBezTo>
+                  <a:cubicBezTo>
+                    <a:pt x="332333" y="35347"/>
+                    <a:pt x="354211" y="55736"/>
+                    <a:pt x="371475" y="82377"/>
+                  </a:cubicBezTo>
+                  <a:cubicBezTo>
+                    <a:pt x="388739" y="109017"/>
+                    <a:pt x="402282" y="141461"/>
+                    <a:pt x="412105" y="179710"/>
+                  </a:cubicBezTo>
+                  <a:cubicBezTo>
+                    <a:pt x="421927" y="217959"/>
+                    <a:pt x="426839" y="269528"/>
+                    <a:pt x="426839" y="334417"/>
+                  </a:cubicBezTo>
+                  <a:cubicBezTo>
+                    <a:pt x="426839" y="372815"/>
+                    <a:pt x="424867" y="407510"/>
+                    <a:pt x="420923" y="438504"/>
+                  </a:cubicBezTo>
+                  <a:lnTo>
+                    <a:pt x="409472" y="491327"/>
+                  </a:lnTo>
+                  <a:lnTo>
+                    <a:pt x="325598" y="504981"/>
+                  </a:lnTo>
+                  <a:lnTo>
+                    <a:pt x="334807" y="468362"/>
+                  </a:lnTo>
+                  <a:cubicBezTo>
+                    <a:pt x="341095" y="432643"/>
+                    <a:pt x="344239" y="387995"/>
+                    <a:pt x="344239" y="334417"/>
+                  </a:cubicBezTo>
+                  <a:cubicBezTo>
+                    <a:pt x="344239" y="226665"/>
+                    <a:pt x="331663" y="155079"/>
+                    <a:pt x="306511" y="119658"/>
+                  </a:cubicBezTo>
+                  <a:cubicBezTo>
+                    <a:pt x="281359" y="84237"/>
+                    <a:pt x="250031" y="66526"/>
+                    <a:pt x="212526" y="66526"/>
+                  </a:cubicBezTo>
+                  <a:cubicBezTo>
+                    <a:pt x="175617" y="66526"/>
+                    <a:pt x="146149" y="82153"/>
+                    <a:pt x="124122" y="113407"/>
+                  </a:cubicBezTo>
+                  <a:cubicBezTo>
+                    <a:pt x="96440" y="153293"/>
+                    <a:pt x="82599" y="226963"/>
+                    <a:pt x="82599" y="334417"/>
+                  </a:cubicBezTo>
+                  <a:cubicBezTo>
+                    <a:pt x="82599" y="415007"/>
+                    <a:pt x="89673" y="475380"/>
+                    <a:pt x="103821" y="515536"/>
+                  </a:cubicBezTo>
+                  <a:lnTo>
+                    <a:pt x="115502" y="539184"/>
+                  </a:lnTo>
+                  <a:lnTo>
+                    <a:pt x="36036" y="552121"/>
+                  </a:lnTo>
+                  <a:lnTo>
+                    <a:pt x="16185" y="493142"/>
+                  </a:lnTo>
+                  <a:cubicBezTo>
+                    <a:pt x="5395" y="448791"/>
+                    <a:pt x="0" y="395883"/>
+                    <a:pt x="0" y="334417"/>
+                  </a:cubicBezTo>
+                  <a:cubicBezTo>
+                    <a:pt x="0" y="257026"/>
+                    <a:pt x="7962" y="194742"/>
+                    <a:pt x="23887" y="147563"/>
+                  </a:cubicBezTo>
+                  <a:cubicBezTo>
+                    <a:pt x="39811" y="100385"/>
+                    <a:pt x="63475" y="63996"/>
+                    <a:pt x="94878" y="38398"/>
+                  </a:cubicBezTo>
+                  <a:cubicBezTo>
+                    <a:pt x="126280" y="12799"/>
+                    <a:pt x="165794" y="0"/>
+                    <a:pt x="213419" y="0"/>
+                  </a:cubicBezTo>
+                  <a:close/>
+                </a:path>
+              </a:pathLst>
+            </a:custGeom>
+            <a:grpFill/>
+            <a:ln>
+              <a:noFill/>
+            </a:ln>
+            <a:effectLst/>
+          </p:spPr>
+          <p:txBody>
+            <a:bodyPr rot="0" spcFirstLastPara="0" vertOverflow="overflow" horzOverflow="overflow" vert="horz" wrap="square" lIns="91440" tIns="45720" rIns="91440" bIns="45720" numCol="1" spcCol="0" rtlCol="0" fromWordArt="0" anchor="t" anchorCtr="0" forceAA="0" compatLnSpc="1">
+              <a:prstTxWarp prst="textNoShape">
+                <a:avLst/>
+              </a:prstTxWarp>
+              <a:noAutofit/>
+            </a:bodyPr>
+            <a:lstStyle/>
+            <a:p>
+              <a:pPr algn="ctr"/>
+              <a:endParaRPr lang="ko-KR" altLang="en-US" sz="7200" dirty="0">
+                <a:solidFill>
+                  <a:schemeClr val="tx1">
+                    <a:lumMod val="50000"/>
+                    <a:lumOff val="50000"/>
+                  </a:schemeClr>
+                </a:solidFill>
+                <a:latin typeface="Arial" panose="020B0604020202020204" pitchFamily="34" charset="0"/>
+                <a:ea typeface="G마켓 산스 TTF Medium" panose="02000000000000000000" pitchFamily="2" charset="-127"/>
+                <a:cs typeface="Arial" panose="020B0604020202020204" pitchFamily="34" charset="0"/>
+              </a:endParaRPr>
+            </a:p>
+          </p:txBody>
+        </p:sp>
+        <p:cxnSp>
+          <p:nvCxnSpPr>
+            <p:cNvPr id="52" name="직선 연결선 51"/>
+            <p:cNvCxnSpPr/>
+            <p:nvPr/>
+          </p:nvCxnSpPr>
+          <p:spPr>
+            <a:xfrm flipV="1">
+              <a:off x="7719297" y="5319519"/>
+              <a:ext cx="897731" cy="147639"/>
+            </a:xfrm>
+            <a:prstGeom prst="line">
+              <a:avLst/>
+            </a:prstGeom>
+            <a:grpFill/>
+            <a:ln w="19050">
+              <a:solidFill>
+                <a:srgbClr val="323232">
+                  <a:alpha val="30000"/>
+                </a:srgbClr>
+              </a:solidFill>
+            </a:ln>
+          </p:spPr>
+          <p:style>
+            <a:lnRef idx="1">
+              <a:schemeClr val="accent1"/>
+            </a:lnRef>
+            <a:fillRef idx="0">
+              <a:schemeClr val="accent1"/>
+            </a:fillRef>
+            <a:effectRef idx="0">
+              <a:schemeClr val="accent1"/>
+            </a:effectRef>
+            <a:fontRef idx="minor">
+              <a:schemeClr val="tx1"/>
+            </a:fontRef>
+          </p:style>
+        </p:cxnSp>
+      </p:grpSp>
+      <p:sp>
+        <p:nvSpPr>
+          <p:cNvPr id="6" name="TextBox 5"/>
+          <p:cNvSpPr txBox="1"/>
+          <p:nvPr/>
+        </p:nvSpPr>
+        <p:spPr>
+          <a:xfrm>
+            <a:off x="1088258" y="113884"/>
+            <a:ext cx="9143850" cy="830997"/>
+          </a:xfrm>
+          <a:prstGeom prst="rect">
+            <a:avLst/>
+          </a:prstGeom>
+          <a:noFill/>
+        </p:spPr>
+        <p:txBody>
+          <a:bodyPr wrap="none" rtlCol="0">
+            <a:spAutoFit/>
+          </a:bodyPr>
+          <a:lstStyle/>
+          <a:p>
+            <a:r>
+              <a:rPr lang="en-US" altLang="ko-KR" sz="4800" dirty="0">
+                <a:solidFill>
+                  <a:srgbClr val="323232"/>
+                </a:solidFill>
+                <a:latin typeface="G마켓 산스 TTF Medium" panose="02000000000000000000" pitchFamily="2" charset="-127"/>
+                <a:ea typeface="G마켓 산스 TTF Medium" panose="02000000000000000000" pitchFamily="2" charset="-127"/>
+              </a:rPr>
+              <a:t>02. </a:t>
+            </a:r>
+            <a:r>
+              <a:rPr lang="ko-KR" altLang="en-US" sz="4800" dirty="0">
+                <a:solidFill>
+                  <a:srgbClr val="323232"/>
+                </a:solidFill>
+                <a:latin typeface="G마켓 산스 TTF Medium" panose="02000000000000000000" pitchFamily="2" charset="-127"/>
+                <a:ea typeface="G마켓 산스 TTF Medium" panose="02000000000000000000" pitchFamily="2" charset="-127"/>
+              </a:rPr>
+              <a:t>구성 기술 </a:t>
+            </a:r>
+            <a:r>
+              <a:rPr lang="en-US" altLang="ko-KR" sz="4800" dirty="0">
+                <a:solidFill>
+                  <a:schemeClr val="tx1">
+                    <a:lumMod val="50000"/>
+                    <a:lumOff val="50000"/>
+                  </a:schemeClr>
+                </a:solidFill>
+                <a:latin typeface="G마켓 산스 TTF Medium" panose="02000000000000000000" pitchFamily="2" charset="-127"/>
+                <a:ea typeface="G마켓 산스 TTF Medium" panose="02000000000000000000" pitchFamily="2" charset="-127"/>
+              </a:rPr>
+              <a:t>– </a:t>
+            </a:r>
+            <a:r>
+              <a:rPr lang="ko-KR" altLang="en-US" sz="4800" dirty="0">
+                <a:solidFill>
+                  <a:schemeClr val="tx1">
+                    <a:lumMod val="50000"/>
+                    <a:lumOff val="50000"/>
+                  </a:schemeClr>
+                </a:solidFill>
+                <a:latin typeface="G마켓 산스 TTF Medium" panose="02000000000000000000" pitchFamily="2" charset="-127"/>
+                <a:ea typeface="G마켓 산스 TTF Medium" panose="02000000000000000000" pitchFamily="2" charset="-127"/>
+              </a:rPr>
+              <a:t>게임 소개 및 개요</a:t>
+            </a:r>
+          </a:p>
+        </p:txBody>
+      </p:sp>
+      <p:sp>
+        <p:nvSpPr>
+          <p:cNvPr id="5" name="직사각형 4"/>
+          <p:cNvSpPr/>
+          <p:nvPr/>
+        </p:nvSpPr>
+        <p:spPr>
+          <a:xfrm>
+            <a:off x="1088259" y="1077886"/>
+            <a:ext cx="11103744" cy="5780113"/>
+          </a:xfrm>
+          <a:prstGeom prst="rect">
+            <a:avLst/>
+          </a:prstGeom>
+          <a:noFill/>
+          <a:ln>
+            <a:solidFill>
+              <a:srgbClr val="FF0000"/>
+            </a:solidFill>
+          </a:ln>
+        </p:spPr>
+        <p:style>
+          <a:lnRef idx="2">
+            <a:schemeClr val="accent1">
+              <a:shade val="50000"/>
+            </a:schemeClr>
+          </a:lnRef>
+          <a:fillRef idx="1">
+            <a:schemeClr val="accent1"/>
+          </a:fillRef>
+          <a:effectRef idx="0">
+            <a:schemeClr val="accent1"/>
+          </a:effectRef>
+          <a:fontRef idx="minor">
+            <a:schemeClr val="lt1"/>
+          </a:fontRef>
+        </p:style>
+        <p:txBody>
+          <a:bodyPr rtlCol="0" anchor="ctr"/>
+          <a:lstStyle/>
+          <a:p>
+            <a:pPr algn="ctr"/>
+            <a:endParaRPr lang="ko-KR" altLang="en-US"/>
+          </a:p>
+        </p:txBody>
+      </p:sp>
+      <p:grpSp>
+        <p:nvGrpSpPr>
+          <p:cNvPr id="30" name="그룹 29"/>
+          <p:cNvGrpSpPr/>
+          <p:nvPr/>
+        </p:nvGrpSpPr>
+        <p:grpSpPr>
+          <a:xfrm>
+            <a:off x="109258" y="3001479"/>
+            <a:ext cx="736740" cy="437190"/>
+            <a:chOff x="7683582" y="2781745"/>
+            <a:chExt cx="968747" cy="574866"/>
+          </a:xfrm>
+          <a:solidFill>
+            <a:schemeClr val="tx1">
+              <a:lumMod val="50000"/>
+              <a:lumOff val="50000"/>
+            </a:schemeClr>
+          </a:solidFill>
+        </p:grpSpPr>
+        <p:sp>
+          <p:nvSpPr>
+            <p:cNvPr id="31" name="TextBox 30"/>
+            <p:cNvSpPr txBox="1"/>
+            <p:nvPr/>
+          </p:nvSpPr>
+          <p:spPr>
+            <a:xfrm>
+              <a:off x="7726023" y="2781745"/>
+              <a:ext cx="926306" cy="552121"/>
+            </a:xfrm>
+            <a:custGeom>
+              <a:avLst/>
+              <a:gdLst/>
+              <a:ahLst/>
+              <a:cxnLst/>
+              <a:rect l="l" t="t" r="r" b="b"/>
+              <a:pathLst>
+                <a:path w="926306" h="552121">
+                  <a:moveTo>
+                    <a:pt x="722263" y="0"/>
+                  </a:moveTo>
+                  <a:cubicBezTo>
+                    <a:pt x="785068" y="0"/>
+                    <a:pt x="834777" y="17413"/>
+                    <a:pt x="871389" y="52239"/>
+                  </a:cubicBezTo>
+                  <a:cubicBezTo>
+                    <a:pt x="908000" y="87065"/>
+                    <a:pt x="926306" y="130225"/>
+                    <a:pt x="926306" y="181719"/>
+                  </a:cubicBezTo>
+                  <a:cubicBezTo>
+                    <a:pt x="926306" y="207913"/>
+                    <a:pt x="920948" y="233660"/>
+                    <a:pt x="910233" y="258961"/>
+                  </a:cubicBezTo>
+                  <a:cubicBezTo>
+                    <a:pt x="899517" y="284262"/>
+                    <a:pt x="881732" y="310902"/>
+                    <a:pt x="856878" y="338882"/>
+                  </a:cubicBezTo>
+                  <a:cubicBezTo>
+                    <a:pt x="844451" y="352872"/>
+                    <a:pt x="827912" y="369466"/>
+                    <a:pt x="807262" y="388665"/>
+                  </a:cubicBezTo>
+                  <a:lnTo>
+                    <a:pt x="754453" y="435165"/>
+                  </a:lnTo>
+                  <a:lnTo>
+                    <a:pt x="617124" y="457522"/>
+                  </a:lnTo>
+                  <a:lnTo>
+                    <a:pt x="661987" y="415231"/>
+                  </a:lnTo>
+                  <a:cubicBezTo>
+                    <a:pt x="733127" y="356890"/>
+                    <a:pt x="781199" y="310679"/>
+                    <a:pt x="806202" y="276597"/>
+                  </a:cubicBezTo>
+                  <a:cubicBezTo>
+                    <a:pt x="831205" y="242516"/>
+                    <a:pt x="843707" y="210294"/>
+                    <a:pt x="843707" y="179933"/>
+                  </a:cubicBezTo>
+                  <a:cubicBezTo>
+                    <a:pt x="843707" y="148084"/>
+                    <a:pt x="832321" y="121221"/>
+                    <a:pt x="809550" y="99343"/>
+                  </a:cubicBezTo>
+                  <a:cubicBezTo>
+                    <a:pt x="786780" y="77465"/>
+                    <a:pt x="757089" y="66526"/>
+                    <a:pt x="720477" y="66526"/>
+                  </a:cubicBezTo>
+                  <a:cubicBezTo>
+                    <a:pt x="681782" y="66526"/>
+                    <a:pt x="650825" y="78135"/>
+                    <a:pt x="627608" y="101352"/>
+                  </a:cubicBezTo>
+                  <a:cubicBezTo>
+                    <a:pt x="604391" y="124569"/>
+                    <a:pt x="592633" y="156716"/>
+                    <a:pt x="592336" y="197793"/>
+                  </a:cubicBezTo>
+                  <a:lnTo>
+                    <a:pt x="509736" y="189310"/>
+                  </a:lnTo>
+                  <a:cubicBezTo>
+                    <a:pt x="515392" y="127695"/>
+                    <a:pt x="536674" y="80739"/>
+                    <a:pt x="573583" y="48444"/>
+                  </a:cubicBezTo>
+                  <a:cubicBezTo>
+                    <a:pt x="610493" y="16148"/>
+                    <a:pt x="660053" y="0"/>
+                    <a:pt x="722263" y="0"/>
+                  </a:cubicBezTo>
+                  <a:close/>
+                  <a:moveTo>
+                    <a:pt x="213419" y="0"/>
+                  </a:moveTo>
+                  <a:cubicBezTo>
+                    <a:pt x="248543" y="0"/>
+                    <a:pt x="279350" y="7069"/>
+                    <a:pt x="305842" y="21208"/>
+                  </a:cubicBezTo>
+                  <a:cubicBezTo>
+                    <a:pt x="332333" y="35347"/>
+                    <a:pt x="354211" y="55736"/>
+                    <a:pt x="371475" y="82377"/>
+                  </a:cubicBezTo>
+                  <a:cubicBezTo>
+                    <a:pt x="388739" y="109017"/>
+                    <a:pt x="402282" y="141461"/>
+                    <a:pt x="412105" y="179710"/>
+                  </a:cubicBezTo>
+                  <a:cubicBezTo>
+                    <a:pt x="421928" y="217959"/>
+                    <a:pt x="426839" y="269528"/>
+                    <a:pt x="426839" y="334417"/>
+                  </a:cubicBezTo>
+                  <a:cubicBezTo>
+                    <a:pt x="426839" y="372815"/>
+                    <a:pt x="424867" y="407510"/>
+                    <a:pt x="420923" y="438504"/>
+                  </a:cubicBezTo>
+                  <a:lnTo>
+                    <a:pt x="409473" y="491327"/>
+                  </a:lnTo>
+                  <a:lnTo>
+                    <a:pt x="325598" y="504981"/>
+                  </a:lnTo>
+                  <a:lnTo>
+                    <a:pt x="334807" y="468362"/>
+                  </a:lnTo>
+                  <a:cubicBezTo>
+                    <a:pt x="341095" y="432643"/>
+                    <a:pt x="344239" y="387995"/>
+                    <a:pt x="344239" y="334417"/>
+                  </a:cubicBezTo>
+                  <a:cubicBezTo>
+                    <a:pt x="344239" y="226665"/>
+                    <a:pt x="331663" y="155079"/>
+                    <a:pt x="306511" y="119658"/>
+                  </a:cubicBezTo>
+                  <a:cubicBezTo>
+                    <a:pt x="281359" y="84237"/>
+                    <a:pt x="250031" y="66526"/>
+                    <a:pt x="212526" y="66526"/>
+                  </a:cubicBezTo>
+                  <a:cubicBezTo>
+                    <a:pt x="175617" y="66526"/>
+                    <a:pt x="146149" y="82153"/>
+                    <a:pt x="124123" y="113407"/>
+                  </a:cubicBezTo>
+                  <a:cubicBezTo>
+                    <a:pt x="96441" y="153293"/>
+                    <a:pt x="82600" y="226963"/>
+                    <a:pt x="82600" y="334417"/>
+                  </a:cubicBezTo>
+                  <a:cubicBezTo>
+                    <a:pt x="82600" y="415007"/>
+                    <a:pt x="89674" y="475380"/>
+                    <a:pt x="103822" y="515536"/>
+                  </a:cubicBezTo>
+                  <a:lnTo>
+                    <a:pt x="115502" y="539184"/>
+                  </a:lnTo>
+                  <a:lnTo>
+                    <a:pt x="36036" y="552121"/>
+                  </a:lnTo>
+                  <a:lnTo>
+                    <a:pt x="16185" y="493142"/>
+                  </a:lnTo>
+                  <a:cubicBezTo>
+                    <a:pt x="5395" y="448791"/>
+                    <a:pt x="0" y="395883"/>
+                    <a:pt x="0" y="334417"/>
+                  </a:cubicBezTo>
+                  <a:cubicBezTo>
+                    <a:pt x="0" y="257026"/>
+                    <a:pt x="7962" y="194742"/>
+                    <a:pt x="23887" y="147563"/>
+                  </a:cubicBezTo>
+                  <a:cubicBezTo>
+                    <a:pt x="39811" y="100385"/>
+                    <a:pt x="63475" y="63996"/>
+                    <a:pt x="94878" y="38398"/>
+                  </a:cubicBezTo>
+                  <a:cubicBezTo>
+                    <a:pt x="126281" y="12799"/>
+                    <a:pt x="165794" y="0"/>
+                    <a:pt x="213419" y="0"/>
+                  </a:cubicBezTo>
+                  <a:close/>
+                </a:path>
+              </a:pathLst>
+            </a:custGeom>
+            <a:grpFill/>
+            <a:ln>
+              <a:noFill/>
+            </a:ln>
+            <a:effectLst/>
+          </p:spPr>
+          <p:txBody>
+            <a:bodyPr rot="0" spcFirstLastPara="0" vertOverflow="overflow" horzOverflow="overflow" vert="horz" wrap="square" lIns="91440" tIns="45720" rIns="91440" bIns="45720" numCol="1" spcCol="0" rtlCol="0" fromWordArt="0" anchor="t" anchorCtr="0" forceAA="0" compatLnSpc="1">
+              <a:prstTxWarp prst="textNoShape">
+                <a:avLst/>
+              </a:prstTxWarp>
+              <a:noAutofit/>
+            </a:bodyPr>
+            <a:lstStyle/>
+            <a:p>
+              <a:pPr algn="ctr"/>
+              <a:endParaRPr lang="ko-KR" altLang="en-US" sz="7200" dirty="0">
+                <a:solidFill>
+                  <a:schemeClr val="tx1">
+                    <a:lumMod val="50000"/>
+                    <a:lumOff val="50000"/>
+                  </a:schemeClr>
+                </a:solidFill>
+                <a:latin typeface="Arial" panose="020B0604020202020204" pitchFamily="34" charset="0"/>
+                <a:ea typeface="G마켓 산스 TTF Medium" panose="02000000000000000000" pitchFamily="2" charset="-127"/>
+                <a:cs typeface="Arial" panose="020B0604020202020204" pitchFamily="34" charset="0"/>
+              </a:endParaRPr>
+            </a:p>
+          </p:txBody>
+        </p:sp>
+        <p:cxnSp>
+          <p:nvCxnSpPr>
+            <p:cNvPr id="32" name="직선 연결선 31"/>
+            <p:cNvCxnSpPr/>
+            <p:nvPr/>
+          </p:nvCxnSpPr>
+          <p:spPr>
+            <a:xfrm flipV="1">
+              <a:off x="7683582" y="3208972"/>
+              <a:ext cx="897731" cy="147639"/>
+            </a:xfrm>
+            <a:prstGeom prst="line">
+              <a:avLst/>
+            </a:prstGeom>
+            <a:grpFill/>
+            <a:ln w="19050">
+              <a:solidFill>
+                <a:srgbClr val="323232"/>
+              </a:solidFill>
+            </a:ln>
+          </p:spPr>
+          <p:style>
+            <a:lnRef idx="1">
+              <a:schemeClr val="accent1"/>
+            </a:lnRef>
+            <a:fillRef idx="0">
+              <a:schemeClr val="accent1"/>
+            </a:fillRef>
+            <a:effectRef idx="0">
+              <a:schemeClr val="accent1"/>
+            </a:effectRef>
+            <a:fontRef idx="minor">
+              <a:schemeClr val="tx1"/>
+            </a:fontRef>
+          </p:style>
+        </p:cxnSp>
+      </p:grpSp>
+      <p:sp>
+        <p:nvSpPr>
+          <p:cNvPr id="2" name="TextBox 1">
+            <a:extLst>
+              <a:ext uri="{FF2B5EF4-FFF2-40B4-BE49-F238E27FC236}">
+                <a16:creationId xmlns:a16="http://schemas.microsoft.com/office/drawing/2014/main" id="{79E89B21-222F-47AF-AB18-E5420955595E}"/>
+              </a:ext>
+            </a:extLst>
+          </p:cNvPr>
+          <p:cNvSpPr txBox="1"/>
+          <p:nvPr/>
+        </p:nvSpPr>
+        <p:spPr>
+          <a:xfrm>
+            <a:off x="3647816" y="2167462"/>
+            <a:ext cx="5984630" cy="646331"/>
+          </a:xfrm>
+          <a:prstGeom prst="rect">
+            <a:avLst/>
+          </a:prstGeom>
+          <a:noFill/>
+        </p:spPr>
+        <p:txBody>
+          <a:bodyPr wrap="square" rtlCol="0">
+            <a:spAutoFit/>
+          </a:bodyPr>
+          <a:lstStyle/>
+          <a:p>
+            <a:pPr algn="ctr"/>
+            <a:r>
+              <a:rPr lang="ko-KR" altLang="en-US" dirty="0">
+                <a:latin typeface="G마켓 산스 TTF Medium" panose="02000000000000000000" pitchFamily="2" charset="-127"/>
+                <a:ea typeface="G마켓 산스 TTF Medium" panose="02000000000000000000" pitchFamily="2" charset="-127"/>
+              </a:rPr>
+              <a:t>또한 </a:t>
+            </a:r>
+            <a:r>
+              <a:rPr lang="en-US" altLang="ko-KR" b="1" dirty="0">
+                <a:latin typeface="G마켓 산스 TTF Medium" panose="02000000000000000000" pitchFamily="2" charset="-127"/>
+                <a:ea typeface="G마켓 산스 TTF Medium" panose="02000000000000000000" pitchFamily="2" charset="-127"/>
+              </a:rPr>
+              <a:t>Garbage Collection</a:t>
+            </a:r>
+            <a:r>
+              <a:rPr lang="ko-KR" altLang="en-US" dirty="0">
+                <a:latin typeface="G마켓 산스 TTF Medium" panose="02000000000000000000" pitchFamily="2" charset="-127"/>
+                <a:ea typeface="G마켓 산스 TTF Medium" panose="02000000000000000000" pitchFamily="2" charset="-127"/>
+              </a:rPr>
+              <a:t>을 최적화하기 위해서</a:t>
+            </a:r>
+            <a:endParaRPr lang="en-US" altLang="ko-KR" dirty="0">
+              <a:latin typeface="G마켓 산스 TTF Medium" panose="02000000000000000000" pitchFamily="2" charset="-127"/>
+              <a:ea typeface="G마켓 산스 TTF Medium" panose="02000000000000000000" pitchFamily="2" charset="-127"/>
+            </a:endParaRPr>
+          </a:p>
+          <a:p>
+            <a:pPr algn="ctr"/>
+            <a:r>
+              <a:rPr lang="ko-KR" altLang="en-US" dirty="0">
+                <a:latin typeface="G마켓 산스 TTF Medium" panose="02000000000000000000" pitchFamily="2" charset="-127"/>
+                <a:ea typeface="G마켓 산스 TTF Medium" panose="02000000000000000000" pitchFamily="2" charset="-127"/>
+              </a:rPr>
+              <a:t>잦은 참조 형식의 인스턴스 생성을 최대한 지양하고</a:t>
+            </a:r>
+          </a:p>
+        </p:txBody>
+      </p:sp>
+      <p:cxnSp>
+        <p:nvCxnSpPr>
+          <p:cNvPr id="7" name="직선 연결선 6">
+            <a:extLst>
+              <a:ext uri="{FF2B5EF4-FFF2-40B4-BE49-F238E27FC236}">
+                <a16:creationId xmlns:a16="http://schemas.microsoft.com/office/drawing/2014/main" id="{9109C828-CB43-4D5D-A4F3-A3D9C0E3059D}"/>
+              </a:ext>
+            </a:extLst>
+          </p:cNvPr>
+          <p:cNvCxnSpPr>
+            <a:cxnSpLocks/>
+          </p:cNvCxnSpPr>
+          <p:nvPr/>
+        </p:nvCxnSpPr>
+        <p:spPr>
+          <a:xfrm>
+            <a:off x="3647816" y="2813793"/>
+            <a:ext cx="5984630" cy="0"/>
+          </a:xfrm>
+          <a:prstGeom prst="line">
+            <a:avLst/>
+          </a:prstGeom>
+          <a:ln w="28575">
+            <a:solidFill>
+              <a:srgbClr val="323232"/>
+            </a:solidFill>
+          </a:ln>
+        </p:spPr>
+        <p:style>
+          <a:lnRef idx="1">
+            <a:schemeClr val="accent1"/>
+          </a:lnRef>
+          <a:fillRef idx="0">
+            <a:schemeClr val="accent1"/>
+          </a:fillRef>
+          <a:effectRef idx="0">
+            <a:schemeClr val="accent1"/>
+          </a:effectRef>
+          <a:fontRef idx="minor">
+            <a:schemeClr val="tx1"/>
+          </a:fontRef>
+        </p:style>
+      </p:cxnSp>
+      <p:sp>
+        <p:nvSpPr>
+          <p:cNvPr id="24" name="TextBox 23">
+            <a:extLst>
+              <a:ext uri="{FF2B5EF4-FFF2-40B4-BE49-F238E27FC236}">
+                <a16:creationId xmlns:a16="http://schemas.microsoft.com/office/drawing/2014/main" id="{0319595A-0324-442F-A7A5-16973F2373C4}"/>
+              </a:ext>
+            </a:extLst>
+          </p:cNvPr>
+          <p:cNvSpPr txBox="1"/>
+          <p:nvPr/>
+        </p:nvSpPr>
+        <p:spPr>
+          <a:xfrm>
+            <a:off x="2811554" y="3002133"/>
+            <a:ext cx="7657154" cy="646331"/>
+          </a:xfrm>
+          <a:prstGeom prst="rect">
+            <a:avLst/>
+          </a:prstGeom>
+          <a:noFill/>
+        </p:spPr>
+        <p:txBody>
+          <a:bodyPr wrap="square" rtlCol="0">
+            <a:spAutoFit/>
+          </a:bodyPr>
+          <a:lstStyle/>
+          <a:p>
+            <a:pPr algn="ctr"/>
+            <a:r>
+              <a:rPr lang="en-US" altLang="ko-KR" dirty="0">
+                <a:solidFill>
+                  <a:srgbClr val="7F7F7F"/>
+                </a:solidFill>
+                <a:latin typeface="G마켓 산스 TTF Medium" panose="02000000000000000000" pitchFamily="2" charset="-127"/>
+                <a:ea typeface="G마켓 산스 TTF Medium" panose="02000000000000000000" pitchFamily="2" charset="-127"/>
+              </a:rPr>
+              <a:t>Ex) </a:t>
+            </a:r>
+            <a:r>
+              <a:rPr lang="ko-KR" altLang="en-US" dirty="0">
+                <a:solidFill>
+                  <a:srgbClr val="7F7F7F"/>
+                </a:solidFill>
+                <a:latin typeface="G마켓 산스 TTF Medium" panose="02000000000000000000" pitchFamily="2" charset="-127"/>
+                <a:ea typeface="G마켓 산스 TTF Medium" panose="02000000000000000000" pitchFamily="2" charset="-127"/>
+              </a:rPr>
+              <a:t>필요 최소한으로 참조 형식의 인스턴스를 사용하였으며 필수불가결한 경우에 한하여 적은 빈도로 지역변수로 인스턴스화 하여 사용함 </a:t>
+            </a:r>
+          </a:p>
+        </p:txBody>
+      </p:sp>
+      <p:grpSp>
+        <p:nvGrpSpPr>
+          <p:cNvPr id="10" name="그룹 9">
+            <a:extLst>
+              <a:ext uri="{FF2B5EF4-FFF2-40B4-BE49-F238E27FC236}">
+                <a16:creationId xmlns:a16="http://schemas.microsoft.com/office/drawing/2014/main" id="{21C1DEEB-5699-4355-B057-B0CC577A8A87}"/>
+              </a:ext>
+            </a:extLst>
+          </p:cNvPr>
+          <p:cNvGrpSpPr/>
+          <p:nvPr/>
+        </p:nvGrpSpPr>
+        <p:grpSpPr>
+          <a:xfrm>
+            <a:off x="2471585" y="4291354"/>
+            <a:ext cx="8337092" cy="1477068"/>
+            <a:chOff x="1927454" y="3644369"/>
+            <a:chExt cx="8337092" cy="1477068"/>
+          </a:xfrm>
+        </p:grpSpPr>
+        <p:sp>
+          <p:nvSpPr>
+            <p:cNvPr id="19" name="TextBox 18">
+              <a:extLst>
+                <a:ext uri="{FF2B5EF4-FFF2-40B4-BE49-F238E27FC236}">
+                  <a16:creationId xmlns:a16="http://schemas.microsoft.com/office/drawing/2014/main" id="{611A61FD-0CEB-4C77-B984-9D5C5B7694D7}"/>
+                </a:ext>
+              </a:extLst>
+            </p:cNvPr>
+            <p:cNvSpPr txBox="1"/>
+            <p:nvPr/>
+          </p:nvSpPr>
+          <p:spPr>
+            <a:xfrm>
+              <a:off x="3103685" y="3644369"/>
+              <a:ext cx="5984630" cy="646331"/>
+            </a:xfrm>
+            <a:prstGeom prst="rect">
+              <a:avLst/>
+            </a:prstGeom>
+            <a:noFill/>
+          </p:spPr>
+          <p:txBody>
+            <a:bodyPr wrap="square" rtlCol="0">
+              <a:spAutoFit/>
+            </a:bodyPr>
+            <a:lstStyle/>
+            <a:p>
+              <a:pPr algn="ctr"/>
+              <a:r>
+                <a:rPr lang="en-US" altLang="ko-KR" dirty="0">
+                  <a:latin typeface="G마켓 산스 TTF Medium" panose="02000000000000000000" pitchFamily="2" charset="-127"/>
+                  <a:ea typeface="G마켓 산스 TTF Medium" panose="02000000000000000000" pitchFamily="2" charset="-127"/>
+                </a:rPr>
+                <a:t>CPU</a:t>
+              </a:r>
+              <a:r>
+                <a:rPr lang="ko-KR" altLang="en-US" dirty="0">
+                  <a:latin typeface="G마켓 산스 TTF Medium" panose="02000000000000000000" pitchFamily="2" charset="-127"/>
+                  <a:ea typeface="G마켓 산스 TTF Medium" panose="02000000000000000000" pitchFamily="2" charset="-127"/>
+                </a:rPr>
+                <a:t>와 </a:t>
+              </a:r>
+              <a:r>
+                <a:rPr lang="en-US" altLang="ko-KR" dirty="0">
+                  <a:latin typeface="G마켓 산스 TTF Medium" panose="02000000000000000000" pitchFamily="2" charset="-127"/>
+                  <a:ea typeface="G마켓 산스 TTF Medium" panose="02000000000000000000" pitchFamily="2" charset="-127"/>
+                </a:rPr>
+                <a:t>Memory </a:t>
+              </a:r>
+              <a:r>
+                <a:rPr lang="ko-KR" altLang="en-US" dirty="0">
+                  <a:latin typeface="G마켓 산스 TTF Medium" panose="02000000000000000000" pitchFamily="2" charset="-127"/>
+                  <a:ea typeface="G마켓 산스 TTF Medium" panose="02000000000000000000" pitchFamily="2" charset="-127"/>
+                </a:rPr>
+                <a:t>등의 </a:t>
+              </a:r>
+              <a:r>
+                <a:rPr lang="ko-KR" altLang="en-US" b="1" dirty="0">
+                  <a:latin typeface="G마켓 산스 TTF Medium" panose="02000000000000000000" pitchFamily="2" charset="-127"/>
+                  <a:ea typeface="G마켓 산스 TTF Medium" panose="02000000000000000000" pitchFamily="2" charset="-127"/>
+                </a:rPr>
+                <a:t>자원 소모 </a:t>
+              </a:r>
+              <a:r>
+                <a:rPr lang="ko-KR" altLang="en-US" dirty="0">
+                  <a:latin typeface="G마켓 산스 TTF Medium" panose="02000000000000000000" pitchFamily="2" charset="-127"/>
+                  <a:ea typeface="G마켓 산스 TTF Medium" panose="02000000000000000000" pitchFamily="2" charset="-127"/>
+                </a:rPr>
+                <a:t>및</a:t>
+              </a:r>
+              <a:endParaRPr lang="en-US" altLang="ko-KR" dirty="0">
+                <a:latin typeface="G마켓 산스 TTF Medium" panose="02000000000000000000" pitchFamily="2" charset="-127"/>
+                <a:ea typeface="G마켓 산스 TTF Medium" panose="02000000000000000000" pitchFamily="2" charset="-127"/>
+              </a:endParaRPr>
+            </a:p>
+            <a:p>
+              <a:pPr algn="ctr"/>
+              <a:r>
+                <a:rPr lang="ko-KR" altLang="en-US" b="1" dirty="0">
+                  <a:latin typeface="G마켓 산스 TTF Medium" panose="02000000000000000000" pitchFamily="2" charset="-127"/>
+                  <a:ea typeface="G마켓 산스 TTF Medium" panose="02000000000000000000" pitchFamily="2" charset="-127"/>
+                </a:rPr>
+                <a:t>부하 최적화</a:t>
+              </a:r>
+              <a:r>
+                <a:rPr lang="ko-KR" altLang="en-US" dirty="0">
+                  <a:latin typeface="G마켓 산스 TTF Medium" panose="02000000000000000000" pitchFamily="2" charset="-127"/>
+                  <a:ea typeface="G마켓 산스 TTF Medium" panose="02000000000000000000" pitchFamily="2" charset="-127"/>
+                </a:rPr>
+                <a:t>를 고려하여 코드를 구성하였습니다</a:t>
+              </a:r>
+              <a:r>
+                <a:rPr lang="en-US" altLang="ko-KR" dirty="0">
+                  <a:latin typeface="G마켓 산스 TTF Medium" panose="02000000000000000000" pitchFamily="2" charset="-127"/>
+                  <a:ea typeface="G마켓 산스 TTF Medium" panose="02000000000000000000" pitchFamily="2" charset="-127"/>
+                </a:rPr>
+                <a:t>.</a:t>
+              </a:r>
+              <a:endParaRPr lang="ko-KR" altLang="en-US" dirty="0">
+                <a:latin typeface="G마켓 산스 TTF Medium" panose="02000000000000000000" pitchFamily="2" charset="-127"/>
+                <a:ea typeface="G마켓 산스 TTF Medium" panose="02000000000000000000" pitchFamily="2" charset="-127"/>
+              </a:endParaRPr>
+            </a:p>
+          </p:txBody>
+        </p:sp>
+        <p:cxnSp>
+          <p:nvCxnSpPr>
+            <p:cNvPr id="27" name="직선 연결선 26">
+              <a:extLst>
+                <a:ext uri="{FF2B5EF4-FFF2-40B4-BE49-F238E27FC236}">
+                  <a16:creationId xmlns:a16="http://schemas.microsoft.com/office/drawing/2014/main" id="{F4960874-9F75-4BDC-89F3-7D05880B6776}"/>
+                </a:ext>
+              </a:extLst>
+            </p:cNvPr>
+            <p:cNvCxnSpPr>
+              <a:cxnSpLocks/>
+            </p:cNvCxnSpPr>
+            <p:nvPr/>
+          </p:nvCxnSpPr>
+          <p:spPr>
+            <a:xfrm>
+              <a:off x="3103685" y="4286766"/>
+              <a:ext cx="5984630" cy="0"/>
+            </a:xfrm>
+            <a:prstGeom prst="line">
+              <a:avLst/>
+            </a:prstGeom>
+            <a:ln w="28575">
+              <a:solidFill>
+                <a:srgbClr val="323232"/>
+              </a:solidFill>
+            </a:ln>
+          </p:spPr>
+          <p:style>
+            <a:lnRef idx="1">
+              <a:schemeClr val="accent1"/>
+            </a:lnRef>
+            <a:fillRef idx="0">
+              <a:schemeClr val="accent1"/>
+            </a:fillRef>
+            <a:effectRef idx="0">
+              <a:schemeClr val="accent1"/>
+            </a:effectRef>
+            <a:fontRef idx="minor">
+              <a:schemeClr val="tx1"/>
+            </a:fontRef>
+          </p:style>
+        </p:cxnSp>
+        <p:sp>
+          <p:nvSpPr>
+            <p:cNvPr id="28" name="TextBox 27">
+              <a:extLst>
+                <a:ext uri="{FF2B5EF4-FFF2-40B4-BE49-F238E27FC236}">
+                  <a16:creationId xmlns:a16="http://schemas.microsoft.com/office/drawing/2014/main" id="{0DD1F1BB-29DD-4F90-865F-D65F8A99A2FF}"/>
+                </a:ext>
+              </a:extLst>
+            </p:cNvPr>
+            <p:cNvSpPr txBox="1"/>
+            <p:nvPr/>
+          </p:nvSpPr>
+          <p:spPr>
+            <a:xfrm>
+              <a:off x="1927454" y="4475106"/>
+              <a:ext cx="8337092" cy="646331"/>
+            </a:xfrm>
+            <a:prstGeom prst="rect">
+              <a:avLst/>
+            </a:prstGeom>
+            <a:noFill/>
+          </p:spPr>
+          <p:txBody>
+            <a:bodyPr wrap="square" rtlCol="0">
+              <a:spAutoFit/>
+            </a:bodyPr>
+            <a:lstStyle/>
+            <a:p>
+              <a:pPr algn="ctr"/>
+              <a:r>
+                <a:rPr lang="en-US" altLang="ko-KR" dirty="0">
+                  <a:solidFill>
+                    <a:srgbClr val="7F7F7F"/>
+                  </a:solidFill>
+                  <a:latin typeface="G마켓 산스 TTF Medium" panose="02000000000000000000" pitchFamily="2" charset="-127"/>
+                  <a:ea typeface="G마켓 산스 TTF Medium" panose="02000000000000000000" pitchFamily="2" charset="-127"/>
+                </a:rPr>
+                <a:t>Ex) Find </a:t>
+              </a:r>
+              <a:r>
+                <a:rPr lang="ko-KR" altLang="en-US" dirty="0">
+                  <a:solidFill>
+                    <a:srgbClr val="7F7F7F"/>
+                  </a:solidFill>
+                  <a:latin typeface="G마켓 산스 TTF Medium" panose="02000000000000000000" pitchFamily="2" charset="-127"/>
+                  <a:ea typeface="G마켓 산스 TTF Medium" panose="02000000000000000000" pitchFamily="2" charset="-127"/>
+                </a:rPr>
+                <a:t>계열의 메소드 사용을 </a:t>
+              </a:r>
+              <a:r>
+                <a:rPr lang="en-US" altLang="ko-KR" dirty="0">
+                  <a:solidFill>
+                    <a:srgbClr val="7F7F7F"/>
+                  </a:solidFill>
+                  <a:latin typeface="G마켓 산스 TTF Medium" panose="02000000000000000000" pitchFamily="2" charset="-127"/>
+                  <a:ea typeface="G마켓 산스 TTF Medium" panose="02000000000000000000" pitchFamily="2" charset="-127"/>
+                </a:rPr>
+                <a:t>Update </a:t>
+              </a:r>
+              <a:r>
+                <a:rPr lang="ko-KR" altLang="en-US" dirty="0">
+                  <a:solidFill>
+                    <a:srgbClr val="7F7F7F"/>
+                  </a:solidFill>
+                  <a:latin typeface="G마켓 산스 TTF Medium" panose="02000000000000000000" pitchFamily="2" charset="-127"/>
+                  <a:ea typeface="G마켓 산스 TTF Medium" panose="02000000000000000000" pitchFamily="2" charset="-127"/>
+                </a:rPr>
+                <a:t>문에서 사용하는 것 대신</a:t>
+              </a:r>
+              <a:r>
+                <a:rPr lang="en-US" altLang="ko-KR" dirty="0">
+                  <a:solidFill>
+                    <a:srgbClr val="7F7F7F"/>
+                  </a:solidFill>
+                  <a:latin typeface="G마켓 산스 TTF Medium" panose="02000000000000000000" pitchFamily="2" charset="-127"/>
+                  <a:ea typeface="G마켓 산스 TTF Medium" panose="02000000000000000000" pitchFamily="2" charset="-127"/>
+                </a:rPr>
+                <a:t>,</a:t>
+              </a:r>
+            </a:p>
+            <a:p>
+              <a:pPr algn="ctr"/>
+              <a:r>
+                <a:rPr lang="en-US" altLang="ko-KR" dirty="0">
+                  <a:solidFill>
+                    <a:srgbClr val="7F7F7F"/>
+                  </a:solidFill>
+                  <a:latin typeface="G마켓 산스 TTF Medium" panose="02000000000000000000" pitchFamily="2" charset="-127"/>
+                  <a:ea typeface="G마켓 산스 TTF Medium" panose="02000000000000000000" pitchFamily="2" charset="-127"/>
+                </a:rPr>
+                <a:t>List&lt;&gt; </a:t>
+              </a:r>
+              <a:r>
+                <a:rPr lang="ko-KR" altLang="en-US" dirty="0">
+                  <a:solidFill>
+                    <a:srgbClr val="7F7F7F"/>
+                  </a:solidFill>
+                  <a:latin typeface="G마켓 산스 TTF Medium" panose="02000000000000000000" pitchFamily="2" charset="-127"/>
+                  <a:ea typeface="G마켓 산스 TTF Medium" panose="02000000000000000000" pitchFamily="2" charset="-127"/>
+                </a:rPr>
+                <a:t>형식과 </a:t>
+              </a:r>
+              <a:r>
+                <a:rPr lang="en-US" altLang="ko-KR" dirty="0">
+                  <a:solidFill>
+                    <a:srgbClr val="7F7F7F"/>
+                  </a:solidFill>
+                  <a:latin typeface="G마켓 산스 TTF Medium" panose="02000000000000000000" pitchFamily="2" charset="-127"/>
+                  <a:ea typeface="G마켓 산스 TTF Medium" panose="02000000000000000000" pitchFamily="2" charset="-127"/>
+                </a:rPr>
+                <a:t>Awake</a:t>
+              </a:r>
+              <a:r>
+                <a:rPr lang="ko-KR" altLang="en-US" dirty="0">
+                  <a:solidFill>
+                    <a:srgbClr val="7F7F7F"/>
+                  </a:solidFill>
+                  <a:latin typeface="G마켓 산스 TTF Medium" panose="02000000000000000000" pitchFamily="2" charset="-127"/>
+                  <a:ea typeface="G마켓 산스 TTF Medium" panose="02000000000000000000" pitchFamily="2" charset="-127"/>
+                </a:rPr>
+                <a:t>에서 </a:t>
+              </a:r>
+              <a:r>
+                <a:rPr lang="en-US" altLang="ko-KR" dirty="0">
+                  <a:solidFill>
+                    <a:srgbClr val="7F7F7F"/>
+                  </a:solidFill>
+                  <a:latin typeface="G마켓 산스 TTF Medium" panose="02000000000000000000" pitchFamily="2" charset="-127"/>
+                  <a:ea typeface="G마켓 산스 TTF Medium" panose="02000000000000000000" pitchFamily="2" charset="-127"/>
+                </a:rPr>
+                <a:t>Add </a:t>
+              </a:r>
+              <a:r>
+                <a:rPr lang="ko-KR" altLang="en-US" dirty="0">
+                  <a:solidFill>
+                    <a:srgbClr val="7F7F7F"/>
+                  </a:solidFill>
+                  <a:latin typeface="G마켓 산스 TTF Medium" panose="02000000000000000000" pitchFamily="2" charset="-127"/>
+                  <a:ea typeface="G마켓 산스 TTF Medium" panose="02000000000000000000" pitchFamily="2" charset="-127"/>
+                </a:rPr>
+                <a:t>메소드를 통하여 동적 요소 관리</a:t>
+              </a:r>
+            </a:p>
+          </p:txBody>
+        </p:sp>
+      </p:grpSp>
+    </p:spTree>
+    <p:extLst>
+      <p:ext uri="{BB962C8B-B14F-4D97-AF65-F5344CB8AC3E}">
+        <p14:creationId xmlns:p14="http://schemas.microsoft.com/office/powerpoint/2010/main" val="5065992"/>
+      </p:ext>
+    </p:extLst>
+  </p:cSld>
+  <p:clrMapOvr>
+    <a:masterClrMapping/>
+  </p:clrMapOvr>
+</p:sld>
+</file>
+
+<file path=ppt/slides/slide7.xml><?xml version="1.0" encoding="utf-8"?>
+<p:sld xmlns:a="http://schemas.openxmlformats.org/drawingml/2006/main" xmlns:r="http://schemas.openxmlformats.org/officeDocument/2006/relationships" xmlns:p="http://schemas.openxmlformats.org/presentationml/2006/main">
+  <p:cSld>
+    <p:spTree>
+      <p:nvGrpSpPr>
+        <p:cNvPr id="1" name=""/>
+        <p:cNvGrpSpPr/>
+        <p:nvPr/>
+      </p:nvGrpSpPr>
+      <p:grpSpPr>
+        <a:xfrm>
+          <a:off x="0" y="0"/>
+          <a:ext cx="0" cy="0"/>
+          <a:chOff x="0" y="0"/>
+          <a:chExt cx="0" cy="0"/>
+        </a:xfrm>
+      </p:grpSpPr>
+      <p:sp>
+        <p:nvSpPr>
+          <p:cNvPr id="3" name="직사각형 2"/>
+          <p:cNvSpPr/>
+          <p:nvPr/>
+        </p:nvSpPr>
+        <p:spPr>
+          <a:xfrm>
+            <a:off x="955254" y="0"/>
+            <a:ext cx="133004" cy="6857999"/>
+          </a:xfrm>
+          <a:prstGeom prst="rect">
+            <a:avLst/>
+          </a:prstGeom>
+          <a:solidFill>
+            <a:srgbClr val="323232"/>
+          </a:solidFill>
+          <a:ln>
+            <a:noFill/>
+          </a:ln>
+        </p:spPr>
+        <p:style>
+          <a:lnRef idx="2">
+            <a:schemeClr val="accent1">
+              <a:shade val="50000"/>
+            </a:schemeClr>
+          </a:lnRef>
+          <a:fillRef idx="1">
+            <a:schemeClr val="accent1"/>
+          </a:fillRef>
+          <a:effectRef idx="0">
+            <a:schemeClr val="accent1"/>
+          </a:effectRef>
+          <a:fontRef idx="minor">
+            <a:schemeClr val="lt1"/>
+          </a:fontRef>
+        </p:style>
+        <p:txBody>
+          <a:bodyPr rtlCol="0" anchor="ctr"/>
+          <a:lstStyle/>
+          <a:p>
+            <a:pPr algn="ctr"/>
+            <a:endParaRPr lang="ko-KR" altLang="en-US"/>
+          </a:p>
+        </p:txBody>
+      </p:sp>
+      <p:sp>
+        <p:nvSpPr>
+          <p:cNvPr id="25" name="직사각형 24"/>
+          <p:cNvSpPr/>
+          <p:nvPr/>
+        </p:nvSpPr>
+        <p:spPr>
+          <a:xfrm rot="16200000">
+            <a:off x="6029500" y="-5084617"/>
+            <a:ext cx="133004" cy="12192001"/>
+          </a:xfrm>
+          <a:prstGeom prst="rect">
+            <a:avLst/>
+          </a:prstGeom>
+          <a:solidFill>
+            <a:srgbClr val="323232"/>
+          </a:solidFill>
+          <a:ln>
+            <a:noFill/>
+          </a:ln>
+        </p:spPr>
+        <p:style>
+          <a:lnRef idx="2">
+            <a:schemeClr val="accent1">
+              <a:shade val="50000"/>
+            </a:schemeClr>
+          </a:lnRef>
+          <a:fillRef idx="1">
+            <a:schemeClr val="accent1"/>
+          </a:fillRef>
+          <a:effectRef idx="0">
+            <a:schemeClr val="accent1"/>
+          </a:effectRef>
+          <a:fontRef idx="minor">
+            <a:schemeClr val="lt1"/>
+          </a:fontRef>
+        </p:style>
+        <p:txBody>
+          <a:bodyPr rtlCol="0" anchor="ctr"/>
+          <a:lstStyle/>
+          <a:p>
+            <a:pPr algn="ctr"/>
+            <a:endParaRPr lang="ko-KR" altLang="en-US"/>
+          </a:p>
+        </p:txBody>
+      </p:sp>
+      <p:grpSp>
+        <p:nvGrpSpPr>
+          <p:cNvPr id="34" name="그룹 33"/>
+          <p:cNvGrpSpPr/>
+          <p:nvPr/>
+        </p:nvGrpSpPr>
+        <p:grpSpPr>
+          <a:xfrm>
+            <a:off x="136262" y="1520477"/>
+            <a:ext cx="682732" cy="433956"/>
+            <a:chOff x="3540919" y="2781749"/>
+            <a:chExt cx="897731" cy="570617"/>
+          </a:xfrm>
+        </p:grpSpPr>
+        <p:sp>
+          <p:nvSpPr>
+            <p:cNvPr id="35" name="TextBox 34"/>
+            <p:cNvSpPr txBox="1"/>
+            <p:nvPr/>
+          </p:nvSpPr>
+          <p:spPr>
+            <a:xfrm>
+              <a:off x="3574382" y="2781749"/>
+              <a:ext cx="807541" cy="552122"/>
+            </a:xfrm>
+            <a:custGeom>
+              <a:avLst/>
+              <a:gdLst/>
+              <a:ahLst/>
+              <a:cxnLst/>
+              <a:rect l="l" t="t" r="r" b="b"/>
+              <a:pathLst>
+                <a:path w="807541" h="552121">
+                  <a:moveTo>
+                    <a:pt x="755749" y="0"/>
+                  </a:moveTo>
+                  <a:lnTo>
+                    <a:pt x="807541" y="0"/>
+                  </a:lnTo>
+                  <a:lnTo>
+                    <a:pt x="807541" y="426522"/>
+                  </a:lnTo>
+                  <a:lnTo>
+                    <a:pt x="727174" y="439606"/>
+                  </a:lnTo>
+                  <a:lnTo>
+                    <a:pt x="727174" y="145108"/>
+                  </a:lnTo>
+                  <a:cubicBezTo>
+                    <a:pt x="707826" y="163562"/>
+                    <a:pt x="682451" y="182017"/>
+                    <a:pt x="651049" y="200472"/>
+                  </a:cubicBezTo>
+                  <a:cubicBezTo>
+                    <a:pt x="619646" y="218926"/>
+                    <a:pt x="591443" y="232767"/>
+                    <a:pt x="566440" y="241995"/>
+                  </a:cubicBezTo>
+                  <a:lnTo>
+                    <a:pt x="566440" y="164306"/>
+                  </a:lnTo>
+                  <a:cubicBezTo>
+                    <a:pt x="611386" y="143173"/>
+                    <a:pt x="650676" y="117574"/>
+                    <a:pt x="684312" y="87511"/>
+                  </a:cubicBezTo>
+                  <a:cubicBezTo>
+                    <a:pt x="717947" y="57448"/>
+                    <a:pt x="741759" y="28277"/>
+                    <a:pt x="755749" y="0"/>
+                  </a:cubicBezTo>
+                  <a:close/>
+                  <a:moveTo>
+                    <a:pt x="213419" y="0"/>
+                  </a:moveTo>
+                  <a:cubicBezTo>
+                    <a:pt x="248543" y="0"/>
+                    <a:pt x="279350" y="7069"/>
+                    <a:pt x="305842" y="21208"/>
+                  </a:cubicBezTo>
+                  <a:cubicBezTo>
+                    <a:pt x="332333" y="35347"/>
+                    <a:pt x="354211" y="55736"/>
+                    <a:pt x="371475" y="82377"/>
+                  </a:cubicBezTo>
+                  <a:cubicBezTo>
+                    <a:pt x="388739" y="109017"/>
+                    <a:pt x="402282" y="141461"/>
+                    <a:pt x="412105" y="179710"/>
+                  </a:cubicBezTo>
+                  <a:cubicBezTo>
+                    <a:pt x="421928" y="217959"/>
+                    <a:pt x="426839" y="269528"/>
+                    <a:pt x="426839" y="334417"/>
+                  </a:cubicBezTo>
+                  <a:cubicBezTo>
+                    <a:pt x="426839" y="372815"/>
+                    <a:pt x="424867" y="407510"/>
+                    <a:pt x="420923" y="438504"/>
+                  </a:cubicBezTo>
+                  <a:lnTo>
+                    <a:pt x="409473" y="491327"/>
+                  </a:lnTo>
+                  <a:lnTo>
+                    <a:pt x="325598" y="504981"/>
+                  </a:lnTo>
+                  <a:lnTo>
+                    <a:pt x="334807" y="468362"/>
+                  </a:lnTo>
+                  <a:cubicBezTo>
+                    <a:pt x="341095" y="432643"/>
+                    <a:pt x="344239" y="387995"/>
+                    <a:pt x="344239" y="334417"/>
+                  </a:cubicBezTo>
+                  <a:cubicBezTo>
+                    <a:pt x="344239" y="226665"/>
+                    <a:pt x="331663" y="155079"/>
+                    <a:pt x="306511" y="119658"/>
+                  </a:cubicBezTo>
+                  <a:cubicBezTo>
+                    <a:pt x="281359" y="84237"/>
+                    <a:pt x="250031" y="66526"/>
+                    <a:pt x="212526" y="66526"/>
+                  </a:cubicBezTo>
+                  <a:cubicBezTo>
+                    <a:pt x="175617" y="66526"/>
+                    <a:pt x="146149" y="82153"/>
+                    <a:pt x="124122" y="113407"/>
+                  </a:cubicBezTo>
+                  <a:cubicBezTo>
+                    <a:pt x="96440" y="153293"/>
+                    <a:pt x="82599" y="226963"/>
+                    <a:pt x="82599" y="334417"/>
+                  </a:cubicBezTo>
+                  <a:cubicBezTo>
+                    <a:pt x="82599" y="415007"/>
+                    <a:pt x="89673" y="475380"/>
+                    <a:pt x="103821" y="515536"/>
+                  </a:cubicBezTo>
+                  <a:lnTo>
+                    <a:pt x="115502" y="539184"/>
+                  </a:lnTo>
+                  <a:lnTo>
+                    <a:pt x="36036" y="552121"/>
+                  </a:lnTo>
+                  <a:lnTo>
+                    <a:pt x="16185" y="493142"/>
+                  </a:lnTo>
+                  <a:cubicBezTo>
+                    <a:pt x="5395" y="448791"/>
+                    <a:pt x="0" y="395883"/>
+                    <a:pt x="0" y="334417"/>
+                  </a:cubicBezTo>
+                  <a:cubicBezTo>
+                    <a:pt x="0" y="257026"/>
+                    <a:pt x="7962" y="194742"/>
+                    <a:pt x="23887" y="147563"/>
+                  </a:cubicBezTo>
+                  <a:cubicBezTo>
+                    <a:pt x="39811" y="100385"/>
+                    <a:pt x="63475" y="63996"/>
+                    <a:pt x="94878" y="38398"/>
+                  </a:cubicBezTo>
+                  <a:cubicBezTo>
+                    <a:pt x="126280" y="12799"/>
+                    <a:pt x="165794" y="0"/>
+                    <a:pt x="213419" y="0"/>
+                  </a:cubicBezTo>
+                  <a:close/>
+                </a:path>
+              </a:pathLst>
+            </a:custGeom>
+            <a:solidFill>
+              <a:schemeClr val="tx1">
+                <a:lumMod val="50000"/>
+                <a:lumOff val="50000"/>
+                <a:alpha val="30000"/>
+              </a:schemeClr>
+            </a:solidFill>
+            <a:ln>
+              <a:noFill/>
+            </a:ln>
+            <a:effectLst/>
+          </p:spPr>
+          <p:txBody>
+            <a:bodyPr rot="0" spcFirstLastPara="0" vertOverflow="overflow" horzOverflow="overflow" vert="horz" wrap="square" lIns="91440" tIns="45720" rIns="91440" bIns="45720" numCol="1" spcCol="0" rtlCol="0" fromWordArt="0" anchor="t" anchorCtr="0" forceAA="0" compatLnSpc="1">
+              <a:prstTxWarp prst="textNoShape">
+                <a:avLst/>
+              </a:prstTxWarp>
+              <a:noAutofit/>
+            </a:bodyPr>
+            <a:lstStyle/>
+            <a:p>
+              <a:pPr algn="ctr"/>
+              <a:endParaRPr lang="ko-KR" altLang="en-US" sz="7200" dirty="0">
+                <a:solidFill>
+                  <a:schemeClr val="tx1">
+                    <a:lumMod val="50000"/>
+                    <a:lumOff val="50000"/>
+                  </a:schemeClr>
+                </a:solidFill>
+                <a:latin typeface="Arial" panose="020B0604020202020204" pitchFamily="34" charset="0"/>
+                <a:ea typeface="G마켓 산스 TTF Medium" panose="02000000000000000000" pitchFamily="2" charset="-127"/>
+                <a:cs typeface="Arial" panose="020B0604020202020204" pitchFamily="34" charset="0"/>
+              </a:endParaRPr>
+            </a:p>
+          </p:txBody>
+        </p:sp>
+        <p:cxnSp>
+          <p:nvCxnSpPr>
+            <p:cNvPr id="36" name="직선 연결선 35"/>
+            <p:cNvCxnSpPr/>
+            <p:nvPr/>
+          </p:nvCxnSpPr>
+          <p:spPr>
+            <a:xfrm flipV="1">
+              <a:off x="3540919" y="3204727"/>
+              <a:ext cx="897731" cy="147639"/>
+            </a:xfrm>
+            <a:prstGeom prst="line">
+              <a:avLst/>
+            </a:prstGeom>
+            <a:ln w="19050">
+              <a:solidFill>
+                <a:srgbClr val="323232">
+                  <a:alpha val="30000"/>
+                </a:srgbClr>
+              </a:solidFill>
+            </a:ln>
+          </p:spPr>
+          <p:style>
+            <a:lnRef idx="1">
+              <a:schemeClr val="accent1"/>
+            </a:lnRef>
+            <a:fillRef idx="0">
+              <a:schemeClr val="accent1"/>
+            </a:fillRef>
+            <a:effectRef idx="0">
+              <a:schemeClr val="accent1"/>
+            </a:effectRef>
+            <a:fontRef idx="minor">
+              <a:schemeClr val="tx1"/>
+            </a:fontRef>
+          </p:style>
+        </p:cxnSp>
+      </p:grpSp>
+      <p:grpSp>
+        <p:nvGrpSpPr>
+          <p:cNvPr id="45" name="그룹 44"/>
+          <p:cNvGrpSpPr/>
+          <p:nvPr/>
+        </p:nvGrpSpPr>
+        <p:grpSpPr>
+          <a:xfrm>
+            <a:off x="121262" y="4486090"/>
+            <a:ext cx="755172" cy="436376"/>
+            <a:chOff x="3540919" y="4902200"/>
+            <a:chExt cx="992983" cy="573797"/>
+          </a:xfrm>
+          <a:solidFill>
+            <a:schemeClr val="tx1">
+              <a:lumMod val="50000"/>
+              <a:lumOff val="50000"/>
+              <a:alpha val="30000"/>
+            </a:schemeClr>
+          </a:solidFill>
+        </p:grpSpPr>
+        <p:sp>
+          <p:nvSpPr>
+            <p:cNvPr id="46" name="TextBox 45"/>
+            <p:cNvSpPr txBox="1"/>
+            <p:nvPr/>
+          </p:nvSpPr>
+          <p:spPr>
+            <a:xfrm>
+              <a:off x="3574382" y="4902200"/>
+              <a:ext cx="926057" cy="552121"/>
+            </a:xfrm>
+            <a:custGeom>
+              <a:avLst/>
+              <a:gdLst/>
+              <a:ahLst/>
+              <a:cxnLst/>
+              <a:rect l="l" t="t" r="r" b="b"/>
+              <a:pathLst>
+                <a:path w="926057" h="552121">
+                  <a:moveTo>
+                    <a:pt x="710208" y="0"/>
+                  </a:moveTo>
+                  <a:cubicBezTo>
+                    <a:pt x="745926" y="0"/>
+                    <a:pt x="778817" y="7665"/>
+                    <a:pt x="808880" y="22994"/>
+                  </a:cubicBezTo>
+                  <a:cubicBezTo>
+                    <a:pt x="838944" y="38323"/>
+                    <a:pt x="861938" y="59234"/>
+                    <a:pt x="877862" y="85725"/>
+                  </a:cubicBezTo>
+                  <a:cubicBezTo>
+                    <a:pt x="893787" y="112217"/>
+                    <a:pt x="901749" y="140345"/>
+                    <a:pt x="901749" y="170111"/>
+                  </a:cubicBezTo>
+                  <a:cubicBezTo>
+                    <a:pt x="901749" y="198388"/>
+                    <a:pt x="894159" y="224135"/>
+                    <a:pt x="878979" y="247352"/>
+                  </a:cubicBezTo>
+                  <a:cubicBezTo>
+                    <a:pt x="863798" y="270570"/>
+                    <a:pt x="841325" y="289024"/>
+                    <a:pt x="811559" y="302717"/>
+                  </a:cubicBezTo>
+                  <a:cubicBezTo>
+                    <a:pt x="850255" y="311646"/>
+                    <a:pt x="880318" y="330175"/>
+                    <a:pt x="901749" y="358304"/>
+                  </a:cubicBezTo>
+                  <a:cubicBezTo>
+                    <a:pt x="912464" y="372368"/>
+                    <a:pt x="920501" y="388200"/>
+                    <a:pt x="925859" y="405799"/>
+                  </a:cubicBezTo>
+                  <a:lnTo>
+                    <a:pt x="926057" y="407228"/>
+                  </a:lnTo>
+                  <a:lnTo>
+                    <a:pt x="840643" y="421134"/>
+                  </a:lnTo>
+                  <a:lnTo>
+                    <a:pt x="839577" y="415175"/>
+                  </a:lnTo>
+                  <a:cubicBezTo>
+                    <a:pt x="833549" y="399957"/>
+                    <a:pt x="824508" y="386358"/>
+                    <a:pt x="812452" y="374377"/>
+                  </a:cubicBezTo>
+                  <a:cubicBezTo>
+                    <a:pt x="788342" y="350416"/>
+                    <a:pt x="757684" y="338435"/>
+                    <a:pt x="720477" y="338435"/>
+                  </a:cubicBezTo>
+                  <a:cubicBezTo>
+                    <a:pt x="705296" y="338435"/>
+                    <a:pt x="686395" y="341412"/>
+                    <a:pt x="663773" y="347365"/>
+                  </a:cubicBezTo>
+                  <a:lnTo>
+                    <a:pt x="672703" y="276820"/>
+                  </a:lnTo>
+                  <a:cubicBezTo>
+                    <a:pt x="678061" y="277416"/>
+                    <a:pt x="682377" y="277713"/>
+                    <a:pt x="685651" y="277713"/>
+                  </a:cubicBezTo>
+                  <a:cubicBezTo>
+                    <a:pt x="719881" y="277713"/>
+                    <a:pt x="750689" y="268784"/>
+                    <a:pt x="778073" y="250924"/>
+                  </a:cubicBezTo>
+                  <a:cubicBezTo>
+                    <a:pt x="805458" y="233065"/>
+                    <a:pt x="819150" y="205532"/>
+                    <a:pt x="819150" y="168325"/>
+                  </a:cubicBezTo>
+                  <a:cubicBezTo>
+                    <a:pt x="819150" y="138857"/>
+                    <a:pt x="809178" y="114449"/>
+                    <a:pt x="789235" y="95101"/>
+                  </a:cubicBezTo>
+                  <a:cubicBezTo>
+                    <a:pt x="769292" y="75754"/>
+                    <a:pt x="743545" y="66080"/>
+                    <a:pt x="711993" y="66080"/>
+                  </a:cubicBezTo>
+                  <a:cubicBezTo>
+                    <a:pt x="680740" y="66080"/>
+                    <a:pt x="654695" y="75902"/>
+                    <a:pt x="633859" y="95548"/>
+                  </a:cubicBezTo>
+                  <a:cubicBezTo>
+                    <a:pt x="613023" y="115193"/>
+                    <a:pt x="599628" y="144661"/>
+                    <a:pt x="593675" y="183952"/>
+                  </a:cubicBezTo>
+                  <a:lnTo>
+                    <a:pt x="513308" y="169664"/>
+                  </a:lnTo>
+                  <a:cubicBezTo>
+                    <a:pt x="523130" y="115788"/>
+                    <a:pt x="545455" y="74042"/>
+                    <a:pt x="580280" y="44425"/>
+                  </a:cubicBezTo>
+                  <a:cubicBezTo>
+                    <a:pt x="615106" y="14809"/>
+                    <a:pt x="658415" y="0"/>
+                    <a:pt x="710208" y="0"/>
+                  </a:cubicBezTo>
+                  <a:close/>
+                  <a:moveTo>
+                    <a:pt x="213419" y="0"/>
+                  </a:moveTo>
+                  <a:cubicBezTo>
+                    <a:pt x="248543" y="0"/>
+                    <a:pt x="279350" y="7069"/>
+                    <a:pt x="305842" y="21208"/>
+                  </a:cubicBezTo>
+                  <a:cubicBezTo>
+                    <a:pt x="332333" y="35347"/>
+                    <a:pt x="354211" y="55736"/>
+                    <a:pt x="371475" y="82377"/>
+                  </a:cubicBezTo>
+                  <a:cubicBezTo>
+                    <a:pt x="388739" y="109017"/>
+                    <a:pt x="402282" y="141461"/>
+                    <a:pt x="412105" y="179710"/>
+                  </a:cubicBezTo>
+                  <a:cubicBezTo>
+                    <a:pt x="421927" y="217959"/>
+                    <a:pt x="426839" y="269528"/>
+                    <a:pt x="426839" y="334417"/>
+                  </a:cubicBezTo>
+                  <a:cubicBezTo>
+                    <a:pt x="426839" y="372815"/>
+                    <a:pt x="424867" y="407510"/>
+                    <a:pt x="420923" y="438504"/>
+                  </a:cubicBezTo>
+                  <a:lnTo>
+                    <a:pt x="409472" y="491327"/>
+                  </a:lnTo>
+                  <a:lnTo>
+                    <a:pt x="325598" y="504981"/>
+                  </a:lnTo>
+                  <a:lnTo>
+                    <a:pt x="334807" y="468362"/>
+                  </a:lnTo>
+                  <a:cubicBezTo>
+                    <a:pt x="341095" y="432643"/>
+                    <a:pt x="344239" y="387995"/>
+                    <a:pt x="344239" y="334417"/>
+                  </a:cubicBezTo>
+                  <a:cubicBezTo>
+                    <a:pt x="344239" y="226665"/>
+                    <a:pt x="331663" y="155079"/>
+                    <a:pt x="306511" y="119658"/>
+                  </a:cubicBezTo>
+                  <a:cubicBezTo>
+                    <a:pt x="281359" y="84237"/>
+                    <a:pt x="250031" y="66526"/>
+                    <a:pt x="212526" y="66526"/>
+                  </a:cubicBezTo>
+                  <a:cubicBezTo>
+                    <a:pt x="175617" y="66526"/>
+                    <a:pt x="146149" y="82153"/>
+                    <a:pt x="124122" y="113407"/>
+                  </a:cubicBezTo>
+                  <a:cubicBezTo>
+                    <a:pt x="96440" y="153293"/>
+                    <a:pt x="82599" y="226963"/>
+                    <a:pt x="82599" y="334417"/>
+                  </a:cubicBezTo>
+                  <a:cubicBezTo>
+                    <a:pt x="82599" y="415007"/>
+                    <a:pt x="89673" y="475380"/>
+                    <a:pt x="103821" y="515536"/>
+                  </a:cubicBezTo>
+                  <a:lnTo>
+                    <a:pt x="115502" y="539184"/>
+                  </a:lnTo>
+                  <a:lnTo>
+                    <a:pt x="36036" y="552121"/>
+                  </a:lnTo>
+                  <a:lnTo>
+                    <a:pt x="16185" y="493142"/>
+                  </a:lnTo>
+                  <a:cubicBezTo>
+                    <a:pt x="5395" y="448791"/>
+                    <a:pt x="0" y="395883"/>
+                    <a:pt x="0" y="334417"/>
+                  </a:cubicBezTo>
+                  <a:cubicBezTo>
+                    <a:pt x="0" y="257026"/>
+                    <a:pt x="7962" y="194742"/>
+                    <a:pt x="23887" y="147563"/>
+                  </a:cubicBezTo>
+                  <a:cubicBezTo>
+                    <a:pt x="39811" y="100385"/>
+                    <a:pt x="63475" y="63996"/>
+                    <a:pt x="94878" y="38398"/>
+                  </a:cubicBezTo>
+                  <a:cubicBezTo>
+                    <a:pt x="126280" y="12799"/>
+                    <a:pt x="165794" y="0"/>
+                    <a:pt x="213419" y="0"/>
+                  </a:cubicBezTo>
+                  <a:close/>
+                </a:path>
+              </a:pathLst>
+            </a:custGeom>
+            <a:grpFill/>
+            <a:ln>
+              <a:noFill/>
+            </a:ln>
+            <a:effectLst/>
+          </p:spPr>
+          <p:txBody>
+            <a:bodyPr rot="0" spcFirstLastPara="0" vertOverflow="overflow" horzOverflow="overflow" vert="horz" wrap="square" lIns="91440" tIns="45720" rIns="91440" bIns="45720" numCol="1" spcCol="0" rtlCol="0" fromWordArt="0" anchor="t" anchorCtr="0" forceAA="0" compatLnSpc="1">
+              <a:prstTxWarp prst="textNoShape">
+                <a:avLst/>
+              </a:prstTxWarp>
+              <a:noAutofit/>
+            </a:bodyPr>
+            <a:lstStyle/>
+            <a:p>
+              <a:pPr algn="ctr"/>
+              <a:endParaRPr lang="ko-KR" altLang="en-US" sz="7200" dirty="0">
                 <a:solidFill>
                   <a:schemeClr val="tx1">
                     <a:lumMod val="50000"/>
@@ -10475,7 +12190,7 @@
             <a:lstStyle/>
             <a:p>
               <a:pPr algn="ctr"/>
-              <a:endParaRPr lang="ko-KR" altLang="en-US" sz="7200" dirty="0" smtClean="0">
+              <a:endParaRPr lang="ko-KR" altLang="en-US" sz="7200" dirty="0">
                 <a:solidFill>
                   <a:schemeClr val="tx1">
                     <a:lumMod val="50000"/>
@@ -10549,7 +12264,7 @@
           <a:lstStyle/>
           <a:p>
             <a:r>
-              <a:rPr lang="en-US" altLang="ko-KR" sz="4800" dirty="0" smtClean="0">
+              <a:rPr lang="en-US" altLang="ko-KR" sz="4800" dirty="0">
                 <a:solidFill>
                   <a:srgbClr val="323232"/>
                 </a:solidFill>
@@ -10559,7 +12274,7 @@
               <a:t>04. </a:t>
             </a:r>
             <a:r>
-              <a:rPr lang="ko-KR" altLang="en-US" sz="4800" dirty="0" smtClean="0">
+              <a:rPr lang="ko-KR" altLang="en-US" sz="4800" dirty="0">
                 <a:solidFill>
                   <a:srgbClr val="323232"/>
                 </a:solidFill>
@@ -10569,7 +12284,7 @@
               <a:t>일정</a:t>
             </a:r>
             <a:r>
-              <a:rPr lang="en-US" altLang="ko-KR" sz="4800" dirty="0" smtClean="0">
+              <a:rPr lang="en-US" altLang="ko-KR" sz="4800" dirty="0">
                 <a:solidFill>
                   <a:srgbClr val="323232"/>
                 </a:solidFill>
@@ -10579,7 +12294,7 @@
               <a:t>, </a:t>
             </a:r>
             <a:r>
-              <a:rPr lang="ko-KR" altLang="en-US" sz="4800" dirty="0" smtClean="0">
+              <a:rPr lang="ko-KR" altLang="en-US" sz="4800" dirty="0">
                 <a:solidFill>
                   <a:srgbClr val="323232"/>
                 </a:solidFill>
@@ -10589,7 +12304,7 @@
               <a:t>그리고 열정 </a:t>
             </a:r>
             <a:r>
-              <a:rPr lang="en-US" altLang="ko-KR" sz="4800" dirty="0" smtClean="0">
+              <a:rPr lang="en-US" altLang="ko-KR" sz="4800" dirty="0">
                 <a:solidFill>
                   <a:schemeClr val="tx1">
                     <a:lumMod val="50000"/>
@@ -10602,7 +12317,7 @@
               <a:t>– </a:t>
             </a:r>
             <a:r>
-              <a:rPr lang="ko-KR" altLang="en-US" sz="4800" dirty="0" smtClean="0">
+              <a:rPr lang="ko-KR" altLang="en-US" sz="4800" dirty="0">
                 <a:solidFill>
                   <a:schemeClr val="tx1">
                     <a:lumMod val="50000"/>
@@ -10900,7 +12615,7 @@
             <a:lstStyle/>
             <a:p>
               <a:pPr algn="ctr"/>
-              <a:endParaRPr lang="ko-KR" altLang="en-US" sz="7200" dirty="0" smtClean="0">
+              <a:endParaRPr lang="ko-KR" altLang="en-US" sz="7200" dirty="0">
                 <a:solidFill>
                   <a:schemeClr val="tx1">
                     <a:lumMod val="50000"/>
@@ -10961,7 +12676,7 @@
         </p:nvSpPr>
         <p:spPr>
           <a:xfrm>
-            <a:off x="2388637" y="1726163"/>
+            <a:off x="1506344" y="1571035"/>
             <a:ext cx="1074333" cy="369332"/>
           </a:xfrm>
           <a:prstGeom prst="rect">
@@ -10976,7 +12691,7 @@
           <a:lstStyle/>
           <a:p>
             <a:r>
-              <a:rPr lang="ko-KR" altLang="en-US" dirty="0" smtClean="0">
+              <a:rPr lang="ko-KR" altLang="en-US" dirty="0">
                 <a:latin typeface="G마켓 산스 TTF Medium" panose="02000000000000000000" pitchFamily="2" charset="-127"/>
                 <a:ea typeface="G마켓 산스 TTF Medium" panose="02000000000000000000" pitchFamily="2" charset="-127"/>
               </a:rPr>
@@ -10990,7 +12705,7 @@
               <a:t>4</a:t>
             </a:r>
             <a:r>
-              <a:rPr lang="ko-KR" altLang="en-US" dirty="0" smtClean="0">
+              <a:rPr lang="ko-KR" altLang="en-US" dirty="0">
                 <a:latin typeface="G마켓 산스 TTF Medium" panose="02000000000000000000" pitchFamily="2" charset="-127"/>
                 <a:ea typeface="G마켓 산스 TTF Medium" panose="02000000000000000000" pitchFamily="2" charset="-127"/>
               </a:rPr>
@@ -11009,13 +12724,6 @@
   <p:clrMapOvr>
     <a:masterClrMapping/>
   </p:clrMapOvr>
-  <p:timing>
-    <p:tnLst>
-      <p:par>
-        <p:cTn id="1" dur="indefinite" restart="never" nodeType="tmRoot"/>
-      </p:par>
-    </p:tnLst>
-  </p:timing>
 </p:sld>
 </file>
 

--- a/포트폴리오.pptx
+++ b/포트폴리오.pptx
@@ -15,19 +15,24 @@
     <p:sldId id="273" r:id="rId9"/>
     <p:sldId id="269" r:id="rId10"/>
     <p:sldId id="275" r:id="rId11"/>
-    <p:sldId id="272" r:id="rId12"/>
+    <p:sldId id="277" r:id="rId12"/>
+    <p:sldId id="272" r:id="rId13"/>
   </p:sldIdLst>
   <p:sldSz cx="12192000" cy="6858000"/>
   <p:notesSz cx="6858000" cy="9144000"/>
   <p:embeddedFontLst>
     <p:embeddedFont>
       <p:font typeface="G마켓 산스 TTF Medium" panose="02000000000000000000" pitchFamily="2" charset="-127"/>
-      <p:regular r:id="rId13"/>
+      <p:regular r:id="rId14"/>
+    </p:embeddedFont>
+    <p:embeddedFont>
+      <p:font typeface="Cambria Math" panose="02040503050406030204" pitchFamily="18" charset="0"/>
+      <p:regular r:id="rId15"/>
     </p:embeddedFont>
     <p:embeddedFont>
       <p:font typeface="맑은 고딕" panose="020B0503020000020004" pitchFamily="50" charset="-127"/>
-      <p:regular r:id="rId14"/>
-      <p:bold r:id="rId15"/>
+      <p:regular r:id="rId16"/>
+      <p:bold r:id="rId17"/>
     </p:embeddedFont>
   </p:embeddedFontLst>
   <p:defaultTextStyle>
@@ -3065,8 +3070,8 @@
         </p:nvSpPr>
         <p:spPr>
           <a:xfrm>
-            <a:off x="4054761" y="2264062"/>
-            <a:ext cx="3892206" cy="461665"/>
+            <a:off x="2874353" y="2264062"/>
+            <a:ext cx="6253022" cy="461665"/>
           </a:xfrm>
           <a:prstGeom prst="rect">
             <a:avLst/>
@@ -3091,13 +3096,50 @@
               <a:t>Developer Name : </a:t>
             </a:r>
             <a:r>
-              <a:rPr lang="ko-KR" altLang="en-US" sz="2400" b="1" dirty="0">
+              <a:rPr lang="ko-KR" altLang="en-US" sz="2400" b="1" dirty="0" smtClean="0">
                 <a:solidFill>
                   <a:srgbClr val="323232"/>
                 </a:solidFill>
               </a:rPr>
               <a:t>이윤석</a:t>
             </a:r>
+            <a:r>
+              <a:rPr lang="en-US" altLang="ko-KR" sz="2400" b="1" dirty="0" smtClean="0">
+                <a:solidFill>
+                  <a:srgbClr val="323232"/>
+                </a:solidFill>
+              </a:rPr>
+              <a:t>, </a:t>
+            </a:r>
+            <a:r>
+              <a:rPr lang="ko-KR" altLang="en-US" sz="2400" b="1" dirty="0" smtClean="0">
+                <a:solidFill>
+                  <a:srgbClr val="323232"/>
+                </a:solidFill>
+              </a:rPr>
+              <a:t>최신형</a:t>
+            </a:r>
+            <a:r>
+              <a:rPr lang="en-US" altLang="ko-KR" sz="2400" b="1" dirty="0" smtClean="0">
+                <a:solidFill>
+                  <a:srgbClr val="323232"/>
+                </a:solidFill>
+              </a:rPr>
+              <a:t>, </a:t>
+            </a:r>
+            <a:r>
+              <a:rPr lang="ko-KR" altLang="en-US" sz="2400" b="1" dirty="0" err="1" smtClean="0">
+                <a:solidFill>
+                  <a:srgbClr val="323232"/>
+                </a:solidFill>
+              </a:rPr>
+              <a:t>이현직</a:t>
+            </a:r>
+            <a:endParaRPr lang="ko-KR" altLang="en-US" sz="2400" b="1" dirty="0">
+              <a:solidFill>
+                <a:srgbClr val="323232"/>
+              </a:solidFill>
+            </a:endParaRPr>
           </a:p>
         </p:txBody>
       </p:sp>
@@ -3260,6 +3302,55 @@
       </p:grpSpPr>
       <p:sp>
         <p:nvSpPr>
+          <p:cNvPr id="14" name="직사각형 13"/>
+          <p:cNvSpPr/>
+          <p:nvPr/>
+        </p:nvSpPr>
+        <p:spPr>
+          <a:xfrm>
+            <a:off x="1315068" y="2548724"/>
+            <a:ext cx="7624800" cy="3812400"/>
+          </a:xfrm>
+          <a:prstGeom prst="rect">
+            <a:avLst/>
+          </a:prstGeom>
+          <a:blipFill dpi="0" rotWithShape="1">
+            <a:blip r:embed="rId2">
+              <a:alphaModFix amt="50000"/>
+            </a:blip>
+            <a:srcRect/>
+            <a:stretch>
+              <a:fillRect/>
+            </a:stretch>
+          </a:blipFill>
+        </p:spPr>
+        <p:style>
+          <a:lnRef idx="2">
+            <a:schemeClr val="accent1">
+              <a:shade val="50000"/>
+            </a:schemeClr>
+          </a:lnRef>
+          <a:fillRef idx="1">
+            <a:schemeClr val="accent1"/>
+          </a:fillRef>
+          <a:effectRef idx="0">
+            <a:schemeClr val="accent1"/>
+          </a:effectRef>
+          <a:fontRef idx="minor">
+            <a:schemeClr val="lt1"/>
+          </a:fontRef>
+        </p:style>
+        <p:txBody>
+          <a:bodyPr rtlCol="0" anchor="ctr"/>
+          <a:lstStyle/>
+          <a:p>
+            <a:pPr algn="ctr"/>
+            <a:endParaRPr lang="ko-KR" altLang="en-US"/>
+          </a:p>
+        </p:txBody>
+      </p:sp>
+      <p:sp>
+        <p:nvSpPr>
           <p:cNvPr id="3" name="직사각형 2"/>
           <p:cNvSpPr/>
           <p:nvPr/>
@@ -3404,7 +3495,27 @@
                   <a:latin typeface="G마켓 산스 TTF Medium" panose="02000000000000000000" pitchFamily="2" charset="-127"/>
                   <a:ea typeface="G마켓 산스 TTF Medium" panose="02000000000000000000" pitchFamily="2" charset="-127"/>
                 </a:rPr>
-                <a:t>코드 리뷰 </a:t>
+                <a:t>코드 </a:t>
+              </a:r>
+              <a:r>
+                <a:rPr lang="ko-KR" altLang="en-US" sz="4800" dirty="0" smtClean="0">
+                  <a:solidFill>
+                    <a:srgbClr val="323232"/>
+                  </a:solidFill>
+                  <a:latin typeface="G마켓 산스 TTF Medium" panose="02000000000000000000" pitchFamily="2" charset="-127"/>
+                  <a:ea typeface="G마켓 산스 TTF Medium" panose="02000000000000000000" pitchFamily="2" charset="-127"/>
+                </a:rPr>
+                <a:t>도식화</a:t>
+              </a:r>
+              <a:r>
+                <a:rPr lang="ko-KR" altLang="en-US" sz="4800" dirty="0" smtClean="0">
+                  <a:solidFill>
+                    <a:srgbClr val="323232"/>
+                  </a:solidFill>
+                  <a:latin typeface="G마켓 산스 TTF Medium" panose="02000000000000000000" pitchFamily="2" charset="-127"/>
+                  <a:ea typeface="G마켓 산스 TTF Medium" panose="02000000000000000000" pitchFamily="2" charset="-127"/>
+                </a:rPr>
+                <a:t> </a:t>
               </a:r>
               <a:r>
                 <a:rPr lang="en-US" altLang="ko-KR" sz="4800" dirty="0" smtClean="0">
@@ -4622,6 +4733,943 @@
           </p:style>
         </p:cxnSp>
       </p:grpSp>
+      <p:cxnSp>
+        <p:nvCxnSpPr>
+          <p:cNvPr id="5" name="직선 화살표 연결선 4"/>
+          <p:cNvCxnSpPr/>
+          <p:nvPr/>
+        </p:nvCxnSpPr>
+        <p:spPr>
+          <a:xfrm flipV="1">
+            <a:off x="1546629" y="1511168"/>
+            <a:ext cx="0" cy="5080132"/>
+          </a:xfrm>
+          <a:prstGeom prst="straightConnector1">
+            <a:avLst/>
+          </a:prstGeom>
+          <a:ln w="57150">
+            <a:solidFill>
+              <a:srgbClr val="323232"/>
+            </a:solidFill>
+            <a:tailEnd type="triangle"/>
+          </a:ln>
+        </p:spPr>
+        <p:style>
+          <a:lnRef idx="1">
+            <a:schemeClr val="accent1"/>
+          </a:lnRef>
+          <a:fillRef idx="0">
+            <a:schemeClr val="accent1"/>
+          </a:fillRef>
+          <a:effectRef idx="0">
+            <a:schemeClr val="accent1"/>
+          </a:effectRef>
+          <a:fontRef idx="minor">
+            <a:schemeClr val="tx1"/>
+          </a:fontRef>
+        </p:style>
+      </p:cxnSp>
+      <p:cxnSp>
+        <p:nvCxnSpPr>
+          <p:cNvPr id="24" name="직선 화살표 연결선 23"/>
+          <p:cNvCxnSpPr/>
+          <p:nvPr/>
+        </p:nvCxnSpPr>
+        <p:spPr>
+          <a:xfrm>
+            <a:off x="1140163" y="6141182"/>
+            <a:ext cx="10086637" cy="0"/>
+          </a:xfrm>
+          <a:prstGeom prst="straightConnector1">
+            <a:avLst/>
+          </a:prstGeom>
+          <a:ln w="57150">
+            <a:solidFill>
+              <a:srgbClr val="323232"/>
+            </a:solidFill>
+            <a:tailEnd type="triangle"/>
+          </a:ln>
+        </p:spPr>
+        <p:style>
+          <a:lnRef idx="1">
+            <a:schemeClr val="accent1"/>
+          </a:lnRef>
+          <a:fillRef idx="0">
+            <a:schemeClr val="accent1"/>
+          </a:fillRef>
+          <a:effectRef idx="0">
+            <a:schemeClr val="accent1"/>
+          </a:effectRef>
+          <a:fontRef idx="minor">
+            <a:schemeClr val="tx1"/>
+          </a:fontRef>
+        </p:style>
+      </p:cxnSp>
+      <mc:AlternateContent xmlns:mc="http://schemas.openxmlformats.org/markup-compatibility/2006">
+        <mc:Choice xmlns:a14="http://schemas.microsoft.com/office/drawing/2010/main" Requires="a14">
+          <p:sp>
+            <p:nvSpPr>
+              <p:cNvPr id="12" name="TextBox 11"/>
+              <p:cNvSpPr txBox="1"/>
+              <p:nvPr/>
+            </p:nvSpPr>
+            <p:spPr>
+              <a:xfrm>
+                <a:off x="1188279" y="1402531"/>
+                <a:ext cx="309564" cy="584775"/>
+              </a:xfrm>
+              <a:prstGeom prst="rect">
+                <a:avLst/>
+              </a:prstGeom>
+              <a:noFill/>
+            </p:spPr>
+            <p:txBody>
+              <a:bodyPr wrap="square" rtlCol="0">
+                <a:spAutoFit/>
+              </a:bodyPr>
+              <a:lstStyle/>
+              <a:p>
+                <a:pPr/>
+                <a14:m>
+                  <m:oMathPara xmlns:m="http://schemas.openxmlformats.org/officeDocument/2006/math">
+                    <m:oMathParaPr>
+                      <m:jc m:val="center"/>
+                    </m:oMathParaPr>
+                    <m:oMath xmlns:m="http://schemas.openxmlformats.org/officeDocument/2006/math">
+                      <m:r>
+                        <a:rPr lang="en-US" altLang="ko-KR" sz="3200" b="0" i="1" dirty="0" smtClean="0">
+                          <a:latin typeface="Cambria Math" panose="02040503050406030204" pitchFamily="18" charset="0"/>
+                          <a:ea typeface="G마켓 산스 TTF Medium" panose="02000000000000000000" pitchFamily="2" charset="-127"/>
+                        </a:rPr>
+                        <m:t>𝑖</m:t>
+                      </m:r>
+                    </m:oMath>
+                  </m:oMathPara>
+                </a14:m>
+                <a:endParaRPr lang="ko-KR" altLang="en-US" sz="3200" dirty="0" smtClean="0">
+                  <a:latin typeface="G마켓 산스 TTF Medium" panose="02000000000000000000" pitchFamily="2" charset="-127"/>
+                  <a:ea typeface="G마켓 산스 TTF Medium" panose="02000000000000000000" pitchFamily="2" charset="-127"/>
+                </a:endParaRPr>
+              </a:p>
+            </p:txBody>
+          </p:sp>
+        </mc:Choice>
+        <mc:Fallback>
+          <p:sp>
+            <p:nvSpPr>
+              <p:cNvPr id="12" name="TextBox 11"/>
+              <p:cNvSpPr txBox="1">
+                <a:spLocks noRot="1" noChangeAspect="1" noMove="1" noResize="1" noEditPoints="1" noAdjustHandles="1" noChangeArrowheads="1" noChangeShapeType="1" noTextEdit="1"/>
+              </p:cNvSpPr>
+              <p:nvPr/>
+            </p:nvSpPr>
+            <p:spPr>
+              <a:xfrm>
+                <a:off x="1188279" y="1402531"/>
+                <a:ext cx="309564" cy="584775"/>
+              </a:xfrm>
+              <a:prstGeom prst="rect">
+                <a:avLst/>
+              </a:prstGeom>
+              <a:blipFill>
+                <a:blip r:embed="rId3"/>
+                <a:stretch>
+                  <a:fillRect/>
+                </a:stretch>
+              </a:blipFill>
+            </p:spPr>
+            <p:txBody>
+              <a:bodyPr/>
+              <a:lstStyle/>
+              <a:p>
+                <a:r>
+                  <a:rPr lang="ko-KR" altLang="en-US">
+                    <a:noFill/>
+                  </a:rPr>
+                  <a:t> </a:t>
+                </a:r>
+              </a:p>
+            </p:txBody>
+          </p:sp>
+        </mc:Fallback>
+      </mc:AlternateContent>
+      <mc:AlternateContent xmlns:mc="http://schemas.openxmlformats.org/markup-compatibility/2006">
+        <mc:Choice xmlns:a14="http://schemas.microsoft.com/office/drawing/2010/main" Requires="a14">
+          <p:sp>
+            <p:nvSpPr>
+              <p:cNvPr id="31" name="TextBox 30"/>
+              <p:cNvSpPr txBox="1"/>
+              <p:nvPr/>
+            </p:nvSpPr>
+            <p:spPr>
+              <a:xfrm>
+                <a:off x="10917236" y="6057984"/>
+                <a:ext cx="309564" cy="584775"/>
+              </a:xfrm>
+              <a:prstGeom prst="rect">
+                <a:avLst/>
+              </a:prstGeom>
+              <a:noFill/>
+            </p:spPr>
+            <p:txBody>
+              <a:bodyPr wrap="square" rtlCol="0">
+                <a:spAutoFit/>
+              </a:bodyPr>
+              <a:lstStyle/>
+              <a:p>
+                <a:pPr/>
+                <a14:m>
+                  <m:oMathPara xmlns:m="http://schemas.openxmlformats.org/officeDocument/2006/math">
+                    <m:oMathParaPr>
+                      <m:jc m:val="center"/>
+                    </m:oMathParaPr>
+                    <m:oMath xmlns:m="http://schemas.openxmlformats.org/officeDocument/2006/math">
+                      <m:r>
+                        <a:rPr lang="en-US" altLang="ko-KR" sz="3200" b="0" i="1" smtClean="0">
+                          <a:latin typeface="Cambria Math" panose="02040503050406030204" pitchFamily="18" charset="0"/>
+                          <a:ea typeface="G마켓 산스 TTF Medium" panose="02000000000000000000" pitchFamily="2" charset="-127"/>
+                        </a:rPr>
+                        <m:t>𝑥</m:t>
+                      </m:r>
+                    </m:oMath>
+                  </m:oMathPara>
+                </a14:m>
+                <a:endParaRPr lang="ko-KR" altLang="en-US" sz="3200" dirty="0" smtClean="0">
+                  <a:latin typeface="G마켓 산스 TTF Medium" panose="02000000000000000000" pitchFamily="2" charset="-127"/>
+                  <a:ea typeface="G마켓 산스 TTF Medium" panose="02000000000000000000" pitchFamily="2" charset="-127"/>
+                </a:endParaRPr>
+              </a:p>
+            </p:txBody>
+          </p:sp>
+        </mc:Choice>
+        <mc:Fallback>
+          <p:sp>
+            <p:nvSpPr>
+              <p:cNvPr id="31" name="TextBox 30"/>
+              <p:cNvSpPr txBox="1">
+                <a:spLocks noRot="1" noChangeAspect="1" noMove="1" noResize="1" noEditPoints="1" noAdjustHandles="1" noChangeArrowheads="1" noChangeShapeType="1" noTextEdit="1"/>
+              </p:cNvSpPr>
+              <p:nvPr/>
+            </p:nvSpPr>
+            <p:spPr>
+              <a:xfrm>
+                <a:off x="10917236" y="6057984"/>
+                <a:ext cx="309564" cy="584775"/>
+              </a:xfrm>
+              <a:prstGeom prst="rect">
+                <a:avLst/>
+              </a:prstGeom>
+              <a:blipFill>
+                <a:blip r:embed="rId4"/>
+                <a:stretch>
+                  <a:fillRect/>
+                </a:stretch>
+              </a:blipFill>
+            </p:spPr>
+            <p:txBody>
+              <a:bodyPr/>
+              <a:lstStyle/>
+              <a:p>
+                <a:r>
+                  <a:rPr lang="ko-KR" altLang="en-US">
+                    <a:noFill/>
+                  </a:rPr>
+                  <a:t> </a:t>
+                </a:r>
+              </a:p>
+            </p:txBody>
+          </p:sp>
+        </mc:Fallback>
+      </mc:AlternateContent>
+      <mc:AlternateContent xmlns:mc="http://schemas.openxmlformats.org/markup-compatibility/2006">
+        <mc:Choice xmlns:a14="http://schemas.microsoft.com/office/drawing/2010/main" Requires="a14">
+          <p:sp>
+            <p:nvSpPr>
+              <p:cNvPr id="32" name="TextBox 31"/>
+              <p:cNvSpPr txBox="1"/>
+              <p:nvPr/>
+            </p:nvSpPr>
+            <p:spPr>
+              <a:xfrm>
+                <a:off x="1009254" y="6315073"/>
+                <a:ext cx="537375" cy="307777"/>
+              </a:xfrm>
+              <a:prstGeom prst="rect">
+                <a:avLst/>
+              </a:prstGeom>
+              <a:noFill/>
+            </p:spPr>
+            <p:txBody>
+              <a:bodyPr wrap="square" rtlCol="0">
+                <a:spAutoFit/>
+              </a:bodyPr>
+              <a:lstStyle/>
+              <a:p>
+                <a:pPr/>
+                <a14:m>
+                  <m:oMathPara xmlns:m="http://schemas.openxmlformats.org/officeDocument/2006/math">
+                    <m:oMathParaPr>
+                      <m:jc m:val="center"/>
+                    </m:oMathParaPr>
+                    <m:oMath xmlns:m="http://schemas.openxmlformats.org/officeDocument/2006/math">
+                      <m:r>
+                        <a:rPr lang="en-US" altLang="ko-KR" sz="1400" b="0" i="1" dirty="0" smtClean="0">
+                          <a:latin typeface="Cambria Math" panose="02040503050406030204" pitchFamily="18" charset="0"/>
+                          <a:ea typeface="G마켓 산스 TTF Medium" panose="02000000000000000000" pitchFamily="2" charset="-127"/>
+                        </a:rPr>
+                        <m:t>(0</m:t>
+                      </m:r>
+                      <m:r>
+                        <a:rPr lang="en-US" altLang="ko-KR" sz="1400" b="0" i="0" dirty="0" smtClean="0">
+                          <a:latin typeface="Cambria Math" panose="02040503050406030204" pitchFamily="18" charset="0"/>
+                          <a:ea typeface="G마켓 산스 TTF Medium" panose="02000000000000000000" pitchFamily="2" charset="-127"/>
+                        </a:rPr>
+                        <m:t>, 0)</m:t>
+                      </m:r>
+                    </m:oMath>
+                  </m:oMathPara>
+                </a14:m>
+                <a:endParaRPr lang="ko-KR" altLang="en-US" sz="1400" dirty="0" smtClean="0">
+                  <a:latin typeface="G마켓 산스 TTF Medium" panose="02000000000000000000" pitchFamily="2" charset="-127"/>
+                  <a:ea typeface="G마켓 산스 TTF Medium" panose="02000000000000000000" pitchFamily="2" charset="-127"/>
+                </a:endParaRPr>
+              </a:p>
+            </p:txBody>
+          </p:sp>
+        </mc:Choice>
+        <mc:Fallback>
+          <p:sp>
+            <p:nvSpPr>
+              <p:cNvPr id="32" name="TextBox 31"/>
+              <p:cNvSpPr txBox="1">
+                <a:spLocks noRot="1" noChangeAspect="1" noMove="1" noResize="1" noEditPoints="1" noAdjustHandles="1" noChangeArrowheads="1" noChangeShapeType="1" noTextEdit="1"/>
+              </p:cNvSpPr>
+              <p:nvPr/>
+            </p:nvSpPr>
+            <p:spPr>
+              <a:xfrm>
+                <a:off x="1009254" y="6315073"/>
+                <a:ext cx="537375" cy="307777"/>
+              </a:xfrm>
+              <a:prstGeom prst="rect">
+                <a:avLst/>
+              </a:prstGeom>
+              <a:blipFill>
+                <a:blip r:embed="rId5"/>
+                <a:stretch>
+                  <a:fillRect r="-7955" b="-4000"/>
+                </a:stretch>
+              </a:blipFill>
+            </p:spPr>
+            <p:txBody>
+              <a:bodyPr/>
+              <a:lstStyle/>
+              <a:p>
+                <a:r>
+                  <a:rPr lang="ko-KR" altLang="en-US">
+                    <a:noFill/>
+                  </a:rPr>
+                  <a:t> </a:t>
+                </a:r>
+              </a:p>
+            </p:txBody>
+          </p:sp>
+        </mc:Fallback>
+      </mc:AlternateContent>
+      <p:pic>
+        <p:nvPicPr>
+          <p:cNvPr id="16" name="그림 15"/>
+          <p:cNvPicPr>
+            <a:picLocks noChangeAspect="1"/>
+          </p:cNvPicPr>
+          <p:nvPr/>
+        </p:nvPicPr>
+        <p:blipFill rotWithShape="1">
+          <a:blip r:embed="rId6">
+            <a:extLst>
+              <a:ext uri="{28A0092B-C50C-407E-A947-70E740481C1C}">
+                <a14:useLocalDpi xmlns:a14="http://schemas.microsoft.com/office/drawing/2010/main" val="0"/>
+              </a:ext>
+            </a:extLst>
+          </a:blip>
+          <a:srcRect l="39743" t="19761" r="19762" b="19628"/>
+          <a:stretch/>
+        </p:blipFill>
+        <p:spPr>
+          <a:xfrm>
+            <a:off x="1806238" y="3993357"/>
+            <a:ext cx="918956" cy="1375411"/>
+          </a:xfrm>
+          <a:prstGeom prst="rect">
+            <a:avLst/>
+          </a:prstGeom>
+        </p:spPr>
+      </p:pic>
+      <p:pic>
+        <p:nvPicPr>
+          <p:cNvPr id="37" name="그림 36"/>
+          <p:cNvPicPr>
+            <a:picLocks noChangeAspect="1"/>
+          </p:cNvPicPr>
+          <p:nvPr/>
+        </p:nvPicPr>
+        <p:blipFill rotWithShape="1">
+          <a:blip r:embed="rId6">
+            <a:extLst>
+              <a:ext uri="{28A0092B-C50C-407E-A947-70E740481C1C}">
+                <a14:useLocalDpi xmlns:a14="http://schemas.microsoft.com/office/drawing/2010/main" val="0"/>
+              </a:ext>
+            </a:extLst>
+          </a:blip>
+          <a:srcRect l="39743" t="19761" r="19762" b="19628"/>
+          <a:stretch/>
+        </p:blipFill>
+        <p:spPr>
+          <a:xfrm>
+            <a:off x="9489643" y="1732522"/>
+            <a:ext cx="918956" cy="1375411"/>
+          </a:xfrm>
+          <a:prstGeom prst="rect">
+            <a:avLst/>
+          </a:prstGeom>
+          <a:noFill/>
+        </p:spPr>
+      </p:pic>
+      <mc:AlternateContent xmlns:mc="http://schemas.openxmlformats.org/markup-compatibility/2006">
+        <mc:Choice xmlns:a14="http://schemas.microsoft.com/office/drawing/2010/main" Requires="a14">
+          <p:sp>
+            <p:nvSpPr>
+              <p:cNvPr id="39" name="TextBox 38"/>
+              <p:cNvSpPr txBox="1"/>
+              <p:nvPr/>
+            </p:nvSpPr>
+            <p:spPr>
+              <a:xfrm>
+                <a:off x="9489148" y="2301823"/>
+                <a:ext cx="381131" cy="230832"/>
+              </a:xfrm>
+              <a:prstGeom prst="rect">
+                <a:avLst/>
+              </a:prstGeom>
+              <a:noFill/>
+            </p:spPr>
+            <p:txBody>
+              <a:bodyPr wrap="square" rtlCol="0">
+                <a:spAutoFit/>
+              </a:bodyPr>
+              <a:lstStyle/>
+              <a:p>
+                <a:pPr/>
+                <a14:m>
+                  <m:oMathPara xmlns:m="http://schemas.openxmlformats.org/officeDocument/2006/math">
+                    <m:oMathParaPr>
+                      <m:jc m:val="center"/>
+                    </m:oMathParaPr>
+                    <m:oMath xmlns:m="http://schemas.openxmlformats.org/officeDocument/2006/math">
+                      <m:r>
+                        <a:rPr lang="en-US" altLang="ko-KR" sz="900" b="0" i="1" smtClean="0">
+                          <a:solidFill>
+                            <a:schemeClr val="bg1"/>
+                          </a:solidFill>
+                          <a:latin typeface="Cambria Math" panose="02040503050406030204" pitchFamily="18" charset="0"/>
+                          <a:ea typeface="G마켓 산스 TTF Medium" panose="02000000000000000000" pitchFamily="2" charset="-127"/>
+                        </a:rPr>
+                        <m:t>(</m:t>
+                      </m:r>
+                      <m:r>
+                        <a:rPr lang="en-US" altLang="ko-KR" sz="900" b="0" i="0" smtClean="0">
+                          <a:solidFill>
+                            <a:schemeClr val="bg1"/>
+                          </a:solidFill>
+                          <a:latin typeface="Cambria Math" panose="02040503050406030204" pitchFamily="18" charset="0"/>
+                          <a:ea typeface="G마켓 산스 TTF Medium" panose="02000000000000000000" pitchFamily="2" charset="-127"/>
+                        </a:rPr>
+                        <m:t>0, 0)</m:t>
+                      </m:r>
+                    </m:oMath>
+                  </m:oMathPara>
+                </a14:m>
+                <a:endParaRPr lang="ko-KR" altLang="en-US" sz="900" dirty="0" smtClean="0">
+                  <a:solidFill>
+                    <a:schemeClr val="bg1"/>
+                  </a:solidFill>
+                  <a:latin typeface="G마켓 산스 TTF Medium" panose="02000000000000000000" pitchFamily="2" charset="-127"/>
+                  <a:ea typeface="G마켓 산스 TTF Medium" panose="02000000000000000000" pitchFamily="2" charset="-127"/>
+                </a:endParaRPr>
+              </a:p>
+            </p:txBody>
+          </p:sp>
+        </mc:Choice>
+        <mc:Fallback>
+          <p:sp>
+            <p:nvSpPr>
+              <p:cNvPr id="39" name="TextBox 38"/>
+              <p:cNvSpPr txBox="1">
+                <a:spLocks noRot="1" noChangeAspect="1" noMove="1" noResize="1" noEditPoints="1" noAdjustHandles="1" noChangeArrowheads="1" noChangeShapeType="1" noTextEdit="1"/>
+              </p:cNvSpPr>
+              <p:nvPr/>
+            </p:nvSpPr>
+            <p:spPr>
+              <a:xfrm>
+                <a:off x="9489148" y="2301823"/>
+                <a:ext cx="381131" cy="230832"/>
+              </a:xfrm>
+              <a:prstGeom prst="rect">
+                <a:avLst/>
+              </a:prstGeom>
+              <a:blipFill>
+                <a:blip r:embed="rId7"/>
+                <a:stretch>
+                  <a:fillRect r="-9677"/>
+                </a:stretch>
+              </a:blipFill>
+            </p:spPr>
+            <p:txBody>
+              <a:bodyPr/>
+              <a:lstStyle/>
+              <a:p>
+                <a:r>
+                  <a:rPr lang="ko-KR" altLang="en-US">
+                    <a:noFill/>
+                  </a:rPr>
+                  <a:t> </a:t>
+                </a:r>
+              </a:p>
+            </p:txBody>
+          </p:sp>
+        </mc:Fallback>
+      </mc:AlternateContent>
+      <mc:AlternateContent xmlns:mc="http://schemas.openxmlformats.org/markup-compatibility/2006">
+        <mc:Choice xmlns:a14="http://schemas.microsoft.com/office/drawing/2010/main" Requires="a14">
+          <p:sp>
+            <p:nvSpPr>
+              <p:cNvPr id="40" name="TextBox 39"/>
+              <p:cNvSpPr txBox="1"/>
+              <p:nvPr/>
+            </p:nvSpPr>
+            <p:spPr>
+              <a:xfrm>
+                <a:off x="9936184" y="2301823"/>
+                <a:ext cx="381131" cy="230832"/>
+              </a:xfrm>
+              <a:prstGeom prst="rect">
+                <a:avLst/>
+              </a:prstGeom>
+              <a:noFill/>
+            </p:spPr>
+            <p:txBody>
+              <a:bodyPr wrap="square" rtlCol="0">
+                <a:spAutoFit/>
+              </a:bodyPr>
+              <a:lstStyle/>
+              <a:p>
+                <a:pPr/>
+                <a14:m>
+                  <m:oMathPara xmlns:m="http://schemas.openxmlformats.org/officeDocument/2006/math">
+                    <m:oMathParaPr>
+                      <m:jc m:val="center"/>
+                    </m:oMathParaPr>
+                    <m:oMath xmlns:m="http://schemas.openxmlformats.org/officeDocument/2006/math">
+                      <m:r>
+                        <a:rPr lang="en-US" altLang="ko-KR" sz="900" b="0" i="1" smtClean="0">
+                          <a:solidFill>
+                            <a:schemeClr val="bg1"/>
+                          </a:solidFill>
+                          <a:latin typeface="Cambria Math" panose="02040503050406030204" pitchFamily="18" charset="0"/>
+                          <a:ea typeface="G마켓 산스 TTF Medium" panose="02000000000000000000" pitchFamily="2" charset="-127"/>
+                        </a:rPr>
+                        <m:t>(</m:t>
+                      </m:r>
+                      <m:r>
+                        <a:rPr lang="en-US" altLang="ko-KR" sz="900" b="0" i="0" smtClean="0">
+                          <a:solidFill>
+                            <a:schemeClr val="bg1"/>
+                          </a:solidFill>
+                          <a:latin typeface="Cambria Math" panose="02040503050406030204" pitchFamily="18" charset="0"/>
+                          <a:ea typeface="G마켓 산스 TTF Medium" panose="02000000000000000000" pitchFamily="2" charset="-127"/>
+                        </a:rPr>
+                        <m:t>1, 0)</m:t>
+                      </m:r>
+                    </m:oMath>
+                  </m:oMathPara>
+                </a14:m>
+                <a:endParaRPr lang="ko-KR" altLang="en-US" sz="900" dirty="0" smtClean="0">
+                  <a:solidFill>
+                    <a:schemeClr val="bg1"/>
+                  </a:solidFill>
+                  <a:latin typeface="G마켓 산스 TTF Medium" panose="02000000000000000000" pitchFamily="2" charset="-127"/>
+                  <a:ea typeface="G마켓 산스 TTF Medium" panose="02000000000000000000" pitchFamily="2" charset="-127"/>
+                </a:endParaRPr>
+              </a:p>
+            </p:txBody>
+          </p:sp>
+        </mc:Choice>
+        <mc:Fallback>
+          <p:sp>
+            <p:nvSpPr>
+              <p:cNvPr id="40" name="TextBox 39"/>
+              <p:cNvSpPr txBox="1">
+                <a:spLocks noRot="1" noChangeAspect="1" noMove="1" noResize="1" noEditPoints="1" noAdjustHandles="1" noChangeArrowheads="1" noChangeShapeType="1" noTextEdit="1"/>
+              </p:cNvSpPr>
+              <p:nvPr/>
+            </p:nvSpPr>
+            <p:spPr>
+              <a:xfrm>
+                <a:off x="9936184" y="2301823"/>
+                <a:ext cx="381131" cy="230832"/>
+              </a:xfrm>
+              <a:prstGeom prst="rect">
+                <a:avLst/>
+              </a:prstGeom>
+              <a:blipFill>
+                <a:blip r:embed="rId8"/>
+                <a:stretch>
+                  <a:fillRect r="-9677"/>
+                </a:stretch>
+              </a:blipFill>
+            </p:spPr>
+            <p:txBody>
+              <a:bodyPr/>
+              <a:lstStyle/>
+              <a:p>
+                <a:r>
+                  <a:rPr lang="ko-KR" altLang="en-US">
+                    <a:noFill/>
+                  </a:rPr>
+                  <a:t> </a:t>
+                </a:r>
+              </a:p>
+            </p:txBody>
+          </p:sp>
+        </mc:Fallback>
+      </mc:AlternateContent>
+      <mc:AlternateContent xmlns:mc="http://schemas.openxmlformats.org/markup-compatibility/2006">
+        <mc:Choice xmlns:a14="http://schemas.microsoft.com/office/drawing/2010/main" Requires="a14">
+          <p:sp>
+            <p:nvSpPr>
+              <p:cNvPr id="41" name="TextBox 40"/>
+              <p:cNvSpPr txBox="1"/>
+              <p:nvPr/>
+            </p:nvSpPr>
+            <p:spPr>
+              <a:xfrm>
+                <a:off x="9902846" y="2744736"/>
+                <a:ext cx="381131" cy="230832"/>
+              </a:xfrm>
+              <a:prstGeom prst="rect">
+                <a:avLst/>
+              </a:prstGeom>
+              <a:noFill/>
+            </p:spPr>
+            <p:txBody>
+              <a:bodyPr wrap="square" rtlCol="0">
+                <a:spAutoFit/>
+              </a:bodyPr>
+              <a:lstStyle/>
+              <a:p>
+                <a:pPr/>
+                <a14:m>
+                  <m:oMathPara xmlns:m="http://schemas.openxmlformats.org/officeDocument/2006/math">
+                    <m:oMathParaPr>
+                      <m:jc m:val="center"/>
+                    </m:oMathParaPr>
+                    <m:oMath xmlns:m="http://schemas.openxmlformats.org/officeDocument/2006/math">
+                      <m:r>
+                        <a:rPr lang="en-US" altLang="ko-KR" sz="900" b="0" i="1" smtClean="0">
+                          <a:solidFill>
+                            <a:schemeClr val="bg1"/>
+                          </a:solidFill>
+                          <a:latin typeface="Cambria Math" panose="02040503050406030204" pitchFamily="18" charset="0"/>
+                          <a:ea typeface="G마켓 산스 TTF Medium" panose="02000000000000000000" pitchFamily="2" charset="-127"/>
+                        </a:rPr>
+                        <m:t>(</m:t>
+                      </m:r>
+                      <m:r>
+                        <a:rPr lang="en-US" altLang="ko-KR" sz="900" b="0" i="0" smtClean="0">
+                          <a:solidFill>
+                            <a:schemeClr val="bg1"/>
+                          </a:solidFill>
+                          <a:latin typeface="Cambria Math" panose="02040503050406030204" pitchFamily="18" charset="0"/>
+                          <a:ea typeface="G마켓 산스 TTF Medium" panose="02000000000000000000" pitchFamily="2" charset="-127"/>
+                        </a:rPr>
+                        <m:t>1, −1)</m:t>
+                      </m:r>
+                    </m:oMath>
+                  </m:oMathPara>
+                </a14:m>
+                <a:endParaRPr lang="ko-KR" altLang="en-US" sz="900" dirty="0" smtClean="0">
+                  <a:solidFill>
+                    <a:schemeClr val="bg1"/>
+                  </a:solidFill>
+                  <a:latin typeface="G마켓 산스 TTF Medium" panose="02000000000000000000" pitchFamily="2" charset="-127"/>
+                  <a:ea typeface="G마켓 산스 TTF Medium" panose="02000000000000000000" pitchFamily="2" charset="-127"/>
+                </a:endParaRPr>
+              </a:p>
+            </p:txBody>
+          </p:sp>
+        </mc:Choice>
+        <mc:Fallback>
+          <p:sp>
+            <p:nvSpPr>
+              <p:cNvPr id="41" name="TextBox 40"/>
+              <p:cNvSpPr txBox="1">
+                <a:spLocks noRot="1" noChangeAspect="1" noMove="1" noResize="1" noEditPoints="1" noAdjustHandles="1" noChangeArrowheads="1" noChangeShapeType="1" noTextEdit="1"/>
+              </p:cNvSpPr>
+              <p:nvPr/>
+            </p:nvSpPr>
+            <p:spPr>
+              <a:xfrm>
+                <a:off x="9902846" y="2744736"/>
+                <a:ext cx="381131" cy="230832"/>
+              </a:xfrm>
+              <a:prstGeom prst="rect">
+                <a:avLst/>
+              </a:prstGeom>
+              <a:blipFill>
+                <a:blip r:embed="rId9"/>
+                <a:stretch>
+                  <a:fillRect r="-30159"/>
+                </a:stretch>
+              </a:blipFill>
+            </p:spPr>
+            <p:txBody>
+              <a:bodyPr/>
+              <a:lstStyle/>
+              <a:p>
+                <a:r>
+                  <a:rPr lang="ko-KR" altLang="en-US">
+                    <a:noFill/>
+                  </a:rPr>
+                  <a:t> </a:t>
+                </a:r>
+              </a:p>
+            </p:txBody>
+          </p:sp>
+        </mc:Fallback>
+      </mc:AlternateContent>
+      <mc:AlternateContent xmlns:mc="http://schemas.openxmlformats.org/markup-compatibility/2006">
+        <mc:Choice xmlns:a14="http://schemas.microsoft.com/office/drawing/2010/main" Requires="a14">
+          <p:sp>
+            <p:nvSpPr>
+              <p:cNvPr id="42" name="TextBox 41"/>
+              <p:cNvSpPr txBox="1"/>
+              <p:nvPr/>
+            </p:nvSpPr>
+            <p:spPr>
+              <a:xfrm>
+                <a:off x="9498672" y="1848348"/>
+                <a:ext cx="381131" cy="230832"/>
+              </a:xfrm>
+              <a:prstGeom prst="rect">
+                <a:avLst/>
+              </a:prstGeom>
+              <a:noFill/>
+            </p:spPr>
+            <p:txBody>
+              <a:bodyPr wrap="square" rtlCol="0">
+                <a:spAutoFit/>
+              </a:bodyPr>
+              <a:lstStyle/>
+              <a:p>
+                <a:pPr/>
+                <a14:m>
+                  <m:oMathPara xmlns:m="http://schemas.openxmlformats.org/officeDocument/2006/math">
+                    <m:oMathParaPr>
+                      <m:jc m:val="center"/>
+                    </m:oMathParaPr>
+                    <m:oMath xmlns:m="http://schemas.openxmlformats.org/officeDocument/2006/math">
+                      <m:r>
+                        <a:rPr lang="en-US" altLang="ko-KR" sz="900" b="0" i="1" smtClean="0">
+                          <a:solidFill>
+                            <a:schemeClr val="bg1"/>
+                          </a:solidFill>
+                          <a:latin typeface="Cambria Math" panose="02040503050406030204" pitchFamily="18" charset="0"/>
+                          <a:ea typeface="G마켓 산스 TTF Medium" panose="02000000000000000000" pitchFamily="2" charset="-127"/>
+                        </a:rPr>
+                        <m:t>(</m:t>
+                      </m:r>
+                      <m:r>
+                        <a:rPr lang="en-US" altLang="ko-KR" sz="900" b="0" i="0" smtClean="0">
+                          <a:solidFill>
+                            <a:schemeClr val="bg1"/>
+                          </a:solidFill>
+                          <a:latin typeface="Cambria Math" panose="02040503050406030204" pitchFamily="18" charset="0"/>
+                          <a:ea typeface="G마켓 산스 TTF Medium" panose="02000000000000000000" pitchFamily="2" charset="-127"/>
+                        </a:rPr>
+                        <m:t>0, 1)</m:t>
+                      </m:r>
+                    </m:oMath>
+                  </m:oMathPara>
+                </a14:m>
+                <a:endParaRPr lang="ko-KR" altLang="en-US" sz="900" dirty="0" smtClean="0">
+                  <a:solidFill>
+                    <a:schemeClr val="bg1"/>
+                  </a:solidFill>
+                  <a:latin typeface="G마켓 산스 TTF Medium" panose="02000000000000000000" pitchFamily="2" charset="-127"/>
+                  <a:ea typeface="G마켓 산스 TTF Medium" panose="02000000000000000000" pitchFamily="2" charset="-127"/>
+                </a:endParaRPr>
+              </a:p>
+            </p:txBody>
+          </p:sp>
+        </mc:Choice>
+        <mc:Fallback>
+          <p:sp>
+            <p:nvSpPr>
+              <p:cNvPr id="42" name="TextBox 41"/>
+              <p:cNvSpPr txBox="1">
+                <a:spLocks noRot="1" noChangeAspect="1" noMove="1" noResize="1" noEditPoints="1" noAdjustHandles="1" noChangeArrowheads="1" noChangeShapeType="1" noTextEdit="1"/>
+              </p:cNvSpPr>
+              <p:nvPr/>
+            </p:nvSpPr>
+            <p:spPr>
+              <a:xfrm>
+                <a:off x="9498672" y="1848348"/>
+                <a:ext cx="381131" cy="230832"/>
+              </a:xfrm>
+              <a:prstGeom prst="rect">
+                <a:avLst/>
+              </a:prstGeom>
+              <a:blipFill>
+                <a:blip r:embed="rId10"/>
+                <a:stretch>
+                  <a:fillRect r="-7937"/>
+                </a:stretch>
+              </a:blipFill>
+            </p:spPr>
+            <p:txBody>
+              <a:bodyPr/>
+              <a:lstStyle/>
+              <a:p>
+                <a:r>
+                  <a:rPr lang="ko-KR" altLang="en-US">
+                    <a:noFill/>
+                  </a:rPr>
+                  <a:t> </a:t>
+                </a:r>
+              </a:p>
+            </p:txBody>
+          </p:sp>
+        </mc:Fallback>
+      </mc:AlternateContent>
+      <p:pic>
+        <p:nvPicPr>
+          <p:cNvPr id="20" name="그림 19"/>
+          <p:cNvPicPr>
+            <a:picLocks noChangeAspect="1"/>
+          </p:cNvPicPr>
+          <p:nvPr/>
+        </p:nvPicPr>
+        <p:blipFill>
+          <a:blip r:embed="rId11"/>
+          <a:stretch>
+            <a:fillRect/>
+          </a:stretch>
+        </p:blipFill>
+        <p:spPr>
+          <a:xfrm>
+            <a:off x="3318191" y="2711573"/>
+            <a:ext cx="6564874" cy="2712248"/>
+          </a:xfrm>
+          <a:prstGeom prst="rect">
+            <a:avLst/>
+          </a:prstGeom>
+        </p:spPr>
+      </p:pic>
+      <p:sp>
+        <p:nvSpPr>
+          <p:cNvPr id="22" name="TextBox 21"/>
+          <p:cNvSpPr txBox="1"/>
+          <p:nvPr/>
+        </p:nvSpPr>
+        <p:spPr>
+          <a:xfrm>
+            <a:off x="1729404" y="1440245"/>
+            <a:ext cx="2939143" cy="923330"/>
+          </a:xfrm>
+          <a:prstGeom prst="rect">
+            <a:avLst/>
+          </a:prstGeom>
+          <a:noFill/>
+        </p:spPr>
+        <p:txBody>
+          <a:bodyPr wrap="square" rtlCol="0">
+            <a:spAutoFit/>
+          </a:bodyPr>
+          <a:lstStyle/>
+          <a:p>
+            <a:pPr marL="342900" indent="-342900">
+              <a:buAutoNum type="arabicPeriod"/>
+            </a:pPr>
+            <a:r>
+              <a:rPr lang="ko-KR" altLang="en-US" dirty="0" err="1" smtClean="0">
+                <a:latin typeface="G마켓 산스 TTF Medium" panose="02000000000000000000" pitchFamily="2" charset="-127"/>
+                <a:ea typeface="G마켓 산스 TTF Medium" panose="02000000000000000000" pitchFamily="2" charset="-127"/>
+              </a:rPr>
+              <a:t>테트리스</a:t>
+            </a:r>
+            <a:r>
+              <a:rPr lang="en-US" altLang="ko-KR" dirty="0" smtClean="0">
+                <a:latin typeface="G마켓 산스 TTF Medium" panose="02000000000000000000" pitchFamily="2" charset="-127"/>
+                <a:ea typeface="G마켓 산스 TTF Medium" panose="02000000000000000000" pitchFamily="2" charset="-127"/>
+              </a:rPr>
+              <a:t> </a:t>
+            </a:r>
+            <a:r>
+              <a:rPr lang="ko-KR" altLang="en-US" dirty="0" err="1" smtClean="0">
+                <a:latin typeface="G마켓 산스 TTF Medium" panose="02000000000000000000" pitchFamily="2" charset="-127"/>
+                <a:ea typeface="G마켓 산스 TTF Medium" panose="02000000000000000000" pitchFamily="2" charset="-127"/>
+              </a:rPr>
+              <a:t>플로우</a:t>
+            </a:r>
+            <a:r>
+              <a:rPr lang="ko-KR" altLang="en-US" dirty="0" smtClean="0">
+                <a:latin typeface="G마켓 산스 TTF Medium" panose="02000000000000000000" pitchFamily="2" charset="-127"/>
+                <a:ea typeface="G마켓 산스 TTF Medium" panose="02000000000000000000" pitchFamily="2" charset="-127"/>
+              </a:rPr>
+              <a:t> 차트</a:t>
+            </a:r>
+            <a:endParaRPr lang="en-US" altLang="ko-KR" dirty="0" smtClean="0">
+              <a:latin typeface="G마켓 산스 TTF Medium" panose="02000000000000000000" pitchFamily="2" charset="-127"/>
+              <a:ea typeface="G마켓 산스 TTF Medium" panose="02000000000000000000" pitchFamily="2" charset="-127"/>
+            </a:endParaRPr>
+          </a:p>
+          <a:p>
+            <a:pPr marL="342900" indent="-342900">
+              <a:buAutoNum type="arabicPeriod"/>
+            </a:pPr>
+            <a:r>
+              <a:rPr lang="ko-KR" altLang="en-US" dirty="0" smtClean="0">
+                <a:latin typeface="G마켓 산스 TTF Medium" panose="02000000000000000000" pitchFamily="2" charset="-127"/>
+                <a:ea typeface="G마켓 산스 TTF Medium" panose="02000000000000000000" pitchFamily="2" charset="-127"/>
+              </a:rPr>
+              <a:t>유닛 </a:t>
+            </a:r>
+            <a:r>
+              <a:rPr lang="en-US" altLang="ko-KR" dirty="0" smtClean="0">
+                <a:latin typeface="G마켓 산스 TTF Medium" panose="02000000000000000000" pitchFamily="2" charset="-127"/>
+                <a:ea typeface="G마켓 산스 TTF Medium" panose="02000000000000000000" pitchFamily="2" charset="-127"/>
+              </a:rPr>
+              <a:t>FSM</a:t>
+            </a:r>
+          </a:p>
+          <a:p>
+            <a:pPr marL="342900" indent="-342900">
+              <a:buAutoNum type="arabicPeriod"/>
+            </a:pPr>
+            <a:r>
+              <a:rPr lang="ko-KR" altLang="en-US" dirty="0" smtClean="0">
+                <a:latin typeface="G마켓 산스 TTF Medium" panose="02000000000000000000" pitchFamily="2" charset="-127"/>
+                <a:ea typeface="G마켓 산스 TTF Medium" panose="02000000000000000000" pitchFamily="2" charset="-127"/>
+              </a:rPr>
+              <a:t>딜 메커니즘</a:t>
+            </a:r>
+            <a:endParaRPr lang="ko-KR" altLang="en-US" dirty="0" smtClean="0">
+              <a:latin typeface="G마켓 산스 TTF Medium" panose="02000000000000000000" pitchFamily="2" charset="-127"/>
+              <a:ea typeface="G마켓 산스 TTF Medium" panose="02000000000000000000" pitchFamily="2" charset="-127"/>
+            </a:endParaRPr>
+          </a:p>
+        </p:txBody>
+      </p:sp>
     </p:spTree>
     <p:extLst>
       <p:ext uri="{BB962C8B-B14F-4D97-AF65-F5344CB8AC3E}">
@@ -4643,6 +5691,2413 @@
 </file>
 
 <file path=ppt/slides/slide11.xml><?xml version="1.0" encoding="utf-8"?>
+<p:sld xmlns:a="http://schemas.openxmlformats.org/drawingml/2006/main" xmlns:r="http://schemas.openxmlformats.org/officeDocument/2006/relationships" xmlns:p="http://schemas.openxmlformats.org/presentationml/2006/main">
+  <p:cSld>
+    <p:spTree>
+      <p:nvGrpSpPr>
+        <p:cNvPr id="1" name=""/>
+        <p:cNvGrpSpPr/>
+        <p:nvPr/>
+      </p:nvGrpSpPr>
+      <p:grpSpPr>
+        <a:xfrm>
+          <a:off x="0" y="0"/>
+          <a:ext cx="0" cy="0"/>
+          <a:chOff x="0" y="0"/>
+          <a:chExt cx="0" cy="0"/>
+        </a:xfrm>
+      </p:grpSpPr>
+      <p:sp>
+        <p:nvSpPr>
+          <p:cNvPr id="14" name="직사각형 13"/>
+          <p:cNvSpPr/>
+          <p:nvPr/>
+        </p:nvSpPr>
+        <p:spPr>
+          <a:xfrm>
+            <a:off x="1315068" y="2548724"/>
+            <a:ext cx="7624800" cy="3812400"/>
+          </a:xfrm>
+          <a:prstGeom prst="rect">
+            <a:avLst/>
+          </a:prstGeom>
+          <a:blipFill dpi="0" rotWithShape="1">
+            <a:blip r:embed="rId2">
+              <a:alphaModFix amt="50000"/>
+            </a:blip>
+            <a:srcRect/>
+            <a:stretch>
+              <a:fillRect/>
+            </a:stretch>
+          </a:blipFill>
+        </p:spPr>
+        <p:style>
+          <a:lnRef idx="2">
+            <a:schemeClr val="accent1">
+              <a:shade val="50000"/>
+            </a:schemeClr>
+          </a:lnRef>
+          <a:fillRef idx="1">
+            <a:schemeClr val="accent1"/>
+          </a:fillRef>
+          <a:effectRef idx="0">
+            <a:schemeClr val="accent1"/>
+          </a:effectRef>
+          <a:fontRef idx="minor">
+            <a:schemeClr val="lt1"/>
+          </a:fontRef>
+        </p:style>
+        <p:txBody>
+          <a:bodyPr rtlCol="0" anchor="ctr"/>
+          <a:lstStyle/>
+          <a:p>
+            <a:pPr algn="ctr"/>
+            <a:endParaRPr lang="ko-KR" altLang="en-US"/>
+          </a:p>
+        </p:txBody>
+      </p:sp>
+      <p:sp>
+        <p:nvSpPr>
+          <p:cNvPr id="3" name="직사각형 2"/>
+          <p:cNvSpPr/>
+          <p:nvPr/>
+        </p:nvSpPr>
+        <p:spPr>
+          <a:xfrm>
+            <a:off x="955254" y="1278000"/>
+            <a:ext cx="54000" cy="5580000"/>
+          </a:xfrm>
+          <a:prstGeom prst="rect">
+            <a:avLst/>
+          </a:prstGeom>
+          <a:solidFill>
+            <a:srgbClr val="323232"/>
+          </a:solidFill>
+          <a:ln w="12700">
+            <a:noFill/>
+          </a:ln>
+        </p:spPr>
+        <p:style>
+          <a:lnRef idx="2">
+            <a:schemeClr val="accent1">
+              <a:shade val="50000"/>
+            </a:schemeClr>
+          </a:lnRef>
+          <a:fillRef idx="1">
+            <a:schemeClr val="accent1"/>
+          </a:fillRef>
+          <a:effectRef idx="0">
+            <a:schemeClr val="accent1"/>
+          </a:effectRef>
+          <a:fontRef idx="minor">
+            <a:schemeClr val="lt1"/>
+          </a:fontRef>
+        </p:style>
+        <p:txBody>
+          <a:bodyPr rtlCol="0" anchor="ctr"/>
+          <a:lstStyle/>
+          <a:p>
+            <a:pPr algn="ctr"/>
+            <a:endParaRPr lang="ko-KR" altLang="en-US"/>
+          </a:p>
+        </p:txBody>
+      </p:sp>
+      <p:sp>
+        <p:nvSpPr>
+          <p:cNvPr id="25" name="직사각형 24"/>
+          <p:cNvSpPr/>
+          <p:nvPr/>
+        </p:nvSpPr>
+        <p:spPr>
+          <a:xfrm rot="16200000">
+            <a:off x="6069002" y="-4845605"/>
+            <a:ext cx="54000" cy="12192001"/>
+          </a:xfrm>
+          <a:prstGeom prst="rect">
+            <a:avLst/>
+          </a:prstGeom>
+          <a:solidFill>
+            <a:srgbClr val="323232"/>
+          </a:solidFill>
+          <a:ln w="12700">
+            <a:noFill/>
+          </a:ln>
+        </p:spPr>
+        <p:style>
+          <a:lnRef idx="2">
+            <a:schemeClr val="accent1">
+              <a:shade val="50000"/>
+            </a:schemeClr>
+          </a:lnRef>
+          <a:fillRef idx="1">
+            <a:schemeClr val="accent1"/>
+          </a:fillRef>
+          <a:effectRef idx="0">
+            <a:schemeClr val="accent1"/>
+          </a:effectRef>
+          <a:fontRef idx="minor">
+            <a:schemeClr val="lt1"/>
+          </a:fontRef>
+        </p:style>
+        <p:txBody>
+          <a:bodyPr rtlCol="0" anchor="ctr"/>
+          <a:lstStyle/>
+          <a:p>
+            <a:pPr algn="ctr"/>
+            <a:endParaRPr lang="ko-KR" altLang="en-US"/>
+          </a:p>
+        </p:txBody>
+      </p:sp>
+      <p:grpSp>
+        <p:nvGrpSpPr>
+          <p:cNvPr id="2" name="그룹 1"/>
+          <p:cNvGrpSpPr/>
+          <p:nvPr/>
+        </p:nvGrpSpPr>
+        <p:grpSpPr>
+          <a:xfrm>
+            <a:off x="1" y="51641"/>
+            <a:ext cx="12191998" cy="1015663"/>
+            <a:chOff x="0" y="-62796"/>
+            <a:chExt cx="12191998" cy="1015663"/>
+          </a:xfrm>
+        </p:grpSpPr>
+        <p:sp>
+          <p:nvSpPr>
+            <p:cNvPr id="6" name="TextBox 5"/>
+            <p:cNvSpPr txBox="1"/>
+            <p:nvPr/>
+          </p:nvSpPr>
+          <p:spPr>
+            <a:xfrm>
+              <a:off x="955253" y="113884"/>
+              <a:ext cx="11236745" cy="830997"/>
+            </a:xfrm>
+            <a:prstGeom prst="rect">
+              <a:avLst/>
+            </a:prstGeom>
+            <a:noFill/>
+          </p:spPr>
+          <p:txBody>
+            <a:bodyPr wrap="square" rtlCol="0">
+              <a:spAutoFit/>
+            </a:bodyPr>
+            <a:lstStyle/>
+            <a:p>
+              <a:r>
+                <a:rPr lang="en-US" altLang="ko-KR" sz="4800" dirty="0" smtClean="0">
+                  <a:solidFill>
+                    <a:srgbClr val="323232"/>
+                  </a:solidFill>
+                  <a:latin typeface="G마켓 산스 TTF Medium" panose="02000000000000000000" pitchFamily="2" charset="-127"/>
+                  <a:ea typeface="G마켓 산스 TTF Medium" panose="02000000000000000000" pitchFamily="2" charset="-127"/>
+                </a:rPr>
+                <a:t>. </a:t>
+              </a:r>
+              <a:r>
+                <a:rPr lang="ko-KR" altLang="en-US" sz="4800" dirty="0" smtClean="0">
+                  <a:solidFill>
+                    <a:srgbClr val="323232"/>
+                  </a:solidFill>
+                  <a:latin typeface="G마켓 산스 TTF Medium" panose="02000000000000000000" pitchFamily="2" charset="-127"/>
+                  <a:ea typeface="G마켓 산스 TTF Medium" panose="02000000000000000000" pitchFamily="2" charset="-127"/>
+                </a:rPr>
+                <a:t>코드 </a:t>
+              </a:r>
+              <a:r>
+                <a:rPr lang="ko-KR" altLang="en-US" sz="4800" dirty="0" smtClean="0">
+                  <a:solidFill>
+                    <a:srgbClr val="323232"/>
+                  </a:solidFill>
+                  <a:latin typeface="G마켓 산스 TTF Medium" panose="02000000000000000000" pitchFamily="2" charset="-127"/>
+                  <a:ea typeface="G마켓 산스 TTF Medium" panose="02000000000000000000" pitchFamily="2" charset="-127"/>
+                </a:rPr>
+                <a:t>도식화</a:t>
+              </a:r>
+              <a:r>
+                <a:rPr lang="ko-KR" altLang="en-US" sz="4800" dirty="0" smtClean="0">
+                  <a:solidFill>
+                    <a:srgbClr val="323232"/>
+                  </a:solidFill>
+                  <a:latin typeface="G마켓 산스 TTF Medium" panose="02000000000000000000" pitchFamily="2" charset="-127"/>
+                  <a:ea typeface="G마켓 산스 TTF Medium" panose="02000000000000000000" pitchFamily="2" charset="-127"/>
+                </a:rPr>
+                <a:t> </a:t>
+              </a:r>
+              <a:r>
+                <a:rPr lang="en-US" altLang="ko-KR" sz="4800" dirty="0" smtClean="0">
+                  <a:solidFill>
+                    <a:schemeClr val="tx1">
+                      <a:lumMod val="50000"/>
+                      <a:lumOff val="50000"/>
+                    </a:schemeClr>
+                  </a:solidFill>
+                  <a:latin typeface="G마켓 산스 TTF Medium" panose="02000000000000000000" pitchFamily="2" charset="-127"/>
+                  <a:ea typeface="G마켓 산스 TTF Medium" panose="02000000000000000000" pitchFamily="2" charset="-127"/>
+                </a:rPr>
+                <a:t>– </a:t>
+              </a:r>
+              <a:r>
+                <a:rPr lang="ko-KR" altLang="en-US" sz="4800" dirty="0" smtClean="0">
+                  <a:solidFill>
+                    <a:schemeClr val="tx1">
+                      <a:lumMod val="50000"/>
+                      <a:lumOff val="50000"/>
+                    </a:schemeClr>
+                  </a:solidFill>
+                  <a:latin typeface="G마켓 산스 TTF Medium" panose="02000000000000000000" pitchFamily="2" charset="-127"/>
+                  <a:ea typeface="G마켓 산스 TTF Medium" panose="02000000000000000000" pitchFamily="2" charset="-127"/>
+                </a:rPr>
+                <a:t>코드 분석과 해설</a:t>
+              </a:r>
+              <a:endParaRPr lang="ko-KR" altLang="en-US" sz="4800" dirty="0">
+                <a:solidFill>
+                  <a:schemeClr val="tx1">
+                    <a:lumMod val="50000"/>
+                    <a:lumOff val="50000"/>
+                  </a:schemeClr>
+                </a:solidFill>
+                <a:latin typeface="G마켓 산스 TTF Medium" panose="02000000000000000000" pitchFamily="2" charset="-127"/>
+                <a:ea typeface="G마켓 산스 TTF Medium" panose="02000000000000000000" pitchFamily="2" charset="-127"/>
+              </a:endParaRPr>
+            </a:p>
+          </p:txBody>
+        </p:sp>
+        <p:sp>
+          <p:nvSpPr>
+            <p:cNvPr id="21" name="TextBox 20"/>
+            <p:cNvSpPr txBox="1"/>
+            <p:nvPr/>
+          </p:nvSpPr>
+          <p:spPr>
+            <a:xfrm>
+              <a:off x="0" y="-62796"/>
+              <a:ext cx="1263535" cy="1015663"/>
+            </a:xfrm>
+            <a:prstGeom prst="rect">
+              <a:avLst/>
+            </a:prstGeom>
+            <a:noFill/>
+          </p:spPr>
+          <p:txBody>
+            <a:bodyPr wrap="square" rtlCol="0">
+              <a:spAutoFit/>
+            </a:bodyPr>
+            <a:lstStyle/>
+            <a:p>
+              <a:pPr algn="ctr"/>
+              <a:r>
+                <a:rPr lang="en-US" altLang="ko-KR" sz="6000" dirty="0" smtClean="0">
+                  <a:solidFill>
+                    <a:srgbClr val="323232"/>
+                  </a:solidFill>
+                  <a:latin typeface="Arial" panose="020B0604020202020204" pitchFamily="34" charset="0"/>
+                  <a:ea typeface="G마켓 산스 TTF Medium" panose="02000000000000000000" pitchFamily="2" charset="-127"/>
+                  <a:cs typeface="Arial" panose="020B0604020202020204" pitchFamily="34" charset="0"/>
+                </a:rPr>
+                <a:t>03</a:t>
+              </a:r>
+              <a:endParaRPr lang="ko-KR" altLang="en-US" sz="6000" dirty="0">
+                <a:solidFill>
+                  <a:srgbClr val="323232"/>
+                </a:solidFill>
+                <a:latin typeface="Arial" panose="020B0604020202020204" pitchFamily="34" charset="0"/>
+                <a:ea typeface="G마켓 산스 TTF Medium" panose="02000000000000000000" pitchFamily="2" charset="-127"/>
+                <a:cs typeface="Arial" panose="020B0604020202020204" pitchFamily="34" charset="0"/>
+              </a:endParaRPr>
+            </a:p>
+          </p:txBody>
+        </p:sp>
+      </p:grpSp>
+      <p:sp>
+        <p:nvSpPr>
+          <p:cNvPr id="60" name="직사각형 59"/>
+          <p:cNvSpPr/>
+          <p:nvPr/>
+        </p:nvSpPr>
+        <p:spPr>
+          <a:xfrm>
+            <a:off x="1009254" y="1277396"/>
+            <a:ext cx="11182749" cy="5580603"/>
+          </a:xfrm>
+          <a:prstGeom prst="rect">
+            <a:avLst/>
+          </a:prstGeom>
+          <a:noFill/>
+          <a:ln>
+            <a:solidFill>
+              <a:srgbClr val="FF0000"/>
+            </a:solidFill>
+          </a:ln>
+        </p:spPr>
+        <p:style>
+          <a:lnRef idx="2">
+            <a:schemeClr val="accent1">
+              <a:shade val="50000"/>
+            </a:schemeClr>
+          </a:lnRef>
+          <a:fillRef idx="1">
+            <a:schemeClr val="accent1"/>
+          </a:fillRef>
+          <a:effectRef idx="0">
+            <a:schemeClr val="accent1"/>
+          </a:effectRef>
+          <a:fontRef idx="minor">
+            <a:schemeClr val="lt1"/>
+          </a:fontRef>
+        </p:style>
+        <p:txBody>
+          <a:bodyPr rtlCol="0" anchor="ctr"/>
+          <a:lstStyle/>
+          <a:p>
+            <a:pPr algn="ctr"/>
+            <a:endParaRPr lang="ko-KR" altLang="en-US"/>
+          </a:p>
+        </p:txBody>
+      </p:sp>
+      <p:grpSp>
+        <p:nvGrpSpPr>
+          <p:cNvPr id="61" name="그룹 60"/>
+          <p:cNvGrpSpPr/>
+          <p:nvPr/>
+        </p:nvGrpSpPr>
+        <p:grpSpPr>
+          <a:xfrm>
+            <a:off x="136262" y="1881932"/>
+            <a:ext cx="682732" cy="433960"/>
+            <a:chOff x="3540919" y="2781745"/>
+            <a:chExt cx="897731" cy="570621"/>
+          </a:xfrm>
+        </p:grpSpPr>
+        <p:sp>
+          <p:nvSpPr>
+            <p:cNvPr id="62" name="TextBox 61"/>
+            <p:cNvSpPr txBox="1"/>
+            <p:nvPr/>
+          </p:nvSpPr>
+          <p:spPr>
+            <a:xfrm>
+              <a:off x="3574382" y="2781745"/>
+              <a:ext cx="807541" cy="552121"/>
+            </a:xfrm>
+            <a:custGeom>
+              <a:avLst/>
+              <a:gdLst/>
+              <a:ahLst/>
+              <a:cxnLst/>
+              <a:rect l="l" t="t" r="r" b="b"/>
+              <a:pathLst>
+                <a:path w="807541" h="552121">
+                  <a:moveTo>
+                    <a:pt x="755749" y="0"/>
+                  </a:moveTo>
+                  <a:lnTo>
+                    <a:pt x="807541" y="0"/>
+                  </a:lnTo>
+                  <a:lnTo>
+                    <a:pt x="807541" y="426522"/>
+                  </a:lnTo>
+                  <a:lnTo>
+                    <a:pt x="727174" y="439606"/>
+                  </a:lnTo>
+                  <a:lnTo>
+                    <a:pt x="727174" y="145108"/>
+                  </a:lnTo>
+                  <a:cubicBezTo>
+                    <a:pt x="707826" y="163562"/>
+                    <a:pt x="682451" y="182017"/>
+                    <a:pt x="651049" y="200472"/>
+                  </a:cubicBezTo>
+                  <a:cubicBezTo>
+                    <a:pt x="619646" y="218926"/>
+                    <a:pt x="591443" y="232767"/>
+                    <a:pt x="566440" y="241995"/>
+                  </a:cubicBezTo>
+                  <a:lnTo>
+                    <a:pt x="566440" y="164306"/>
+                  </a:lnTo>
+                  <a:cubicBezTo>
+                    <a:pt x="611386" y="143173"/>
+                    <a:pt x="650676" y="117574"/>
+                    <a:pt x="684312" y="87511"/>
+                  </a:cubicBezTo>
+                  <a:cubicBezTo>
+                    <a:pt x="717947" y="57448"/>
+                    <a:pt x="741759" y="28277"/>
+                    <a:pt x="755749" y="0"/>
+                  </a:cubicBezTo>
+                  <a:close/>
+                  <a:moveTo>
+                    <a:pt x="213419" y="0"/>
+                  </a:moveTo>
+                  <a:cubicBezTo>
+                    <a:pt x="248543" y="0"/>
+                    <a:pt x="279350" y="7069"/>
+                    <a:pt x="305842" y="21208"/>
+                  </a:cubicBezTo>
+                  <a:cubicBezTo>
+                    <a:pt x="332333" y="35347"/>
+                    <a:pt x="354211" y="55736"/>
+                    <a:pt x="371475" y="82377"/>
+                  </a:cubicBezTo>
+                  <a:cubicBezTo>
+                    <a:pt x="388739" y="109017"/>
+                    <a:pt x="402282" y="141461"/>
+                    <a:pt x="412105" y="179710"/>
+                  </a:cubicBezTo>
+                  <a:cubicBezTo>
+                    <a:pt x="421928" y="217959"/>
+                    <a:pt x="426839" y="269528"/>
+                    <a:pt x="426839" y="334417"/>
+                  </a:cubicBezTo>
+                  <a:cubicBezTo>
+                    <a:pt x="426839" y="372815"/>
+                    <a:pt x="424867" y="407510"/>
+                    <a:pt x="420923" y="438504"/>
+                  </a:cubicBezTo>
+                  <a:lnTo>
+                    <a:pt x="409473" y="491327"/>
+                  </a:lnTo>
+                  <a:lnTo>
+                    <a:pt x="325598" y="504981"/>
+                  </a:lnTo>
+                  <a:lnTo>
+                    <a:pt x="334807" y="468362"/>
+                  </a:lnTo>
+                  <a:cubicBezTo>
+                    <a:pt x="341095" y="432643"/>
+                    <a:pt x="344239" y="387995"/>
+                    <a:pt x="344239" y="334417"/>
+                  </a:cubicBezTo>
+                  <a:cubicBezTo>
+                    <a:pt x="344239" y="226665"/>
+                    <a:pt x="331663" y="155079"/>
+                    <a:pt x="306511" y="119658"/>
+                  </a:cubicBezTo>
+                  <a:cubicBezTo>
+                    <a:pt x="281359" y="84237"/>
+                    <a:pt x="250031" y="66526"/>
+                    <a:pt x="212526" y="66526"/>
+                  </a:cubicBezTo>
+                  <a:cubicBezTo>
+                    <a:pt x="175617" y="66526"/>
+                    <a:pt x="146149" y="82153"/>
+                    <a:pt x="124122" y="113407"/>
+                  </a:cubicBezTo>
+                  <a:cubicBezTo>
+                    <a:pt x="96440" y="153293"/>
+                    <a:pt x="82599" y="226963"/>
+                    <a:pt x="82599" y="334417"/>
+                  </a:cubicBezTo>
+                  <a:cubicBezTo>
+                    <a:pt x="82599" y="415007"/>
+                    <a:pt x="89673" y="475380"/>
+                    <a:pt x="103821" y="515536"/>
+                  </a:cubicBezTo>
+                  <a:lnTo>
+                    <a:pt x="115502" y="539184"/>
+                  </a:lnTo>
+                  <a:lnTo>
+                    <a:pt x="36036" y="552121"/>
+                  </a:lnTo>
+                  <a:lnTo>
+                    <a:pt x="16185" y="493142"/>
+                  </a:lnTo>
+                  <a:cubicBezTo>
+                    <a:pt x="5395" y="448791"/>
+                    <a:pt x="0" y="395883"/>
+                    <a:pt x="0" y="334417"/>
+                  </a:cubicBezTo>
+                  <a:cubicBezTo>
+                    <a:pt x="0" y="257026"/>
+                    <a:pt x="7962" y="194742"/>
+                    <a:pt x="23887" y="147563"/>
+                  </a:cubicBezTo>
+                  <a:cubicBezTo>
+                    <a:pt x="39811" y="100385"/>
+                    <a:pt x="63475" y="63996"/>
+                    <a:pt x="94878" y="38398"/>
+                  </a:cubicBezTo>
+                  <a:cubicBezTo>
+                    <a:pt x="126280" y="12799"/>
+                    <a:pt x="165794" y="0"/>
+                    <a:pt x="213419" y="0"/>
+                  </a:cubicBezTo>
+                  <a:close/>
+                </a:path>
+              </a:pathLst>
+            </a:custGeom>
+            <a:solidFill>
+              <a:schemeClr val="tx1">
+                <a:lumMod val="50000"/>
+                <a:lumOff val="50000"/>
+                <a:alpha val="30000"/>
+              </a:schemeClr>
+            </a:solidFill>
+            <a:ln>
+              <a:noFill/>
+            </a:ln>
+            <a:effectLst/>
+          </p:spPr>
+          <p:txBody>
+            <a:bodyPr rot="0" spcFirstLastPara="0" vertOverflow="overflow" horzOverflow="overflow" vert="horz" wrap="square" lIns="91440" tIns="45720" rIns="91440" bIns="45720" numCol="1" spcCol="0" rtlCol="0" fromWordArt="0" anchor="t" anchorCtr="0" forceAA="0" compatLnSpc="1">
+              <a:prstTxWarp prst="textNoShape">
+                <a:avLst/>
+              </a:prstTxWarp>
+              <a:noAutofit/>
+            </a:bodyPr>
+            <a:lstStyle/>
+            <a:p>
+              <a:pPr algn="ctr"/>
+              <a:endParaRPr lang="ko-KR" altLang="en-US" sz="7200" dirty="0">
+                <a:solidFill>
+                  <a:schemeClr val="tx1">
+                    <a:lumMod val="50000"/>
+                    <a:lumOff val="50000"/>
+                  </a:schemeClr>
+                </a:solidFill>
+                <a:latin typeface="Arial" panose="020B0604020202020204" pitchFamily="34" charset="0"/>
+                <a:ea typeface="G마켓 산스 TTF Medium" panose="02000000000000000000" pitchFamily="2" charset="-127"/>
+                <a:cs typeface="Arial" panose="020B0604020202020204" pitchFamily="34" charset="0"/>
+              </a:endParaRPr>
+            </a:p>
+          </p:txBody>
+        </p:sp>
+        <p:cxnSp>
+          <p:nvCxnSpPr>
+            <p:cNvPr id="63" name="직선 연결선 62"/>
+            <p:cNvCxnSpPr/>
+            <p:nvPr/>
+          </p:nvCxnSpPr>
+          <p:spPr>
+            <a:xfrm flipV="1">
+              <a:off x="3540919" y="3204727"/>
+              <a:ext cx="897731" cy="147639"/>
+            </a:xfrm>
+            <a:prstGeom prst="line">
+              <a:avLst/>
+            </a:prstGeom>
+            <a:ln w="19050">
+              <a:solidFill>
+                <a:srgbClr val="323232">
+                  <a:alpha val="30000"/>
+                </a:srgbClr>
+              </a:solidFill>
+            </a:ln>
+          </p:spPr>
+          <p:style>
+            <a:lnRef idx="1">
+              <a:schemeClr val="accent1"/>
+            </a:lnRef>
+            <a:fillRef idx="0">
+              <a:schemeClr val="accent1"/>
+            </a:fillRef>
+            <a:effectRef idx="0">
+              <a:schemeClr val="accent1"/>
+            </a:effectRef>
+            <a:fontRef idx="minor">
+              <a:schemeClr val="tx1"/>
+            </a:fontRef>
+          </p:style>
+        </p:cxnSp>
+      </p:grpSp>
+      <p:grpSp>
+        <p:nvGrpSpPr>
+          <p:cNvPr id="64" name="그룹 63"/>
+          <p:cNvGrpSpPr/>
+          <p:nvPr/>
+        </p:nvGrpSpPr>
+        <p:grpSpPr>
+          <a:xfrm>
+            <a:off x="109258" y="3193325"/>
+            <a:ext cx="736740" cy="437190"/>
+            <a:chOff x="7683582" y="2781745"/>
+            <a:chExt cx="968747" cy="574866"/>
+          </a:xfrm>
+        </p:grpSpPr>
+        <p:sp>
+          <p:nvSpPr>
+            <p:cNvPr id="65" name="TextBox 64"/>
+            <p:cNvSpPr txBox="1"/>
+            <p:nvPr/>
+          </p:nvSpPr>
+          <p:spPr>
+            <a:xfrm>
+              <a:off x="7726023" y="2781745"/>
+              <a:ext cx="926306" cy="552121"/>
+            </a:xfrm>
+            <a:custGeom>
+              <a:avLst/>
+              <a:gdLst/>
+              <a:ahLst/>
+              <a:cxnLst/>
+              <a:rect l="l" t="t" r="r" b="b"/>
+              <a:pathLst>
+                <a:path w="926306" h="552121">
+                  <a:moveTo>
+                    <a:pt x="722263" y="0"/>
+                  </a:moveTo>
+                  <a:cubicBezTo>
+                    <a:pt x="785068" y="0"/>
+                    <a:pt x="834777" y="17413"/>
+                    <a:pt x="871389" y="52239"/>
+                  </a:cubicBezTo>
+                  <a:cubicBezTo>
+                    <a:pt x="908000" y="87065"/>
+                    <a:pt x="926306" y="130225"/>
+                    <a:pt x="926306" y="181719"/>
+                  </a:cubicBezTo>
+                  <a:cubicBezTo>
+                    <a:pt x="926306" y="207913"/>
+                    <a:pt x="920948" y="233660"/>
+                    <a:pt x="910233" y="258961"/>
+                  </a:cubicBezTo>
+                  <a:cubicBezTo>
+                    <a:pt x="899517" y="284262"/>
+                    <a:pt x="881732" y="310902"/>
+                    <a:pt x="856878" y="338882"/>
+                  </a:cubicBezTo>
+                  <a:cubicBezTo>
+                    <a:pt x="844451" y="352872"/>
+                    <a:pt x="827912" y="369466"/>
+                    <a:pt x="807262" y="388665"/>
+                  </a:cubicBezTo>
+                  <a:lnTo>
+                    <a:pt x="754453" y="435165"/>
+                  </a:lnTo>
+                  <a:lnTo>
+                    <a:pt x="617124" y="457522"/>
+                  </a:lnTo>
+                  <a:lnTo>
+                    <a:pt x="661987" y="415231"/>
+                  </a:lnTo>
+                  <a:cubicBezTo>
+                    <a:pt x="733127" y="356890"/>
+                    <a:pt x="781199" y="310679"/>
+                    <a:pt x="806202" y="276597"/>
+                  </a:cubicBezTo>
+                  <a:cubicBezTo>
+                    <a:pt x="831205" y="242516"/>
+                    <a:pt x="843707" y="210294"/>
+                    <a:pt x="843707" y="179933"/>
+                  </a:cubicBezTo>
+                  <a:cubicBezTo>
+                    <a:pt x="843707" y="148084"/>
+                    <a:pt x="832321" y="121221"/>
+                    <a:pt x="809550" y="99343"/>
+                  </a:cubicBezTo>
+                  <a:cubicBezTo>
+                    <a:pt x="786780" y="77465"/>
+                    <a:pt x="757089" y="66526"/>
+                    <a:pt x="720477" y="66526"/>
+                  </a:cubicBezTo>
+                  <a:cubicBezTo>
+                    <a:pt x="681782" y="66526"/>
+                    <a:pt x="650825" y="78135"/>
+                    <a:pt x="627608" y="101352"/>
+                  </a:cubicBezTo>
+                  <a:cubicBezTo>
+                    <a:pt x="604391" y="124569"/>
+                    <a:pt x="592633" y="156716"/>
+                    <a:pt x="592336" y="197793"/>
+                  </a:cubicBezTo>
+                  <a:lnTo>
+                    <a:pt x="509736" y="189310"/>
+                  </a:lnTo>
+                  <a:cubicBezTo>
+                    <a:pt x="515392" y="127695"/>
+                    <a:pt x="536674" y="80739"/>
+                    <a:pt x="573583" y="48444"/>
+                  </a:cubicBezTo>
+                  <a:cubicBezTo>
+                    <a:pt x="610493" y="16148"/>
+                    <a:pt x="660053" y="0"/>
+                    <a:pt x="722263" y="0"/>
+                  </a:cubicBezTo>
+                  <a:close/>
+                  <a:moveTo>
+                    <a:pt x="213419" y="0"/>
+                  </a:moveTo>
+                  <a:cubicBezTo>
+                    <a:pt x="248543" y="0"/>
+                    <a:pt x="279350" y="7069"/>
+                    <a:pt x="305842" y="21208"/>
+                  </a:cubicBezTo>
+                  <a:cubicBezTo>
+                    <a:pt x="332333" y="35347"/>
+                    <a:pt x="354211" y="55736"/>
+                    <a:pt x="371475" y="82377"/>
+                  </a:cubicBezTo>
+                  <a:cubicBezTo>
+                    <a:pt x="388739" y="109017"/>
+                    <a:pt x="402282" y="141461"/>
+                    <a:pt x="412105" y="179710"/>
+                  </a:cubicBezTo>
+                  <a:cubicBezTo>
+                    <a:pt x="421928" y="217959"/>
+                    <a:pt x="426839" y="269528"/>
+                    <a:pt x="426839" y="334417"/>
+                  </a:cubicBezTo>
+                  <a:cubicBezTo>
+                    <a:pt x="426839" y="372815"/>
+                    <a:pt x="424867" y="407510"/>
+                    <a:pt x="420923" y="438504"/>
+                  </a:cubicBezTo>
+                  <a:lnTo>
+                    <a:pt x="409473" y="491327"/>
+                  </a:lnTo>
+                  <a:lnTo>
+                    <a:pt x="325598" y="504981"/>
+                  </a:lnTo>
+                  <a:lnTo>
+                    <a:pt x="334807" y="468362"/>
+                  </a:lnTo>
+                  <a:cubicBezTo>
+                    <a:pt x="341095" y="432643"/>
+                    <a:pt x="344239" y="387995"/>
+                    <a:pt x="344239" y="334417"/>
+                  </a:cubicBezTo>
+                  <a:cubicBezTo>
+                    <a:pt x="344239" y="226665"/>
+                    <a:pt x="331663" y="155079"/>
+                    <a:pt x="306511" y="119658"/>
+                  </a:cubicBezTo>
+                  <a:cubicBezTo>
+                    <a:pt x="281359" y="84237"/>
+                    <a:pt x="250031" y="66526"/>
+                    <a:pt x="212526" y="66526"/>
+                  </a:cubicBezTo>
+                  <a:cubicBezTo>
+                    <a:pt x="175617" y="66526"/>
+                    <a:pt x="146149" y="82153"/>
+                    <a:pt x="124123" y="113407"/>
+                  </a:cubicBezTo>
+                  <a:cubicBezTo>
+                    <a:pt x="96441" y="153293"/>
+                    <a:pt x="82600" y="226963"/>
+                    <a:pt x="82600" y="334417"/>
+                  </a:cubicBezTo>
+                  <a:cubicBezTo>
+                    <a:pt x="82600" y="415007"/>
+                    <a:pt x="89674" y="475380"/>
+                    <a:pt x="103822" y="515536"/>
+                  </a:cubicBezTo>
+                  <a:lnTo>
+                    <a:pt x="115502" y="539184"/>
+                  </a:lnTo>
+                  <a:lnTo>
+                    <a:pt x="36036" y="552121"/>
+                  </a:lnTo>
+                  <a:lnTo>
+                    <a:pt x="16185" y="493142"/>
+                  </a:lnTo>
+                  <a:cubicBezTo>
+                    <a:pt x="5395" y="448791"/>
+                    <a:pt x="0" y="395883"/>
+                    <a:pt x="0" y="334417"/>
+                  </a:cubicBezTo>
+                  <a:cubicBezTo>
+                    <a:pt x="0" y="257026"/>
+                    <a:pt x="7962" y="194742"/>
+                    <a:pt x="23887" y="147563"/>
+                  </a:cubicBezTo>
+                  <a:cubicBezTo>
+                    <a:pt x="39811" y="100385"/>
+                    <a:pt x="63475" y="63996"/>
+                    <a:pt x="94878" y="38398"/>
+                  </a:cubicBezTo>
+                  <a:cubicBezTo>
+                    <a:pt x="126281" y="12799"/>
+                    <a:pt x="165794" y="0"/>
+                    <a:pt x="213419" y="0"/>
+                  </a:cubicBezTo>
+                  <a:close/>
+                </a:path>
+              </a:pathLst>
+            </a:custGeom>
+            <a:solidFill>
+              <a:schemeClr val="tx1">
+                <a:lumMod val="50000"/>
+                <a:lumOff val="50000"/>
+                <a:alpha val="30000"/>
+              </a:schemeClr>
+            </a:solidFill>
+            <a:ln>
+              <a:noFill/>
+            </a:ln>
+            <a:effectLst/>
+          </p:spPr>
+          <p:txBody>
+            <a:bodyPr rot="0" spcFirstLastPara="0" vertOverflow="overflow" horzOverflow="overflow" vert="horz" wrap="square" lIns="91440" tIns="45720" rIns="91440" bIns="45720" numCol="1" spcCol="0" rtlCol="0" fromWordArt="0" anchor="t" anchorCtr="0" forceAA="0" compatLnSpc="1">
+              <a:prstTxWarp prst="textNoShape">
+                <a:avLst/>
+              </a:prstTxWarp>
+              <a:noAutofit/>
+            </a:bodyPr>
+            <a:lstStyle/>
+            <a:p>
+              <a:pPr algn="ctr"/>
+              <a:endParaRPr lang="ko-KR" altLang="en-US" sz="7200" dirty="0">
+                <a:solidFill>
+                  <a:schemeClr val="tx1">
+                    <a:lumMod val="50000"/>
+                    <a:lumOff val="50000"/>
+                  </a:schemeClr>
+                </a:solidFill>
+                <a:latin typeface="Arial" panose="020B0604020202020204" pitchFamily="34" charset="0"/>
+                <a:ea typeface="G마켓 산스 TTF Medium" panose="02000000000000000000" pitchFamily="2" charset="-127"/>
+                <a:cs typeface="Arial" panose="020B0604020202020204" pitchFamily="34" charset="0"/>
+              </a:endParaRPr>
+            </a:p>
+          </p:txBody>
+        </p:sp>
+        <p:cxnSp>
+          <p:nvCxnSpPr>
+            <p:cNvPr id="66" name="직선 연결선 65"/>
+            <p:cNvCxnSpPr/>
+            <p:nvPr/>
+          </p:nvCxnSpPr>
+          <p:spPr>
+            <a:xfrm flipV="1">
+              <a:off x="7683582" y="3208972"/>
+              <a:ext cx="897731" cy="147639"/>
+            </a:xfrm>
+            <a:prstGeom prst="line">
+              <a:avLst/>
+            </a:prstGeom>
+            <a:ln w="19050">
+              <a:solidFill>
+                <a:srgbClr val="323232">
+                  <a:alpha val="30000"/>
+                </a:srgbClr>
+              </a:solidFill>
+            </a:ln>
+          </p:spPr>
+          <p:style>
+            <a:lnRef idx="1">
+              <a:schemeClr val="accent1"/>
+            </a:lnRef>
+            <a:fillRef idx="0">
+              <a:schemeClr val="accent1"/>
+            </a:fillRef>
+            <a:effectRef idx="0">
+              <a:schemeClr val="accent1"/>
+            </a:effectRef>
+            <a:fontRef idx="minor">
+              <a:schemeClr val="tx1"/>
+            </a:fontRef>
+          </p:style>
+        </p:cxnSp>
+      </p:grpSp>
+      <p:grpSp>
+        <p:nvGrpSpPr>
+          <p:cNvPr id="67" name="그룹 66"/>
+          <p:cNvGrpSpPr/>
+          <p:nvPr/>
+        </p:nvGrpSpPr>
+        <p:grpSpPr>
+          <a:xfrm>
+            <a:off x="121262" y="4507948"/>
+            <a:ext cx="755172" cy="436376"/>
+            <a:chOff x="3540919" y="4902200"/>
+            <a:chExt cx="992983" cy="573797"/>
+          </a:xfrm>
+        </p:grpSpPr>
+        <p:sp>
+          <p:nvSpPr>
+            <p:cNvPr id="68" name="TextBox 67"/>
+            <p:cNvSpPr txBox="1"/>
+            <p:nvPr/>
+          </p:nvSpPr>
+          <p:spPr>
+            <a:xfrm>
+              <a:off x="3574382" y="4902200"/>
+              <a:ext cx="926057" cy="552121"/>
+            </a:xfrm>
+            <a:custGeom>
+              <a:avLst/>
+              <a:gdLst/>
+              <a:ahLst/>
+              <a:cxnLst/>
+              <a:rect l="l" t="t" r="r" b="b"/>
+              <a:pathLst>
+                <a:path w="926057" h="552121">
+                  <a:moveTo>
+                    <a:pt x="710208" y="0"/>
+                  </a:moveTo>
+                  <a:cubicBezTo>
+                    <a:pt x="745926" y="0"/>
+                    <a:pt x="778817" y="7665"/>
+                    <a:pt x="808880" y="22994"/>
+                  </a:cubicBezTo>
+                  <a:cubicBezTo>
+                    <a:pt x="838944" y="38323"/>
+                    <a:pt x="861938" y="59234"/>
+                    <a:pt x="877862" y="85725"/>
+                  </a:cubicBezTo>
+                  <a:cubicBezTo>
+                    <a:pt x="893787" y="112217"/>
+                    <a:pt x="901749" y="140345"/>
+                    <a:pt x="901749" y="170111"/>
+                  </a:cubicBezTo>
+                  <a:cubicBezTo>
+                    <a:pt x="901749" y="198388"/>
+                    <a:pt x="894159" y="224135"/>
+                    <a:pt x="878979" y="247352"/>
+                  </a:cubicBezTo>
+                  <a:cubicBezTo>
+                    <a:pt x="863798" y="270570"/>
+                    <a:pt x="841325" y="289024"/>
+                    <a:pt x="811559" y="302717"/>
+                  </a:cubicBezTo>
+                  <a:cubicBezTo>
+                    <a:pt x="850255" y="311646"/>
+                    <a:pt x="880318" y="330175"/>
+                    <a:pt x="901749" y="358304"/>
+                  </a:cubicBezTo>
+                  <a:cubicBezTo>
+                    <a:pt x="912464" y="372368"/>
+                    <a:pt x="920501" y="388200"/>
+                    <a:pt x="925859" y="405799"/>
+                  </a:cubicBezTo>
+                  <a:lnTo>
+                    <a:pt x="926057" y="407228"/>
+                  </a:lnTo>
+                  <a:lnTo>
+                    <a:pt x="840643" y="421134"/>
+                  </a:lnTo>
+                  <a:lnTo>
+                    <a:pt x="839577" y="415175"/>
+                  </a:lnTo>
+                  <a:cubicBezTo>
+                    <a:pt x="833549" y="399957"/>
+                    <a:pt x="824508" y="386358"/>
+                    <a:pt x="812452" y="374377"/>
+                  </a:cubicBezTo>
+                  <a:cubicBezTo>
+                    <a:pt x="788342" y="350416"/>
+                    <a:pt x="757684" y="338435"/>
+                    <a:pt x="720477" y="338435"/>
+                  </a:cubicBezTo>
+                  <a:cubicBezTo>
+                    <a:pt x="705296" y="338435"/>
+                    <a:pt x="686395" y="341412"/>
+                    <a:pt x="663773" y="347365"/>
+                  </a:cubicBezTo>
+                  <a:lnTo>
+                    <a:pt x="672703" y="276820"/>
+                  </a:lnTo>
+                  <a:cubicBezTo>
+                    <a:pt x="678061" y="277416"/>
+                    <a:pt x="682377" y="277713"/>
+                    <a:pt x="685651" y="277713"/>
+                  </a:cubicBezTo>
+                  <a:cubicBezTo>
+                    <a:pt x="719881" y="277713"/>
+                    <a:pt x="750689" y="268784"/>
+                    <a:pt x="778073" y="250924"/>
+                  </a:cubicBezTo>
+                  <a:cubicBezTo>
+                    <a:pt x="805458" y="233065"/>
+                    <a:pt x="819150" y="205532"/>
+                    <a:pt x="819150" y="168325"/>
+                  </a:cubicBezTo>
+                  <a:cubicBezTo>
+                    <a:pt x="819150" y="138857"/>
+                    <a:pt x="809178" y="114449"/>
+                    <a:pt x="789235" y="95101"/>
+                  </a:cubicBezTo>
+                  <a:cubicBezTo>
+                    <a:pt x="769292" y="75754"/>
+                    <a:pt x="743545" y="66080"/>
+                    <a:pt x="711993" y="66080"/>
+                  </a:cubicBezTo>
+                  <a:cubicBezTo>
+                    <a:pt x="680740" y="66080"/>
+                    <a:pt x="654695" y="75902"/>
+                    <a:pt x="633859" y="95548"/>
+                  </a:cubicBezTo>
+                  <a:cubicBezTo>
+                    <a:pt x="613023" y="115193"/>
+                    <a:pt x="599628" y="144661"/>
+                    <a:pt x="593675" y="183952"/>
+                  </a:cubicBezTo>
+                  <a:lnTo>
+                    <a:pt x="513308" y="169664"/>
+                  </a:lnTo>
+                  <a:cubicBezTo>
+                    <a:pt x="523130" y="115788"/>
+                    <a:pt x="545455" y="74042"/>
+                    <a:pt x="580280" y="44425"/>
+                  </a:cubicBezTo>
+                  <a:cubicBezTo>
+                    <a:pt x="615106" y="14809"/>
+                    <a:pt x="658415" y="0"/>
+                    <a:pt x="710208" y="0"/>
+                  </a:cubicBezTo>
+                  <a:close/>
+                  <a:moveTo>
+                    <a:pt x="213419" y="0"/>
+                  </a:moveTo>
+                  <a:cubicBezTo>
+                    <a:pt x="248543" y="0"/>
+                    <a:pt x="279350" y="7069"/>
+                    <a:pt x="305842" y="21208"/>
+                  </a:cubicBezTo>
+                  <a:cubicBezTo>
+                    <a:pt x="332333" y="35347"/>
+                    <a:pt x="354211" y="55736"/>
+                    <a:pt x="371475" y="82377"/>
+                  </a:cubicBezTo>
+                  <a:cubicBezTo>
+                    <a:pt x="388739" y="109017"/>
+                    <a:pt x="402282" y="141461"/>
+                    <a:pt x="412105" y="179710"/>
+                  </a:cubicBezTo>
+                  <a:cubicBezTo>
+                    <a:pt x="421927" y="217959"/>
+                    <a:pt x="426839" y="269528"/>
+                    <a:pt x="426839" y="334417"/>
+                  </a:cubicBezTo>
+                  <a:cubicBezTo>
+                    <a:pt x="426839" y="372815"/>
+                    <a:pt x="424867" y="407510"/>
+                    <a:pt x="420923" y="438504"/>
+                  </a:cubicBezTo>
+                  <a:lnTo>
+                    <a:pt x="409472" y="491327"/>
+                  </a:lnTo>
+                  <a:lnTo>
+                    <a:pt x="325598" y="504981"/>
+                  </a:lnTo>
+                  <a:lnTo>
+                    <a:pt x="334807" y="468362"/>
+                  </a:lnTo>
+                  <a:cubicBezTo>
+                    <a:pt x="341095" y="432643"/>
+                    <a:pt x="344239" y="387995"/>
+                    <a:pt x="344239" y="334417"/>
+                  </a:cubicBezTo>
+                  <a:cubicBezTo>
+                    <a:pt x="344239" y="226665"/>
+                    <a:pt x="331663" y="155079"/>
+                    <a:pt x="306511" y="119658"/>
+                  </a:cubicBezTo>
+                  <a:cubicBezTo>
+                    <a:pt x="281359" y="84237"/>
+                    <a:pt x="250031" y="66526"/>
+                    <a:pt x="212526" y="66526"/>
+                  </a:cubicBezTo>
+                  <a:cubicBezTo>
+                    <a:pt x="175617" y="66526"/>
+                    <a:pt x="146149" y="82153"/>
+                    <a:pt x="124122" y="113407"/>
+                  </a:cubicBezTo>
+                  <a:cubicBezTo>
+                    <a:pt x="96440" y="153293"/>
+                    <a:pt x="82599" y="226963"/>
+                    <a:pt x="82599" y="334417"/>
+                  </a:cubicBezTo>
+                  <a:cubicBezTo>
+                    <a:pt x="82599" y="415007"/>
+                    <a:pt x="89673" y="475380"/>
+                    <a:pt x="103821" y="515536"/>
+                  </a:cubicBezTo>
+                  <a:lnTo>
+                    <a:pt x="115502" y="539184"/>
+                  </a:lnTo>
+                  <a:lnTo>
+                    <a:pt x="36036" y="552121"/>
+                  </a:lnTo>
+                  <a:lnTo>
+                    <a:pt x="16185" y="493142"/>
+                  </a:lnTo>
+                  <a:cubicBezTo>
+                    <a:pt x="5395" y="448791"/>
+                    <a:pt x="0" y="395883"/>
+                    <a:pt x="0" y="334417"/>
+                  </a:cubicBezTo>
+                  <a:cubicBezTo>
+                    <a:pt x="0" y="257026"/>
+                    <a:pt x="7962" y="194742"/>
+                    <a:pt x="23887" y="147563"/>
+                  </a:cubicBezTo>
+                  <a:cubicBezTo>
+                    <a:pt x="39811" y="100385"/>
+                    <a:pt x="63475" y="63996"/>
+                    <a:pt x="94878" y="38398"/>
+                  </a:cubicBezTo>
+                  <a:cubicBezTo>
+                    <a:pt x="126280" y="12799"/>
+                    <a:pt x="165794" y="0"/>
+                    <a:pt x="213419" y="0"/>
+                  </a:cubicBezTo>
+                  <a:close/>
+                </a:path>
+              </a:pathLst>
+            </a:custGeom>
+            <a:solidFill>
+              <a:schemeClr val="tx1">
+                <a:lumMod val="50000"/>
+                <a:lumOff val="50000"/>
+              </a:schemeClr>
+            </a:solidFill>
+            <a:ln>
+              <a:noFill/>
+            </a:ln>
+            <a:effectLst/>
+          </p:spPr>
+          <p:txBody>
+            <a:bodyPr rot="0" spcFirstLastPara="0" vertOverflow="overflow" horzOverflow="overflow" vert="horz" wrap="square" lIns="91440" tIns="45720" rIns="91440" bIns="45720" numCol="1" spcCol="0" rtlCol="0" fromWordArt="0" anchor="t" anchorCtr="0" forceAA="0" compatLnSpc="1">
+              <a:prstTxWarp prst="textNoShape">
+                <a:avLst/>
+              </a:prstTxWarp>
+              <a:noAutofit/>
+            </a:bodyPr>
+            <a:lstStyle/>
+            <a:p>
+              <a:pPr algn="ctr"/>
+              <a:endParaRPr lang="ko-KR" altLang="en-US" sz="7200" dirty="0">
+                <a:solidFill>
+                  <a:schemeClr val="tx1">
+                    <a:lumMod val="50000"/>
+                    <a:lumOff val="50000"/>
+                  </a:schemeClr>
+                </a:solidFill>
+                <a:latin typeface="Arial" panose="020B0604020202020204" pitchFamily="34" charset="0"/>
+                <a:ea typeface="G마켓 산스 TTF Medium" panose="02000000000000000000" pitchFamily="2" charset="-127"/>
+                <a:cs typeface="Arial" panose="020B0604020202020204" pitchFamily="34" charset="0"/>
+              </a:endParaRPr>
+            </a:p>
+          </p:txBody>
+        </p:sp>
+        <p:cxnSp>
+          <p:nvCxnSpPr>
+            <p:cNvPr id="69" name="직선 연결선 68"/>
+            <p:cNvCxnSpPr/>
+            <p:nvPr/>
+          </p:nvCxnSpPr>
+          <p:spPr>
+            <a:xfrm flipV="1">
+              <a:off x="3540919" y="5312692"/>
+              <a:ext cx="992983" cy="163305"/>
+            </a:xfrm>
+            <a:prstGeom prst="line">
+              <a:avLst/>
+            </a:prstGeom>
+            <a:ln w="19050">
+              <a:solidFill>
+                <a:srgbClr val="323232"/>
+              </a:solidFill>
+            </a:ln>
+          </p:spPr>
+          <p:style>
+            <a:lnRef idx="1">
+              <a:schemeClr val="accent1"/>
+            </a:lnRef>
+            <a:fillRef idx="0">
+              <a:schemeClr val="accent1"/>
+            </a:fillRef>
+            <a:effectRef idx="0">
+              <a:schemeClr val="accent1"/>
+            </a:effectRef>
+            <a:fontRef idx="minor">
+              <a:schemeClr val="tx1"/>
+            </a:fontRef>
+          </p:style>
+        </p:cxnSp>
+      </p:grpSp>
+      <p:grpSp>
+        <p:nvGrpSpPr>
+          <p:cNvPr id="70" name="그룹 69"/>
+          <p:cNvGrpSpPr/>
+          <p:nvPr/>
+        </p:nvGrpSpPr>
+        <p:grpSpPr>
+          <a:xfrm>
+            <a:off x="132888" y="5821757"/>
+            <a:ext cx="682732" cy="431706"/>
+            <a:chOff x="7719297" y="4899504"/>
+            <a:chExt cx="897731" cy="567654"/>
+          </a:xfrm>
+        </p:grpSpPr>
+        <p:sp>
+          <p:nvSpPr>
+            <p:cNvPr id="71" name="TextBox 70"/>
+            <p:cNvSpPr txBox="1"/>
+            <p:nvPr/>
+          </p:nvSpPr>
+          <p:spPr>
+            <a:xfrm>
+              <a:off x="7726023" y="4899504"/>
+              <a:ext cx="842813" cy="552121"/>
+            </a:xfrm>
+            <a:custGeom>
+              <a:avLst/>
+              <a:gdLst/>
+              <a:ahLst/>
+              <a:cxnLst/>
+              <a:rect l="l" t="t" r="r" b="b"/>
+              <a:pathLst>
+                <a:path w="842813" h="552121">
+                  <a:moveTo>
+                    <a:pt x="762446" y="131713"/>
+                  </a:moveTo>
+                  <a:lnTo>
+                    <a:pt x="557510" y="426839"/>
+                  </a:lnTo>
+                  <a:lnTo>
+                    <a:pt x="762446" y="426839"/>
+                  </a:lnTo>
+                  <a:close/>
+                  <a:moveTo>
+                    <a:pt x="777180" y="2679"/>
+                  </a:moveTo>
+                  <a:lnTo>
+                    <a:pt x="842813" y="2679"/>
+                  </a:lnTo>
+                  <a:lnTo>
+                    <a:pt x="842813" y="420780"/>
+                  </a:lnTo>
+                  <a:lnTo>
+                    <a:pt x="478482" y="480092"/>
+                  </a:lnTo>
+                  <a:lnTo>
+                    <a:pt x="478482" y="426839"/>
+                  </a:lnTo>
+                  <a:close/>
+                  <a:moveTo>
+                    <a:pt x="213419" y="0"/>
+                  </a:moveTo>
+                  <a:cubicBezTo>
+                    <a:pt x="248543" y="0"/>
+                    <a:pt x="279350" y="7069"/>
+                    <a:pt x="305841" y="21208"/>
+                  </a:cubicBezTo>
+                  <a:cubicBezTo>
+                    <a:pt x="332333" y="35347"/>
+                    <a:pt x="354211" y="55736"/>
+                    <a:pt x="371475" y="82377"/>
+                  </a:cubicBezTo>
+                  <a:cubicBezTo>
+                    <a:pt x="388739" y="109017"/>
+                    <a:pt x="402282" y="141461"/>
+                    <a:pt x="412105" y="179710"/>
+                  </a:cubicBezTo>
+                  <a:cubicBezTo>
+                    <a:pt x="421927" y="217959"/>
+                    <a:pt x="426839" y="269528"/>
+                    <a:pt x="426839" y="334417"/>
+                  </a:cubicBezTo>
+                  <a:cubicBezTo>
+                    <a:pt x="426839" y="372815"/>
+                    <a:pt x="424867" y="407510"/>
+                    <a:pt x="420923" y="438504"/>
+                  </a:cubicBezTo>
+                  <a:lnTo>
+                    <a:pt x="409472" y="491327"/>
+                  </a:lnTo>
+                  <a:lnTo>
+                    <a:pt x="325598" y="504981"/>
+                  </a:lnTo>
+                  <a:lnTo>
+                    <a:pt x="334807" y="468362"/>
+                  </a:lnTo>
+                  <a:cubicBezTo>
+                    <a:pt x="341095" y="432643"/>
+                    <a:pt x="344239" y="387995"/>
+                    <a:pt x="344239" y="334417"/>
+                  </a:cubicBezTo>
+                  <a:cubicBezTo>
+                    <a:pt x="344239" y="226665"/>
+                    <a:pt x="331663" y="155079"/>
+                    <a:pt x="306511" y="119658"/>
+                  </a:cubicBezTo>
+                  <a:cubicBezTo>
+                    <a:pt x="281359" y="84237"/>
+                    <a:pt x="250031" y="66526"/>
+                    <a:pt x="212526" y="66526"/>
+                  </a:cubicBezTo>
+                  <a:cubicBezTo>
+                    <a:pt x="175617" y="66526"/>
+                    <a:pt x="146149" y="82153"/>
+                    <a:pt x="124122" y="113407"/>
+                  </a:cubicBezTo>
+                  <a:cubicBezTo>
+                    <a:pt x="96440" y="153293"/>
+                    <a:pt x="82599" y="226963"/>
+                    <a:pt x="82599" y="334417"/>
+                  </a:cubicBezTo>
+                  <a:cubicBezTo>
+                    <a:pt x="82599" y="415007"/>
+                    <a:pt x="89673" y="475380"/>
+                    <a:pt x="103821" y="515536"/>
+                  </a:cubicBezTo>
+                  <a:lnTo>
+                    <a:pt x="115502" y="539184"/>
+                  </a:lnTo>
+                  <a:lnTo>
+                    <a:pt x="36036" y="552121"/>
+                  </a:lnTo>
+                  <a:lnTo>
+                    <a:pt x="16185" y="493142"/>
+                  </a:lnTo>
+                  <a:cubicBezTo>
+                    <a:pt x="5395" y="448791"/>
+                    <a:pt x="0" y="395883"/>
+                    <a:pt x="0" y="334417"/>
+                  </a:cubicBezTo>
+                  <a:cubicBezTo>
+                    <a:pt x="0" y="257026"/>
+                    <a:pt x="7962" y="194742"/>
+                    <a:pt x="23887" y="147563"/>
+                  </a:cubicBezTo>
+                  <a:cubicBezTo>
+                    <a:pt x="39811" y="100385"/>
+                    <a:pt x="63475" y="63996"/>
+                    <a:pt x="94878" y="38398"/>
+                  </a:cubicBezTo>
+                  <a:cubicBezTo>
+                    <a:pt x="126280" y="12799"/>
+                    <a:pt x="165794" y="0"/>
+                    <a:pt x="213419" y="0"/>
+                  </a:cubicBezTo>
+                  <a:close/>
+                </a:path>
+              </a:pathLst>
+            </a:custGeom>
+            <a:solidFill>
+              <a:schemeClr val="tx1">
+                <a:lumMod val="50000"/>
+                <a:lumOff val="50000"/>
+                <a:alpha val="30000"/>
+              </a:schemeClr>
+            </a:solidFill>
+            <a:ln>
+              <a:noFill/>
+            </a:ln>
+            <a:effectLst/>
+          </p:spPr>
+          <p:txBody>
+            <a:bodyPr rot="0" spcFirstLastPara="0" vertOverflow="overflow" horzOverflow="overflow" vert="horz" wrap="square" lIns="91440" tIns="45720" rIns="91440" bIns="45720" numCol="1" spcCol="0" rtlCol="0" fromWordArt="0" anchor="t" anchorCtr="0" forceAA="0" compatLnSpc="1">
+              <a:prstTxWarp prst="textNoShape">
+                <a:avLst/>
+              </a:prstTxWarp>
+              <a:noAutofit/>
+            </a:bodyPr>
+            <a:lstStyle/>
+            <a:p>
+              <a:pPr algn="ctr"/>
+              <a:endParaRPr lang="ko-KR" altLang="en-US" sz="7200" dirty="0">
+                <a:solidFill>
+                  <a:schemeClr val="tx1">
+                    <a:lumMod val="50000"/>
+                    <a:lumOff val="50000"/>
+                  </a:schemeClr>
+                </a:solidFill>
+                <a:latin typeface="Arial" panose="020B0604020202020204" pitchFamily="34" charset="0"/>
+                <a:ea typeface="G마켓 산스 TTF Medium" panose="02000000000000000000" pitchFamily="2" charset="-127"/>
+                <a:cs typeface="Arial" panose="020B0604020202020204" pitchFamily="34" charset="0"/>
+              </a:endParaRPr>
+            </a:p>
+          </p:txBody>
+        </p:sp>
+        <p:cxnSp>
+          <p:nvCxnSpPr>
+            <p:cNvPr id="72" name="직선 연결선 71"/>
+            <p:cNvCxnSpPr/>
+            <p:nvPr/>
+          </p:nvCxnSpPr>
+          <p:spPr>
+            <a:xfrm flipV="1">
+              <a:off x="7719297" y="5319519"/>
+              <a:ext cx="897731" cy="147639"/>
+            </a:xfrm>
+            <a:prstGeom prst="line">
+              <a:avLst/>
+            </a:prstGeom>
+            <a:ln w="19050">
+              <a:solidFill>
+                <a:srgbClr val="323232">
+                  <a:alpha val="30000"/>
+                </a:srgbClr>
+              </a:solidFill>
+            </a:ln>
+          </p:spPr>
+          <p:style>
+            <a:lnRef idx="1">
+              <a:schemeClr val="accent1"/>
+            </a:lnRef>
+            <a:fillRef idx="0">
+              <a:schemeClr val="accent1"/>
+            </a:fillRef>
+            <a:effectRef idx="0">
+              <a:schemeClr val="accent1"/>
+            </a:effectRef>
+            <a:fontRef idx="minor">
+              <a:schemeClr val="tx1"/>
+            </a:fontRef>
+          </p:style>
+        </p:cxnSp>
+      </p:grpSp>
+      <p:cxnSp>
+        <p:nvCxnSpPr>
+          <p:cNvPr id="5" name="직선 화살표 연결선 4"/>
+          <p:cNvCxnSpPr/>
+          <p:nvPr/>
+        </p:nvCxnSpPr>
+        <p:spPr>
+          <a:xfrm flipV="1">
+            <a:off x="1546629" y="1511168"/>
+            <a:ext cx="0" cy="5080132"/>
+          </a:xfrm>
+          <a:prstGeom prst="straightConnector1">
+            <a:avLst/>
+          </a:prstGeom>
+          <a:ln w="57150">
+            <a:solidFill>
+              <a:srgbClr val="323232"/>
+            </a:solidFill>
+            <a:tailEnd type="triangle"/>
+          </a:ln>
+        </p:spPr>
+        <p:style>
+          <a:lnRef idx="1">
+            <a:schemeClr val="accent1"/>
+          </a:lnRef>
+          <a:fillRef idx="0">
+            <a:schemeClr val="accent1"/>
+          </a:fillRef>
+          <a:effectRef idx="0">
+            <a:schemeClr val="accent1"/>
+          </a:effectRef>
+          <a:fontRef idx="minor">
+            <a:schemeClr val="tx1"/>
+          </a:fontRef>
+        </p:style>
+      </p:cxnSp>
+      <p:cxnSp>
+        <p:nvCxnSpPr>
+          <p:cNvPr id="24" name="직선 화살표 연결선 23"/>
+          <p:cNvCxnSpPr/>
+          <p:nvPr/>
+        </p:nvCxnSpPr>
+        <p:spPr>
+          <a:xfrm>
+            <a:off x="1140163" y="6141182"/>
+            <a:ext cx="10086637" cy="0"/>
+          </a:xfrm>
+          <a:prstGeom prst="straightConnector1">
+            <a:avLst/>
+          </a:prstGeom>
+          <a:ln w="57150">
+            <a:solidFill>
+              <a:srgbClr val="323232"/>
+            </a:solidFill>
+            <a:tailEnd type="triangle"/>
+          </a:ln>
+        </p:spPr>
+        <p:style>
+          <a:lnRef idx="1">
+            <a:schemeClr val="accent1"/>
+          </a:lnRef>
+          <a:fillRef idx="0">
+            <a:schemeClr val="accent1"/>
+          </a:fillRef>
+          <a:effectRef idx="0">
+            <a:schemeClr val="accent1"/>
+          </a:effectRef>
+          <a:fontRef idx="minor">
+            <a:schemeClr val="tx1"/>
+          </a:fontRef>
+        </p:style>
+      </p:cxnSp>
+      <mc:AlternateContent xmlns:mc="http://schemas.openxmlformats.org/markup-compatibility/2006">
+        <mc:Choice xmlns:a14="http://schemas.microsoft.com/office/drawing/2010/main" Requires="a14">
+          <p:sp>
+            <p:nvSpPr>
+              <p:cNvPr id="12" name="TextBox 11"/>
+              <p:cNvSpPr txBox="1"/>
+              <p:nvPr/>
+            </p:nvSpPr>
+            <p:spPr>
+              <a:xfrm>
+                <a:off x="1188279" y="1402531"/>
+                <a:ext cx="309564" cy="584775"/>
+              </a:xfrm>
+              <a:prstGeom prst="rect">
+                <a:avLst/>
+              </a:prstGeom>
+              <a:noFill/>
+            </p:spPr>
+            <p:txBody>
+              <a:bodyPr wrap="square" rtlCol="0">
+                <a:spAutoFit/>
+              </a:bodyPr>
+              <a:lstStyle/>
+              <a:p>
+                <a:pPr/>
+                <a14:m>
+                  <m:oMathPara xmlns:m="http://schemas.openxmlformats.org/officeDocument/2006/math">
+                    <m:oMathParaPr>
+                      <m:jc m:val="center"/>
+                    </m:oMathParaPr>
+                    <m:oMath xmlns:m="http://schemas.openxmlformats.org/officeDocument/2006/math">
+                      <m:r>
+                        <a:rPr lang="en-US" altLang="ko-KR" sz="3200" b="0" i="1" dirty="0" smtClean="0">
+                          <a:latin typeface="Cambria Math" panose="02040503050406030204" pitchFamily="18" charset="0"/>
+                          <a:ea typeface="G마켓 산스 TTF Medium" panose="02000000000000000000" pitchFamily="2" charset="-127"/>
+                        </a:rPr>
+                        <m:t>𝑖</m:t>
+                      </m:r>
+                    </m:oMath>
+                  </m:oMathPara>
+                </a14:m>
+                <a:endParaRPr lang="ko-KR" altLang="en-US" sz="3200" dirty="0" smtClean="0">
+                  <a:latin typeface="G마켓 산스 TTF Medium" panose="02000000000000000000" pitchFamily="2" charset="-127"/>
+                  <a:ea typeface="G마켓 산스 TTF Medium" panose="02000000000000000000" pitchFamily="2" charset="-127"/>
+                </a:endParaRPr>
+              </a:p>
+            </p:txBody>
+          </p:sp>
+        </mc:Choice>
+        <mc:Fallback>
+          <p:sp>
+            <p:nvSpPr>
+              <p:cNvPr id="12" name="TextBox 11"/>
+              <p:cNvSpPr txBox="1">
+                <a:spLocks noRot="1" noChangeAspect="1" noMove="1" noResize="1" noEditPoints="1" noAdjustHandles="1" noChangeArrowheads="1" noChangeShapeType="1" noTextEdit="1"/>
+              </p:cNvSpPr>
+              <p:nvPr/>
+            </p:nvSpPr>
+            <p:spPr>
+              <a:xfrm>
+                <a:off x="1188279" y="1402531"/>
+                <a:ext cx="309564" cy="584775"/>
+              </a:xfrm>
+              <a:prstGeom prst="rect">
+                <a:avLst/>
+              </a:prstGeom>
+              <a:blipFill>
+                <a:blip r:embed="rId3"/>
+                <a:stretch>
+                  <a:fillRect/>
+                </a:stretch>
+              </a:blipFill>
+            </p:spPr>
+            <p:txBody>
+              <a:bodyPr/>
+              <a:lstStyle/>
+              <a:p>
+                <a:r>
+                  <a:rPr lang="ko-KR" altLang="en-US">
+                    <a:noFill/>
+                  </a:rPr>
+                  <a:t> </a:t>
+                </a:r>
+              </a:p>
+            </p:txBody>
+          </p:sp>
+        </mc:Fallback>
+      </mc:AlternateContent>
+      <mc:AlternateContent xmlns:mc="http://schemas.openxmlformats.org/markup-compatibility/2006">
+        <mc:Choice xmlns:a14="http://schemas.microsoft.com/office/drawing/2010/main" Requires="a14">
+          <p:sp>
+            <p:nvSpPr>
+              <p:cNvPr id="31" name="TextBox 30"/>
+              <p:cNvSpPr txBox="1"/>
+              <p:nvPr/>
+            </p:nvSpPr>
+            <p:spPr>
+              <a:xfrm>
+                <a:off x="10917236" y="6057984"/>
+                <a:ext cx="309564" cy="584775"/>
+              </a:xfrm>
+              <a:prstGeom prst="rect">
+                <a:avLst/>
+              </a:prstGeom>
+              <a:noFill/>
+            </p:spPr>
+            <p:txBody>
+              <a:bodyPr wrap="square" rtlCol="0">
+                <a:spAutoFit/>
+              </a:bodyPr>
+              <a:lstStyle/>
+              <a:p>
+                <a:pPr/>
+                <a14:m>
+                  <m:oMathPara xmlns:m="http://schemas.openxmlformats.org/officeDocument/2006/math">
+                    <m:oMathParaPr>
+                      <m:jc m:val="center"/>
+                    </m:oMathParaPr>
+                    <m:oMath xmlns:m="http://schemas.openxmlformats.org/officeDocument/2006/math">
+                      <m:r>
+                        <a:rPr lang="en-US" altLang="ko-KR" sz="3200" b="0" i="1" smtClean="0">
+                          <a:latin typeface="Cambria Math" panose="02040503050406030204" pitchFamily="18" charset="0"/>
+                          <a:ea typeface="G마켓 산스 TTF Medium" panose="02000000000000000000" pitchFamily="2" charset="-127"/>
+                        </a:rPr>
+                        <m:t>𝑥</m:t>
+                      </m:r>
+                    </m:oMath>
+                  </m:oMathPara>
+                </a14:m>
+                <a:endParaRPr lang="ko-KR" altLang="en-US" sz="3200" dirty="0" smtClean="0">
+                  <a:latin typeface="G마켓 산스 TTF Medium" panose="02000000000000000000" pitchFamily="2" charset="-127"/>
+                  <a:ea typeface="G마켓 산스 TTF Medium" panose="02000000000000000000" pitchFamily="2" charset="-127"/>
+                </a:endParaRPr>
+              </a:p>
+            </p:txBody>
+          </p:sp>
+        </mc:Choice>
+        <mc:Fallback>
+          <p:sp>
+            <p:nvSpPr>
+              <p:cNvPr id="31" name="TextBox 30"/>
+              <p:cNvSpPr txBox="1">
+                <a:spLocks noRot="1" noChangeAspect="1" noMove="1" noResize="1" noEditPoints="1" noAdjustHandles="1" noChangeArrowheads="1" noChangeShapeType="1" noTextEdit="1"/>
+              </p:cNvSpPr>
+              <p:nvPr/>
+            </p:nvSpPr>
+            <p:spPr>
+              <a:xfrm>
+                <a:off x="10917236" y="6057984"/>
+                <a:ext cx="309564" cy="584775"/>
+              </a:xfrm>
+              <a:prstGeom prst="rect">
+                <a:avLst/>
+              </a:prstGeom>
+              <a:blipFill>
+                <a:blip r:embed="rId4"/>
+                <a:stretch>
+                  <a:fillRect/>
+                </a:stretch>
+              </a:blipFill>
+            </p:spPr>
+            <p:txBody>
+              <a:bodyPr/>
+              <a:lstStyle/>
+              <a:p>
+                <a:r>
+                  <a:rPr lang="ko-KR" altLang="en-US">
+                    <a:noFill/>
+                  </a:rPr>
+                  <a:t> </a:t>
+                </a:r>
+              </a:p>
+            </p:txBody>
+          </p:sp>
+        </mc:Fallback>
+      </mc:AlternateContent>
+      <mc:AlternateContent xmlns:mc="http://schemas.openxmlformats.org/markup-compatibility/2006">
+        <mc:Choice xmlns:a14="http://schemas.microsoft.com/office/drawing/2010/main" Requires="a14">
+          <p:sp>
+            <p:nvSpPr>
+              <p:cNvPr id="32" name="TextBox 31"/>
+              <p:cNvSpPr txBox="1"/>
+              <p:nvPr/>
+            </p:nvSpPr>
+            <p:spPr>
+              <a:xfrm>
+                <a:off x="1009254" y="6315073"/>
+                <a:ext cx="537375" cy="307777"/>
+              </a:xfrm>
+              <a:prstGeom prst="rect">
+                <a:avLst/>
+              </a:prstGeom>
+              <a:noFill/>
+            </p:spPr>
+            <p:txBody>
+              <a:bodyPr wrap="square" rtlCol="0">
+                <a:spAutoFit/>
+              </a:bodyPr>
+              <a:lstStyle/>
+              <a:p>
+                <a:pPr/>
+                <a14:m>
+                  <m:oMathPara xmlns:m="http://schemas.openxmlformats.org/officeDocument/2006/math">
+                    <m:oMathParaPr>
+                      <m:jc m:val="center"/>
+                    </m:oMathParaPr>
+                    <m:oMath xmlns:m="http://schemas.openxmlformats.org/officeDocument/2006/math">
+                      <m:r>
+                        <a:rPr lang="en-US" altLang="ko-KR" sz="1400" b="0" i="1" dirty="0" smtClean="0">
+                          <a:latin typeface="Cambria Math" panose="02040503050406030204" pitchFamily="18" charset="0"/>
+                          <a:ea typeface="G마켓 산스 TTF Medium" panose="02000000000000000000" pitchFamily="2" charset="-127"/>
+                        </a:rPr>
+                        <m:t>(0</m:t>
+                      </m:r>
+                      <m:r>
+                        <a:rPr lang="en-US" altLang="ko-KR" sz="1400" b="0" i="0" dirty="0" smtClean="0">
+                          <a:latin typeface="Cambria Math" panose="02040503050406030204" pitchFamily="18" charset="0"/>
+                          <a:ea typeface="G마켓 산스 TTF Medium" panose="02000000000000000000" pitchFamily="2" charset="-127"/>
+                        </a:rPr>
+                        <m:t>, 0)</m:t>
+                      </m:r>
+                    </m:oMath>
+                  </m:oMathPara>
+                </a14:m>
+                <a:endParaRPr lang="ko-KR" altLang="en-US" sz="1400" dirty="0" smtClean="0">
+                  <a:latin typeface="G마켓 산스 TTF Medium" panose="02000000000000000000" pitchFamily="2" charset="-127"/>
+                  <a:ea typeface="G마켓 산스 TTF Medium" panose="02000000000000000000" pitchFamily="2" charset="-127"/>
+                </a:endParaRPr>
+              </a:p>
+            </p:txBody>
+          </p:sp>
+        </mc:Choice>
+        <mc:Fallback>
+          <p:sp>
+            <p:nvSpPr>
+              <p:cNvPr id="32" name="TextBox 31"/>
+              <p:cNvSpPr txBox="1">
+                <a:spLocks noRot="1" noChangeAspect="1" noMove="1" noResize="1" noEditPoints="1" noAdjustHandles="1" noChangeArrowheads="1" noChangeShapeType="1" noTextEdit="1"/>
+              </p:cNvSpPr>
+              <p:nvPr/>
+            </p:nvSpPr>
+            <p:spPr>
+              <a:xfrm>
+                <a:off x="1009254" y="6315073"/>
+                <a:ext cx="537375" cy="307777"/>
+              </a:xfrm>
+              <a:prstGeom prst="rect">
+                <a:avLst/>
+              </a:prstGeom>
+              <a:blipFill>
+                <a:blip r:embed="rId5"/>
+                <a:stretch>
+                  <a:fillRect r="-7955" b="-4000"/>
+                </a:stretch>
+              </a:blipFill>
+            </p:spPr>
+            <p:txBody>
+              <a:bodyPr/>
+              <a:lstStyle/>
+              <a:p>
+                <a:r>
+                  <a:rPr lang="ko-KR" altLang="en-US">
+                    <a:noFill/>
+                  </a:rPr>
+                  <a:t> </a:t>
+                </a:r>
+              </a:p>
+            </p:txBody>
+          </p:sp>
+        </mc:Fallback>
+      </mc:AlternateContent>
+      <p:pic>
+        <p:nvPicPr>
+          <p:cNvPr id="16" name="그림 15"/>
+          <p:cNvPicPr>
+            <a:picLocks noChangeAspect="1"/>
+          </p:cNvPicPr>
+          <p:nvPr/>
+        </p:nvPicPr>
+        <p:blipFill rotWithShape="1">
+          <a:blip r:embed="rId6">
+            <a:extLst>
+              <a:ext uri="{28A0092B-C50C-407E-A947-70E740481C1C}">
+                <a14:useLocalDpi xmlns:a14="http://schemas.microsoft.com/office/drawing/2010/main" val="0"/>
+              </a:ext>
+            </a:extLst>
+          </a:blip>
+          <a:srcRect l="39743" t="19761" r="19762" b="19628"/>
+          <a:stretch/>
+        </p:blipFill>
+        <p:spPr>
+          <a:xfrm>
+            <a:off x="1806238" y="3993357"/>
+            <a:ext cx="918956" cy="1375411"/>
+          </a:xfrm>
+          <a:prstGeom prst="rect">
+            <a:avLst/>
+          </a:prstGeom>
+        </p:spPr>
+      </p:pic>
+      <p:pic>
+        <p:nvPicPr>
+          <p:cNvPr id="37" name="그림 36"/>
+          <p:cNvPicPr>
+            <a:picLocks noChangeAspect="1"/>
+          </p:cNvPicPr>
+          <p:nvPr/>
+        </p:nvPicPr>
+        <p:blipFill rotWithShape="1">
+          <a:blip r:embed="rId6">
+            <a:extLst>
+              <a:ext uri="{28A0092B-C50C-407E-A947-70E740481C1C}">
+                <a14:useLocalDpi xmlns:a14="http://schemas.microsoft.com/office/drawing/2010/main" val="0"/>
+              </a:ext>
+            </a:extLst>
+          </a:blip>
+          <a:srcRect l="39743" t="19761" r="19762" b="19628"/>
+          <a:stretch/>
+        </p:blipFill>
+        <p:spPr>
+          <a:xfrm>
+            <a:off x="9489643" y="1732522"/>
+            <a:ext cx="918956" cy="1375411"/>
+          </a:xfrm>
+          <a:prstGeom prst="rect">
+            <a:avLst/>
+          </a:prstGeom>
+          <a:noFill/>
+        </p:spPr>
+      </p:pic>
+      <mc:AlternateContent xmlns:mc="http://schemas.openxmlformats.org/markup-compatibility/2006">
+        <mc:Choice xmlns:a14="http://schemas.microsoft.com/office/drawing/2010/main" Requires="a14">
+          <p:sp>
+            <p:nvSpPr>
+              <p:cNvPr id="39" name="TextBox 38"/>
+              <p:cNvSpPr txBox="1"/>
+              <p:nvPr/>
+            </p:nvSpPr>
+            <p:spPr>
+              <a:xfrm>
+                <a:off x="9489148" y="2301823"/>
+                <a:ext cx="381131" cy="230832"/>
+              </a:xfrm>
+              <a:prstGeom prst="rect">
+                <a:avLst/>
+              </a:prstGeom>
+              <a:noFill/>
+            </p:spPr>
+            <p:txBody>
+              <a:bodyPr wrap="square" rtlCol="0">
+                <a:spAutoFit/>
+              </a:bodyPr>
+              <a:lstStyle/>
+              <a:p>
+                <a:pPr/>
+                <a14:m>
+                  <m:oMathPara xmlns:m="http://schemas.openxmlformats.org/officeDocument/2006/math">
+                    <m:oMathParaPr>
+                      <m:jc m:val="center"/>
+                    </m:oMathParaPr>
+                    <m:oMath xmlns:m="http://schemas.openxmlformats.org/officeDocument/2006/math">
+                      <m:r>
+                        <a:rPr lang="en-US" altLang="ko-KR" sz="900" b="0" i="1" smtClean="0">
+                          <a:solidFill>
+                            <a:schemeClr val="bg1"/>
+                          </a:solidFill>
+                          <a:latin typeface="Cambria Math" panose="02040503050406030204" pitchFamily="18" charset="0"/>
+                          <a:ea typeface="G마켓 산스 TTF Medium" panose="02000000000000000000" pitchFamily="2" charset="-127"/>
+                        </a:rPr>
+                        <m:t>(</m:t>
+                      </m:r>
+                      <m:r>
+                        <a:rPr lang="en-US" altLang="ko-KR" sz="900" b="0" i="0" smtClean="0">
+                          <a:solidFill>
+                            <a:schemeClr val="bg1"/>
+                          </a:solidFill>
+                          <a:latin typeface="Cambria Math" panose="02040503050406030204" pitchFamily="18" charset="0"/>
+                          <a:ea typeface="G마켓 산스 TTF Medium" panose="02000000000000000000" pitchFamily="2" charset="-127"/>
+                        </a:rPr>
+                        <m:t>0, 0)</m:t>
+                      </m:r>
+                    </m:oMath>
+                  </m:oMathPara>
+                </a14:m>
+                <a:endParaRPr lang="ko-KR" altLang="en-US" sz="900" dirty="0" smtClean="0">
+                  <a:solidFill>
+                    <a:schemeClr val="bg1"/>
+                  </a:solidFill>
+                  <a:latin typeface="G마켓 산스 TTF Medium" panose="02000000000000000000" pitchFamily="2" charset="-127"/>
+                  <a:ea typeface="G마켓 산스 TTF Medium" panose="02000000000000000000" pitchFamily="2" charset="-127"/>
+                </a:endParaRPr>
+              </a:p>
+            </p:txBody>
+          </p:sp>
+        </mc:Choice>
+        <mc:Fallback>
+          <p:sp>
+            <p:nvSpPr>
+              <p:cNvPr id="39" name="TextBox 38"/>
+              <p:cNvSpPr txBox="1">
+                <a:spLocks noRot="1" noChangeAspect="1" noMove="1" noResize="1" noEditPoints="1" noAdjustHandles="1" noChangeArrowheads="1" noChangeShapeType="1" noTextEdit="1"/>
+              </p:cNvSpPr>
+              <p:nvPr/>
+            </p:nvSpPr>
+            <p:spPr>
+              <a:xfrm>
+                <a:off x="9489148" y="2301823"/>
+                <a:ext cx="381131" cy="230832"/>
+              </a:xfrm>
+              <a:prstGeom prst="rect">
+                <a:avLst/>
+              </a:prstGeom>
+              <a:blipFill>
+                <a:blip r:embed="rId7"/>
+                <a:stretch>
+                  <a:fillRect r="-9677"/>
+                </a:stretch>
+              </a:blipFill>
+            </p:spPr>
+            <p:txBody>
+              <a:bodyPr/>
+              <a:lstStyle/>
+              <a:p>
+                <a:r>
+                  <a:rPr lang="ko-KR" altLang="en-US">
+                    <a:noFill/>
+                  </a:rPr>
+                  <a:t> </a:t>
+                </a:r>
+              </a:p>
+            </p:txBody>
+          </p:sp>
+        </mc:Fallback>
+      </mc:AlternateContent>
+      <mc:AlternateContent xmlns:mc="http://schemas.openxmlformats.org/markup-compatibility/2006">
+        <mc:Choice xmlns:a14="http://schemas.microsoft.com/office/drawing/2010/main" Requires="a14">
+          <p:sp>
+            <p:nvSpPr>
+              <p:cNvPr id="40" name="TextBox 39"/>
+              <p:cNvSpPr txBox="1"/>
+              <p:nvPr/>
+            </p:nvSpPr>
+            <p:spPr>
+              <a:xfrm>
+                <a:off x="9936184" y="2301823"/>
+                <a:ext cx="381131" cy="230832"/>
+              </a:xfrm>
+              <a:prstGeom prst="rect">
+                <a:avLst/>
+              </a:prstGeom>
+              <a:noFill/>
+            </p:spPr>
+            <p:txBody>
+              <a:bodyPr wrap="square" rtlCol="0">
+                <a:spAutoFit/>
+              </a:bodyPr>
+              <a:lstStyle/>
+              <a:p>
+                <a:pPr/>
+                <a14:m>
+                  <m:oMathPara xmlns:m="http://schemas.openxmlformats.org/officeDocument/2006/math">
+                    <m:oMathParaPr>
+                      <m:jc m:val="center"/>
+                    </m:oMathParaPr>
+                    <m:oMath xmlns:m="http://schemas.openxmlformats.org/officeDocument/2006/math">
+                      <m:r>
+                        <a:rPr lang="en-US" altLang="ko-KR" sz="900" b="0" i="1" smtClean="0">
+                          <a:solidFill>
+                            <a:schemeClr val="bg1"/>
+                          </a:solidFill>
+                          <a:latin typeface="Cambria Math" panose="02040503050406030204" pitchFamily="18" charset="0"/>
+                          <a:ea typeface="G마켓 산스 TTF Medium" panose="02000000000000000000" pitchFamily="2" charset="-127"/>
+                        </a:rPr>
+                        <m:t>(</m:t>
+                      </m:r>
+                      <m:r>
+                        <a:rPr lang="en-US" altLang="ko-KR" sz="900" b="0" i="0" smtClean="0">
+                          <a:solidFill>
+                            <a:schemeClr val="bg1"/>
+                          </a:solidFill>
+                          <a:latin typeface="Cambria Math" panose="02040503050406030204" pitchFamily="18" charset="0"/>
+                          <a:ea typeface="G마켓 산스 TTF Medium" panose="02000000000000000000" pitchFamily="2" charset="-127"/>
+                        </a:rPr>
+                        <m:t>1, 0)</m:t>
+                      </m:r>
+                    </m:oMath>
+                  </m:oMathPara>
+                </a14:m>
+                <a:endParaRPr lang="ko-KR" altLang="en-US" sz="900" dirty="0" smtClean="0">
+                  <a:solidFill>
+                    <a:schemeClr val="bg1"/>
+                  </a:solidFill>
+                  <a:latin typeface="G마켓 산스 TTF Medium" panose="02000000000000000000" pitchFamily="2" charset="-127"/>
+                  <a:ea typeface="G마켓 산스 TTF Medium" panose="02000000000000000000" pitchFamily="2" charset="-127"/>
+                </a:endParaRPr>
+              </a:p>
+            </p:txBody>
+          </p:sp>
+        </mc:Choice>
+        <mc:Fallback>
+          <p:sp>
+            <p:nvSpPr>
+              <p:cNvPr id="40" name="TextBox 39"/>
+              <p:cNvSpPr txBox="1">
+                <a:spLocks noRot="1" noChangeAspect="1" noMove="1" noResize="1" noEditPoints="1" noAdjustHandles="1" noChangeArrowheads="1" noChangeShapeType="1" noTextEdit="1"/>
+              </p:cNvSpPr>
+              <p:nvPr/>
+            </p:nvSpPr>
+            <p:spPr>
+              <a:xfrm>
+                <a:off x="9936184" y="2301823"/>
+                <a:ext cx="381131" cy="230832"/>
+              </a:xfrm>
+              <a:prstGeom prst="rect">
+                <a:avLst/>
+              </a:prstGeom>
+              <a:blipFill>
+                <a:blip r:embed="rId8"/>
+                <a:stretch>
+                  <a:fillRect r="-9677"/>
+                </a:stretch>
+              </a:blipFill>
+            </p:spPr>
+            <p:txBody>
+              <a:bodyPr/>
+              <a:lstStyle/>
+              <a:p>
+                <a:r>
+                  <a:rPr lang="ko-KR" altLang="en-US">
+                    <a:noFill/>
+                  </a:rPr>
+                  <a:t> </a:t>
+                </a:r>
+              </a:p>
+            </p:txBody>
+          </p:sp>
+        </mc:Fallback>
+      </mc:AlternateContent>
+      <mc:AlternateContent xmlns:mc="http://schemas.openxmlformats.org/markup-compatibility/2006">
+        <mc:Choice xmlns:a14="http://schemas.microsoft.com/office/drawing/2010/main" Requires="a14">
+          <p:sp>
+            <p:nvSpPr>
+              <p:cNvPr id="41" name="TextBox 40"/>
+              <p:cNvSpPr txBox="1"/>
+              <p:nvPr/>
+            </p:nvSpPr>
+            <p:spPr>
+              <a:xfrm>
+                <a:off x="9902846" y="2744736"/>
+                <a:ext cx="381131" cy="230832"/>
+              </a:xfrm>
+              <a:prstGeom prst="rect">
+                <a:avLst/>
+              </a:prstGeom>
+              <a:noFill/>
+            </p:spPr>
+            <p:txBody>
+              <a:bodyPr wrap="square" rtlCol="0">
+                <a:spAutoFit/>
+              </a:bodyPr>
+              <a:lstStyle/>
+              <a:p>
+                <a:pPr/>
+                <a14:m>
+                  <m:oMathPara xmlns:m="http://schemas.openxmlformats.org/officeDocument/2006/math">
+                    <m:oMathParaPr>
+                      <m:jc m:val="center"/>
+                    </m:oMathParaPr>
+                    <m:oMath xmlns:m="http://schemas.openxmlformats.org/officeDocument/2006/math">
+                      <m:r>
+                        <a:rPr lang="en-US" altLang="ko-KR" sz="900" b="0" i="1" smtClean="0">
+                          <a:solidFill>
+                            <a:schemeClr val="bg1"/>
+                          </a:solidFill>
+                          <a:latin typeface="Cambria Math" panose="02040503050406030204" pitchFamily="18" charset="0"/>
+                          <a:ea typeface="G마켓 산스 TTF Medium" panose="02000000000000000000" pitchFamily="2" charset="-127"/>
+                        </a:rPr>
+                        <m:t>(</m:t>
+                      </m:r>
+                      <m:r>
+                        <a:rPr lang="en-US" altLang="ko-KR" sz="900" b="0" i="0" smtClean="0">
+                          <a:solidFill>
+                            <a:schemeClr val="bg1"/>
+                          </a:solidFill>
+                          <a:latin typeface="Cambria Math" panose="02040503050406030204" pitchFamily="18" charset="0"/>
+                          <a:ea typeface="G마켓 산스 TTF Medium" panose="02000000000000000000" pitchFamily="2" charset="-127"/>
+                        </a:rPr>
+                        <m:t>1, −1)</m:t>
+                      </m:r>
+                    </m:oMath>
+                  </m:oMathPara>
+                </a14:m>
+                <a:endParaRPr lang="ko-KR" altLang="en-US" sz="900" dirty="0" smtClean="0">
+                  <a:solidFill>
+                    <a:schemeClr val="bg1"/>
+                  </a:solidFill>
+                  <a:latin typeface="G마켓 산스 TTF Medium" panose="02000000000000000000" pitchFamily="2" charset="-127"/>
+                  <a:ea typeface="G마켓 산스 TTF Medium" panose="02000000000000000000" pitchFamily="2" charset="-127"/>
+                </a:endParaRPr>
+              </a:p>
+            </p:txBody>
+          </p:sp>
+        </mc:Choice>
+        <mc:Fallback>
+          <p:sp>
+            <p:nvSpPr>
+              <p:cNvPr id="41" name="TextBox 40"/>
+              <p:cNvSpPr txBox="1">
+                <a:spLocks noRot="1" noChangeAspect="1" noMove="1" noResize="1" noEditPoints="1" noAdjustHandles="1" noChangeArrowheads="1" noChangeShapeType="1" noTextEdit="1"/>
+              </p:cNvSpPr>
+              <p:nvPr/>
+            </p:nvSpPr>
+            <p:spPr>
+              <a:xfrm>
+                <a:off x="9902846" y="2744736"/>
+                <a:ext cx="381131" cy="230832"/>
+              </a:xfrm>
+              <a:prstGeom prst="rect">
+                <a:avLst/>
+              </a:prstGeom>
+              <a:blipFill>
+                <a:blip r:embed="rId9"/>
+                <a:stretch>
+                  <a:fillRect r="-30159"/>
+                </a:stretch>
+              </a:blipFill>
+            </p:spPr>
+            <p:txBody>
+              <a:bodyPr/>
+              <a:lstStyle/>
+              <a:p>
+                <a:r>
+                  <a:rPr lang="ko-KR" altLang="en-US">
+                    <a:noFill/>
+                  </a:rPr>
+                  <a:t> </a:t>
+                </a:r>
+              </a:p>
+            </p:txBody>
+          </p:sp>
+        </mc:Fallback>
+      </mc:AlternateContent>
+      <mc:AlternateContent xmlns:mc="http://schemas.openxmlformats.org/markup-compatibility/2006">
+        <mc:Choice xmlns:a14="http://schemas.microsoft.com/office/drawing/2010/main" Requires="a14">
+          <p:sp>
+            <p:nvSpPr>
+              <p:cNvPr id="42" name="TextBox 41"/>
+              <p:cNvSpPr txBox="1"/>
+              <p:nvPr/>
+            </p:nvSpPr>
+            <p:spPr>
+              <a:xfrm>
+                <a:off x="9498672" y="1848348"/>
+                <a:ext cx="381131" cy="230832"/>
+              </a:xfrm>
+              <a:prstGeom prst="rect">
+                <a:avLst/>
+              </a:prstGeom>
+              <a:noFill/>
+            </p:spPr>
+            <p:txBody>
+              <a:bodyPr wrap="square" rtlCol="0">
+                <a:spAutoFit/>
+              </a:bodyPr>
+              <a:lstStyle/>
+              <a:p>
+                <a:pPr/>
+                <a14:m>
+                  <m:oMathPara xmlns:m="http://schemas.openxmlformats.org/officeDocument/2006/math">
+                    <m:oMathParaPr>
+                      <m:jc m:val="center"/>
+                    </m:oMathParaPr>
+                    <m:oMath xmlns:m="http://schemas.openxmlformats.org/officeDocument/2006/math">
+                      <m:r>
+                        <a:rPr lang="en-US" altLang="ko-KR" sz="900" b="0" i="1" smtClean="0">
+                          <a:solidFill>
+                            <a:schemeClr val="bg1"/>
+                          </a:solidFill>
+                          <a:latin typeface="Cambria Math" panose="02040503050406030204" pitchFamily="18" charset="0"/>
+                          <a:ea typeface="G마켓 산스 TTF Medium" panose="02000000000000000000" pitchFamily="2" charset="-127"/>
+                        </a:rPr>
+                        <m:t>(</m:t>
+                      </m:r>
+                      <m:r>
+                        <a:rPr lang="en-US" altLang="ko-KR" sz="900" b="0" i="0" smtClean="0">
+                          <a:solidFill>
+                            <a:schemeClr val="bg1"/>
+                          </a:solidFill>
+                          <a:latin typeface="Cambria Math" panose="02040503050406030204" pitchFamily="18" charset="0"/>
+                          <a:ea typeface="G마켓 산스 TTF Medium" panose="02000000000000000000" pitchFamily="2" charset="-127"/>
+                        </a:rPr>
+                        <m:t>0, 1)</m:t>
+                      </m:r>
+                    </m:oMath>
+                  </m:oMathPara>
+                </a14:m>
+                <a:endParaRPr lang="ko-KR" altLang="en-US" sz="900" dirty="0" smtClean="0">
+                  <a:solidFill>
+                    <a:schemeClr val="bg1"/>
+                  </a:solidFill>
+                  <a:latin typeface="G마켓 산스 TTF Medium" panose="02000000000000000000" pitchFamily="2" charset="-127"/>
+                  <a:ea typeface="G마켓 산스 TTF Medium" panose="02000000000000000000" pitchFamily="2" charset="-127"/>
+                </a:endParaRPr>
+              </a:p>
+            </p:txBody>
+          </p:sp>
+        </mc:Choice>
+        <mc:Fallback>
+          <p:sp>
+            <p:nvSpPr>
+              <p:cNvPr id="42" name="TextBox 41"/>
+              <p:cNvSpPr txBox="1">
+                <a:spLocks noRot="1" noChangeAspect="1" noMove="1" noResize="1" noEditPoints="1" noAdjustHandles="1" noChangeArrowheads="1" noChangeShapeType="1" noTextEdit="1"/>
+              </p:cNvSpPr>
+              <p:nvPr/>
+            </p:nvSpPr>
+            <p:spPr>
+              <a:xfrm>
+                <a:off x="9498672" y="1848348"/>
+                <a:ext cx="381131" cy="230832"/>
+              </a:xfrm>
+              <a:prstGeom prst="rect">
+                <a:avLst/>
+              </a:prstGeom>
+              <a:blipFill>
+                <a:blip r:embed="rId10"/>
+                <a:stretch>
+                  <a:fillRect r="-7937"/>
+                </a:stretch>
+              </a:blipFill>
+            </p:spPr>
+            <p:txBody>
+              <a:bodyPr/>
+              <a:lstStyle/>
+              <a:p>
+                <a:r>
+                  <a:rPr lang="ko-KR" altLang="en-US">
+                    <a:noFill/>
+                  </a:rPr>
+                  <a:t> </a:t>
+                </a:r>
+              </a:p>
+            </p:txBody>
+          </p:sp>
+        </mc:Fallback>
+      </mc:AlternateContent>
+      <p:pic>
+        <p:nvPicPr>
+          <p:cNvPr id="20" name="그림 19"/>
+          <p:cNvPicPr>
+            <a:picLocks noChangeAspect="1"/>
+          </p:cNvPicPr>
+          <p:nvPr/>
+        </p:nvPicPr>
+        <p:blipFill>
+          <a:blip r:embed="rId11"/>
+          <a:stretch>
+            <a:fillRect/>
+          </a:stretch>
+        </p:blipFill>
+        <p:spPr>
+          <a:xfrm>
+            <a:off x="3318191" y="2711573"/>
+            <a:ext cx="6564874" cy="2712248"/>
+          </a:xfrm>
+          <a:prstGeom prst="rect">
+            <a:avLst/>
+          </a:prstGeom>
+        </p:spPr>
+      </p:pic>
+      <p:sp>
+        <p:nvSpPr>
+          <p:cNvPr id="22" name="TextBox 21"/>
+          <p:cNvSpPr txBox="1"/>
+          <p:nvPr/>
+        </p:nvSpPr>
+        <p:spPr>
+          <a:xfrm>
+            <a:off x="1729404" y="1440245"/>
+            <a:ext cx="2939143" cy="923330"/>
+          </a:xfrm>
+          <a:prstGeom prst="rect">
+            <a:avLst/>
+          </a:prstGeom>
+          <a:noFill/>
+        </p:spPr>
+        <p:txBody>
+          <a:bodyPr wrap="square" rtlCol="0">
+            <a:spAutoFit/>
+          </a:bodyPr>
+          <a:lstStyle/>
+          <a:p>
+            <a:pPr marL="342900" indent="-342900">
+              <a:buAutoNum type="arabicPeriod"/>
+            </a:pPr>
+            <a:r>
+              <a:rPr lang="ko-KR" altLang="en-US" dirty="0" err="1" smtClean="0">
+                <a:latin typeface="G마켓 산스 TTF Medium" panose="02000000000000000000" pitchFamily="2" charset="-127"/>
+                <a:ea typeface="G마켓 산스 TTF Medium" panose="02000000000000000000" pitchFamily="2" charset="-127"/>
+              </a:rPr>
+              <a:t>테트리스</a:t>
+            </a:r>
+            <a:r>
+              <a:rPr lang="en-US" altLang="ko-KR" dirty="0" smtClean="0">
+                <a:latin typeface="G마켓 산스 TTF Medium" panose="02000000000000000000" pitchFamily="2" charset="-127"/>
+                <a:ea typeface="G마켓 산스 TTF Medium" panose="02000000000000000000" pitchFamily="2" charset="-127"/>
+              </a:rPr>
+              <a:t> </a:t>
+            </a:r>
+            <a:r>
+              <a:rPr lang="ko-KR" altLang="en-US" dirty="0" err="1" smtClean="0">
+                <a:latin typeface="G마켓 산스 TTF Medium" panose="02000000000000000000" pitchFamily="2" charset="-127"/>
+                <a:ea typeface="G마켓 산스 TTF Medium" panose="02000000000000000000" pitchFamily="2" charset="-127"/>
+              </a:rPr>
+              <a:t>플로우</a:t>
+            </a:r>
+            <a:r>
+              <a:rPr lang="ko-KR" altLang="en-US" dirty="0" smtClean="0">
+                <a:latin typeface="G마켓 산스 TTF Medium" panose="02000000000000000000" pitchFamily="2" charset="-127"/>
+                <a:ea typeface="G마켓 산스 TTF Medium" panose="02000000000000000000" pitchFamily="2" charset="-127"/>
+              </a:rPr>
+              <a:t> 차트</a:t>
+            </a:r>
+            <a:endParaRPr lang="en-US" altLang="ko-KR" dirty="0" smtClean="0">
+              <a:latin typeface="G마켓 산스 TTF Medium" panose="02000000000000000000" pitchFamily="2" charset="-127"/>
+              <a:ea typeface="G마켓 산스 TTF Medium" panose="02000000000000000000" pitchFamily="2" charset="-127"/>
+            </a:endParaRPr>
+          </a:p>
+          <a:p>
+            <a:pPr marL="342900" indent="-342900">
+              <a:buAutoNum type="arabicPeriod"/>
+            </a:pPr>
+            <a:r>
+              <a:rPr lang="ko-KR" altLang="en-US" dirty="0" smtClean="0">
+                <a:latin typeface="G마켓 산스 TTF Medium" panose="02000000000000000000" pitchFamily="2" charset="-127"/>
+                <a:ea typeface="G마켓 산스 TTF Medium" panose="02000000000000000000" pitchFamily="2" charset="-127"/>
+              </a:rPr>
+              <a:t>유닛 </a:t>
+            </a:r>
+            <a:r>
+              <a:rPr lang="en-US" altLang="ko-KR" dirty="0" smtClean="0">
+                <a:latin typeface="G마켓 산스 TTF Medium" panose="02000000000000000000" pitchFamily="2" charset="-127"/>
+                <a:ea typeface="G마켓 산스 TTF Medium" panose="02000000000000000000" pitchFamily="2" charset="-127"/>
+              </a:rPr>
+              <a:t>FSM</a:t>
+            </a:r>
+          </a:p>
+          <a:p>
+            <a:pPr marL="342900" indent="-342900">
+              <a:buAutoNum type="arabicPeriod"/>
+            </a:pPr>
+            <a:r>
+              <a:rPr lang="ko-KR" altLang="en-US" dirty="0" smtClean="0">
+                <a:latin typeface="G마켓 산스 TTF Medium" panose="02000000000000000000" pitchFamily="2" charset="-127"/>
+                <a:ea typeface="G마켓 산스 TTF Medium" panose="02000000000000000000" pitchFamily="2" charset="-127"/>
+              </a:rPr>
+              <a:t>딜 메커니즘</a:t>
+            </a:r>
+            <a:endParaRPr lang="ko-KR" altLang="en-US" dirty="0" smtClean="0">
+              <a:latin typeface="G마켓 산스 TTF Medium" panose="02000000000000000000" pitchFamily="2" charset="-127"/>
+              <a:ea typeface="G마켓 산스 TTF Medium" panose="02000000000000000000" pitchFamily="2" charset="-127"/>
+            </a:endParaRPr>
+          </a:p>
+        </p:txBody>
+      </p:sp>
+    </p:spTree>
+    <p:extLst>
+      <p:ext uri="{BB962C8B-B14F-4D97-AF65-F5344CB8AC3E}">
+        <p14:creationId xmlns:p14="http://schemas.microsoft.com/office/powerpoint/2010/main" val="1214268582"/>
+      </p:ext>
+    </p:extLst>
+  </p:cSld>
+  <p:clrMapOvr>
+    <a:masterClrMapping/>
+  </p:clrMapOvr>
+  <p:timing>
+    <p:tnLst>
+      <p:par>
+        <p:cTn id="1" dur="indefinite" restart="never" nodeType="tmRoot"/>
+      </p:par>
+    </p:tnLst>
+  </p:timing>
+</p:sld>
+</file>
+
+<file path=ppt/slides/slide12.xml><?xml version="1.0" encoding="utf-8"?>
 <p:sld xmlns:a="http://schemas.openxmlformats.org/drawingml/2006/main" xmlns:r="http://schemas.openxmlformats.org/officeDocument/2006/relationships" xmlns:p="http://schemas.openxmlformats.org/presentationml/2006/main">
   <p:cSld>
     <p:spTree>
@@ -7681,7 +11136,7 @@
           <p:spPr>
             <a:xfrm>
               <a:off x="3540919" y="5470620"/>
-              <a:ext cx="1272778" cy="369332"/>
+              <a:ext cx="1483746" cy="369332"/>
             </a:xfrm>
             <a:prstGeom prst="rect">
               <a:avLst/>
@@ -7695,11 +11150,11 @@
             <a:lstStyle/>
             <a:p>
               <a:r>
-                <a:rPr lang="ko-KR" altLang="en-US" dirty="0" smtClean="0">
+                <a:rPr lang="ko-KR" altLang="en-US" smtClean="0">
                   <a:latin typeface="G마켓 산스 TTF Medium" panose="02000000000000000000" pitchFamily="2" charset="-127"/>
                   <a:ea typeface="G마켓 산스 TTF Medium" panose="02000000000000000000" pitchFamily="2" charset="-127"/>
                 </a:rPr>
-                <a:t>코드 리뷰</a:t>
+                <a:t>코드 도식화</a:t>
               </a:r>
               <a:endParaRPr lang="ko-KR" altLang="en-US" dirty="0">
                 <a:latin typeface="G마켓 산스 TTF Medium" panose="02000000000000000000" pitchFamily="2" charset="-127"/>
@@ -12863,17 +16318,7 @@
                   <a:latin typeface="G마켓 산스 TTF Medium" panose="02000000000000000000" pitchFamily="2" charset="-127"/>
                   <a:ea typeface="G마켓 산스 TTF Medium" panose="02000000000000000000" pitchFamily="2" charset="-127"/>
                 </a:rPr>
-                <a:t>기술 및 기법</a:t>
-              </a:r>
-              <a:r>
-                <a:rPr lang="ko-KR" altLang="en-US" sz="4800" dirty="0" smtClean="0">
-                  <a:solidFill>
-                    <a:srgbClr val="323232"/>
-                  </a:solidFill>
-                  <a:latin typeface="G마켓 산스 TTF Medium" panose="02000000000000000000" pitchFamily="2" charset="-127"/>
-                  <a:ea typeface="G마켓 산스 TTF Medium" panose="02000000000000000000" pitchFamily="2" charset="-127"/>
-                </a:rPr>
-                <a:t> </a:t>
+                <a:t>기술 및 기법 </a:t>
               </a:r>
               <a:r>
                 <a:rPr lang="en-US" altLang="ko-KR" sz="4800" dirty="0">
@@ -12901,16 +16346,6 @@
                 </a:rPr>
                 <a:t>적용 기술 및 기법 구성</a:t>
               </a:r>
-              <a:endParaRPr lang="ko-KR" altLang="en-US" sz="4800" dirty="0">
-                <a:solidFill>
-                  <a:schemeClr val="tx1">
-                    <a:lumMod val="50000"/>
-                    <a:lumOff val="50000"/>
-                  </a:schemeClr>
-                </a:solidFill>
-                <a:latin typeface="G마켓 산스 TTF Medium" panose="02000000000000000000" pitchFamily="2" charset="-127"/>
-                <a:ea typeface="G마켓 산스 TTF Medium" panose="02000000000000000000" pitchFamily="2" charset="-127"/>
-              </a:endParaRPr>
             </a:p>
           </p:txBody>
         </p:sp>
@@ -14228,17 +17663,7 @@
                   <a:latin typeface="G마켓 산스 TTF Medium" panose="02000000000000000000" pitchFamily="2" charset="-127"/>
                   <a:ea typeface="G마켓 산스 TTF Medium" panose="02000000000000000000" pitchFamily="2" charset="-127"/>
                 </a:rPr>
-                <a:t>기술 및 기법</a:t>
-              </a:r>
-              <a:r>
-                <a:rPr lang="ko-KR" altLang="en-US" sz="4800" dirty="0" smtClean="0">
-                  <a:solidFill>
-                    <a:srgbClr val="323232"/>
-                  </a:solidFill>
-                  <a:latin typeface="G마켓 산스 TTF Medium" panose="02000000000000000000" pitchFamily="2" charset="-127"/>
-                  <a:ea typeface="G마켓 산스 TTF Medium" panose="02000000000000000000" pitchFamily="2" charset="-127"/>
-                </a:rPr>
-                <a:t> </a:t>
+                <a:t>기술 및 기법 </a:t>
               </a:r>
               <a:r>
                 <a:rPr lang="en-US" altLang="ko-KR" sz="4800" dirty="0">
@@ -14266,16 +17691,6 @@
                 </a:rPr>
                 <a:t>적용 기술 및 기법 구성</a:t>
               </a:r>
-              <a:endParaRPr lang="ko-KR" altLang="en-US" sz="4800" dirty="0">
-                <a:solidFill>
-                  <a:schemeClr val="tx1">
-                    <a:lumMod val="50000"/>
-                    <a:lumOff val="50000"/>
-                  </a:schemeClr>
-                </a:solidFill>
-                <a:latin typeface="G마켓 산스 TTF Medium" panose="02000000000000000000" pitchFamily="2" charset="-127"/>
-                <a:ea typeface="G마켓 산스 TTF Medium" panose="02000000000000000000" pitchFamily="2" charset="-127"/>
-              </a:endParaRPr>
             </a:p>
           </p:txBody>
         </p:sp>
@@ -15019,17 +18434,7 @@
                   <a:latin typeface="G마켓 산스 TTF Medium" panose="02000000000000000000" pitchFamily="2" charset="-127"/>
                   <a:ea typeface="G마켓 산스 TTF Medium" panose="02000000000000000000" pitchFamily="2" charset="-127"/>
                 </a:rPr>
-                <a:t>Buil</a:t>
-              </a:r>
-              <a:r>
-                <a:rPr lang="en-US" altLang="ko-KR" dirty="0" smtClean="0">
-                  <a:solidFill>
-                    <a:srgbClr val="7F7F7F"/>
-                  </a:solidFill>
-                  <a:latin typeface="G마켓 산스 TTF Medium" panose="02000000000000000000" pitchFamily="2" charset="-127"/>
-                  <a:ea typeface="G마켓 산스 TTF Medium" panose="02000000000000000000" pitchFamily="2" charset="-127"/>
-                </a:rPr>
-                <a:t>d FSM</a:t>
+                <a:t>Build FSM</a:t>
               </a:r>
             </a:p>
           </p:txBody>
@@ -15394,9 +18799,19 @@
                 <a:latin typeface="G마켓 산스 TTF Medium" panose="02000000000000000000" pitchFamily="2" charset="-127"/>
                 <a:ea typeface="G마켓 산스 TTF Medium" panose="02000000000000000000" pitchFamily="2" charset="-127"/>
               </a:rPr>
-              <a:t>를 사용하여 유닛들의 움직임을</a:t>
+              <a:t>를 </a:t>
             </a:r>
-            <a:endParaRPr lang="en-US" altLang="ko-KR" dirty="0" smtClean="0">
+            <a:r>
+              <a:rPr lang="ko-KR" altLang="en-US" dirty="0" smtClean="0">
+                <a:solidFill>
+                  <a:srgbClr val="7F7F7F"/>
+                </a:solidFill>
+                <a:latin typeface="G마켓 산스 TTF Medium" panose="02000000000000000000" pitchFamily="2" charset="-127"/>
+                <a:ea typeface="G마켓 산스 TTF Medium" panose="02000000000000000000" pitchFamily="2" charset="-127"/>
+              </a:rPr>
+              <a:t>사용할 수 있도록 하여</a:t>
+            </a:r>
+            <a:endParaRPr lang="en-US" altLang="ko-KR" dirty="0">
               <a:solidFill>
                 <a:srgbClr val="7F7F7F"/>
               </a:solidFill>
@@ -15414,7 +18829,7 @@
                 <a:latin typeface="G마켓 산스 TTF Medium" panose="02000000000000000000" pitchFamily="2" charset="-127"/>
                 <a:ea typeface="G마켓 산스 TTF Medium" panose="02000000000000000000" pitchFamily="2" charset="-127"/>
               </a:rPr>
-              <a:t>제어하였습니다</a:t>
+              <a:t>유닛들의 움직임을 제어하였습니다</a:t>
             </a:r>
             <a:r>
               <a:rPr lang="en-US" altLang="ko-KR" dirty="0" smtClean="0">
@@ -16763,17 +20178,7 @@
                   <a:latin typeface="G마켓 산스 TTF Medium" panose="02000000000000000000" pitchFamily="2" charset="-127"/>
                   <a:ea typeface="G마켓 산스 TTF Medium" panose="02000000000000000000" pitchFamily="2" charset="-127"/>
                 </a:rPr>
-                <a:t>기술 및 기법</a:t>
-              </a:r>
-              <a:r>
-                <a:rPr lang="ko-KR" altLang="en-US" sz="4800" dirty="0" smtClean="0">
-                  <a:solidFill>
-                    <a:srgbClr val="323232"/>
-                  </a:solidFill>
-                  <a:latin typeface="G마켓 산스 TTF Medium" panose="02000000000000000000" pitchFamily="2" charset="-127"/>
-                  <a:ea typeface="G마켓 산스 TTF Medium" panose="02000000000000000000" pitchFamily="2" charset="-127"/>
-                </a:rPr>
-                <a:t> </a:t>
+                <a:t>기술 및 기법 </a:t>
               </a:r>
               <a:r>
                 <a:rPr lang="en-US" altLang="ko-KR" sz="4800" dirty="0">
@@ -16801,16 +20206,6 @@
                 </a:rPr>
                 <a:t>적용 기술 및 기법 구성</a:t>
               </a:r>
-              <a:endParaRPr lang="ko-KR" altLang="en-US" sz="4800" dirty="0">
-                <a:solidFill>
-                  <a:schemeClr val="tx1">
-                    <a:lumMod val="50000"/>
-                    <a:lumOff val="50000"/>
-                  </a:schemeClr>
-                </a:solidFill>
-                <a:latin typeface="G마켓 산스 TTF Medium" panose="02000000000000000000" pitchFamily="2" charset="-127"/>
-                <a:ea typeface="G마켓 산스 TTF Medium" panose="02000000000000000000" pitchFamily="2" charset="-127"/>
-              </a:endParaRPr>
             </a:p>
           </p:txBody>
         </p:sp>
@@ -18904,17 +22299,7 @@
                   <a:latin typeface="G마켓 산스 TTF Medium" panose="02000000000000000000" pitchFamily="2" charset="-127"/>
                   <a:ea typeface="G마켓 산스 TTF Medium" panose="02000000000000000000" pitchFamily="2" charset="-127"/>
                 </a:rPr>
-                <a:t>기술 및 기법</a:t>
-              </a:r>
-              <a:r>
-                <a:rPr lang="ko-KR" altLang="en-US" sz="4800" dirty="0" smtClean="0">
-                  <a:solidFill>
-                    <a:srgbClr val="323232"/>
-                  </a:solidFill>
-                  <a:latin typeface="G마켓 산스 TTF Medium" panose="02000000000000000000" pitchFamily="2" charset="-127"/>
-                  <a:ea typeface="G마켓 산스 TTF Medium" panose="02000000000000000000" pitchFamily="2" charset="-127"/>
-                </a:rPr>
-                <a:t> </a:t>
+                <a:t>기술 및 기법 </a:t>
               </a:r>
               <a:r>
                 <a:rPr lang="en-US" altLang="ko-KR" sz="4800" dirty="0">
@@ -18942,16 +22327,6 @@
                 </a:rPr>
                 <a:t>적용 기술 및 기법 구성</a:t>
               </a:r>
-              <a:endParaRPr lang="ko-KR" altLang="en-US" sz="4800" dirty="0">
-                <a:solidFill>
-                  <a:schemeClr val="tx1">
-                    <a:lumMod val="50000"/>
-                    <a:lumOff val="50000"/>
-                  </a:schemeClr>
-                </a:solidFill>
-                <a:latin typeface="G마켓 산스 TTF Medium" panose="02000000000000000000" pitchFamily="2" charset="-127"/>
-                <a:ea typeface="G마켓 산스 TTF Medium" panose="02000000000000000000" pitchFamily="2" charset="-127"/>
-              </a:endParaRPr>
             </a:p>
           </p:txBody>
         </p:sp>
@@ -19662,17 +23037,7 @@
                   <a:latin typeface="G마켓 산스 TTF Medium" panose="02000000000000000000" pitchFamily="2" charset="-127"/>
                   <a:ea typeface="G마켓 산스 TTF Medium" panose="02000000000000000000" pitchFamily="2" charset="-127"/>
                 </a:rPr>
-                <a:t>기술 및 기법</a:t>
-              </a:r>
-              <a:r>
-                <a:rPr lang="ko-KR" altLang="en-US" sz="4800" dirty="0" smtClean="0">
-                  <a:solidFill>
-                    <a:srgbClr val="323232"/>
-                  </a:solidFill>
-                  <a:latin typeface="G마켓 산스 TTF Medium" panose="02000000000000000000" pitchFamily="2" charset="-127"/>
-                  <a:ea typeface="G마켓 산스 TTF Medium" panose="02000000000000000000" pitchFamily="2" charset="-127"/>
-                </a:rPr>
-                <a:t> </a:t>
+                <a:t>기술 및 기법 </a:t>
               </a:r>
               <a:r>
                 <a:rPr lang="en-US" altLang="ko-KR" sz="4800" dirty="0">
@@ -19700,16 +23065,6 @@
                 </a:rPr>
                 <a:t>적용 기술 및 기법 구성</a:t>
               </a:r>
-              <a:endParaRPr lang="ko-KR" altLang="en-US" sz="4800" dirty="0">
-                <a:solidFill>
-                  <a:schemeClr val="tx1">
-                    <a:lumMod val="50000"/>
-                    <a:lumOff val="50000"/>
-                  </a:schemeClr>
-                </a:solidFill>
-                <a:latin typeface="G마켓 산스 TTF Medium" panose="02000000000000000000" pitchFamily="2" charset="-127"/>
-                <a:ea typeface="G마켓 산스 TTF Medium" panose="02000000000000000000" pitchFamily="2" charset="-127"/>
-              </a:endParaRPr>
             </a:p>
           </p:txBody>
         </p:sp>
